--- a/Intro_to_R/Introduction to R.pptx
+++ b/Intro_to_R/Introduction to R.pptx
@@ -6,7 +6,7 @@
     <p:sldMasterId id="2147483692" r:id="rId2"/>
   </p:sldMasterIdLst>
   <p:notesMasterIdLst>
-    <p:notesMasterId r:id="rId25"/>
+    <p:notesMasterId r:id="rId23"/>
   </p:notesMasterIdLst>
   <p:sldIdLst>
     <p:sldId id="283" r:id="rId3"/>
@@ -14,23 +14,21 @@
     <p:sldId id="345" r:id="rId5"/>
     <p:sldId id="343" r:id="rId6"/>
     <p:sldId id="354" r:id="rId7"/>
-    <p:sldId id="344" r:id="rId8"/>
-    <p:sldId id="329" r:id="rId9"/>
-    <p:sldId id="331" r:id="rId10"/>
-    <p:sldId id="332" r:id="rId11"/>
-    <p:sldId id="337" r:id="rId12"/>
-    <p:sldId id="338" r:id="rId13"/>
-    <p:sldId id="353" r:id="rId14"/>
-    <p:sldId id="339" r:id="rId15"/>
-    <p:sldId id="342" r:id="rId16"/>
+    <p:sldId id="355" r:id="rId8"/>
+    <p:sldId id="356" r:id="rId9"/>
+    <p:sldId id="344" r:id="rId10"/>
+    <p:sldId id="329" r:id="rId11"/>
+    <p:sldId id="331" r:id="rId12"/>
+    <p:sldId id="332" r:id="rId13"/>
+    <p:sldId id="337" r:id="rId14"/>
+    <p:sldId id="338" r:id="rId15"/>
+    <p:sldId id="353" r:id="rId16"/>
     <p:sldId id="340" r:id="rId17"/>
-    <p:sldId id="346" r:id="rId18"/>
-    <p:sldId id="348" r:id="rId19"/>
-    <p:sldId id="349" r:id="rId20"/>
-    <p:sldId id="350" r:id="rId21"/>
-    <p:sldId id="347" r:id="rId22"/>
-    <p:sldId id="351" r:id="rId23"/>
-    <p:sldId id="328" r:id="rId24"/>
+    <p:sldId id="339" r:id="rId18"/>
+    <p:sldId id="347" r:id="rId19"/>
+    <p:sldId id="351" r:id="rId20"/>
+    <p:sldId id="359" r:id="rId21"/>
+    <p:sldId id="358" r:id="rId22"/>
   </p:sldIdLst>
   <p:sldSz cx="12192000" cy="6858000"/>
   <p:notesSz cx="6858000" cy="9144000"/>
@@ -6756,7 +6754,6 @@
               <a:rPr lang="en-US" dirty="0" smtClean="0"/>
               <a:t> 2018</a:t>
             </a:r>
-            <a:endParaRPr lang="en-US" dirty="0" smtClean="0"/>
           </a:p>
         </p:txBody>
       </p:sp>
@@ -6781,6 +6778,337 @@
 </file>
 
 <file path=ppt/slides/slide10.xml><?xml version="1.0" encoding="utf-8"?>
+<p:sld xmlns:a="http://schemas.openxmlformats.org/drawingml/2006/main" xmlns:r="http://schemas.openxmlformats.org/officeDocument/2006/relationships" xmlns:p="http://schemas.openxmlformats.org/presentationml/2006/main">
+  <p:cSld>
+    <p:spTree>
+      <p:nvGrpSpPr>
+        <p:cNvPr id="1" name=""/>
+        <p:cNvGrpSpPr/>
+        <p:nvPr/>
+      </p:nvGrpSpPr>
+      <p:grpSpPr>
+        <a:xfrm>
+          <a:off x="0" y="0"/>
+          <a:ext cx="0" cy="0"/>
+          <a:chOff x="0" y="0"/>
+          <a:chExt cx="0" cy="0"/>
+        </a:xfrm>
+      </p:grpSpPr>
+      <p:sp>
+        <p:nvSpPr>
+          <p:cNvPr id="2" name="Title 1"/>
+          <p:cNvSpPr>
+            <a:spLocks noGrp="1"/>
+          </p:cNvSpPr>
+          <p:nvPr>
+            <p:ph type="title"/>
+          </p:nvPr>
+        </p:nvSpPr>
+        <p:spPr/>
+        <p:txBody>
+          <a:bodyPr>
+            <a:normAutofit fontScale="90000"/>
+          </a:bodyPr>
+          <a:lstStyle/>
+          <a:p>
+            <a:r>
+              <a:rPr lang="en-US" dirty="0" smtClean="0"/>
+              <a:t>Attribute Classification</a:t>
+            </a:r>
+            <a:endParaRPr lang="en-US" dirty="0"/>
+          </a:p>
+        </p:txBody>
+      </p:sp>
+      <p:sp>
+        <p:nvSpPr>
+          <p:cNvPr id="3" name="Text Placeholder 2"/>
+          <p:cNvSpPr>
+            <a:spLocks noGrp="1"/>
+          </p:cNvSpPr>
+          <p:nvPr>
+            <p:ph type="body" idx="1"/>
+          </p:nvPr>
+        </p:nvSpPr>
+        <p:spPr/>
+        <p:txBody>
+          <a:bodyPr/>
+          <a:lstStyle/>
+          <a:p>
+            <a:r>
+              <a:rPr lang="en-US" dirty="0" smtClean="0"/>
+              <a:t>Discrete Attribute – has </a:t>
+            </a:r>
+            <a:r>
+              <a:rPr lang="en-US" dirty="0" smtClean="0"/>
+              <a:t>a countable set </a:t>
+            </a:r>
+            <a:r>
+              <a:rPr lang="en-US" dirty="0" smtClean="0"/>
+              <a:t>of values</a:t>
+            </a:r>
+          </a:p>
+          <a:p>
+            <a:pPr lvl="1"/>
+            <a:r>
+              <a:rPr lang="en-US" dirty="0" smtClean="0"/>
+              <a:t>Examples: zip codes, number of words,</a:t>
+            </a:r>
+          </a:p>
+          <a:p>
+            <a:pPr lvl="1"/>
+            <a:r>
+              <a:rPr lang="en-US" dirty="0" smtClean="0"/>
+              <a:t>Typically represented as </a:t>
+            </a:r>
+            <a:r>
+              <a:rPr lang="en-US" b="1" dirty="0" smtClean="0"/>
+              <a:t>integers</a:t>
+            </a:r>
+            <a:endParaRPr lang="en-US" b="1" dirty="0"/>
+          </a:p>
+          <a:p>
+            <a:endParaRPr lang="en-US" dirty="0" smtClean="0"/>
+          </a:p>
+          <a:p>
+            <a:r>
+              <a:rPr lang="en-US" dirty="0" smtClean="0"/>
+              <a:t>Continuous Attribute - </a:t>
+            </a:r>
+            <a:r>
+              <a:rPr lang="en-US" dirty="0" smtClean="0"/>
+              <a:t>has </a:t>
+            </a:r>
+            <a:r>
+              <a:rPr lang="en-US" dirty="0" smtClean="0"/>
+              <a:t>an infinite set of</a:t>
+            </a:r>
+            <a:r>
+              <a:rPr lang="en-US" dirty="0" smtClean="0"/>
+              <a:t> numbers and potential divisions</a:t>
+            </a:r>
+          </a:p>
+          <a:p>
+            <a:pPr lvl="1"/>
+            <a:r>
+              <a:rPr lang="en-US" dirty="0" smtClean="0"/>
+              <a:t>Example</a:t>
+            </a:r>
+            <a:r>
+              <a:rPr lang="en-US" dirty="0" smtClean="0"/>
+              <a:t>: temperature, height, weight</a:t>
+            </a:r>
+          </a:p>
+          <a:p>
+            <a:pPr lvl="1"/>
+            <a:r>
+              <a:rPr lang="en-US" dirty="0"/>
+              <a:t>Typically represented as </a:t>
+            </a:r>
+            <a:r>
+              <a:rPr lang="en-US" dirty="0" smtClean="0"/>
+              <a:t>floating point (</a:t>
+            </a:r>
+            <a:r>
+              <a:rPr lang="en-US" b="1" dirty="0" smtClean="0"/>
+              <a:t>decimal</a:t>
+            </a:r>
+            <a:r>
+              <a:rPr lang="en-US" dirty="0" smtClean="0"/>
+              <a:t>)</a:t>
+            </a:r>
+            <a:endParaRPr lang="en-US" dirty="0"/>
+          </a:p>
+          <a:p>
+            <a:pPr lvl="1"/>
+            <a:endParaRPr lang="en-US" dirty="0"/>
+          </a:p>
+        </p:txBody>
+      </p:sp>
+    </p:spTree>
+    <p:extLst>
+      <p:ext uri="{BB962C8B-B14F-4D97-AF65-F5344CB8AC3E}">
+        <p14:creationId xmlns:p14="http://schemas.microsoft.com/office/powerpoint/2010/main" val="2916818513"/>
+      </p:ext>
+    </p:extLst>
+  </p:cSld>
+  <p:clrMapOvr>
+    <a:masterClrMapping/>
+  </p:clrMapOvr>
+</p:sld>
+</file>
+
+<file path=ppt/slides/slide11.xml><?xml version="1.0" encoding="utf-8"?>
+<p:sld xmlns:a="http://schemas.openxmlformats.org/drawingml/2006/main" xmlns:r="http://schemas.openxmlformats.org/officeDocument/2006/relationships" xmlns:p="http://schemas.openxmlformats.org/presentationml/2006/main">
+  <p:cSld>
+    <p:spTree>
+      <p:nvGrpSpPr>
+        <p:cNvPr id="1" name=""/>
+        <p:cNvGrpSpPr/>
+        <p:nvPr/>
+      </p:nvGrpSpPr>
+      <p:grpSpPr>
+        <a:xfrm>
+          <a:off x="0" y="0"/>
+          <a:ext cx="0" cy="0"/>
+          <a:chOff x="0" y="0"/>
+          <a:chExt cx="0" cy="0"/>
+        </a:xfrm>
+      </p:grpSpPr>
+      <p:sp>
+        <p:nvSpPr>
+          <p:cNvPr id="2" name="Title 1"/>
+          <p:cNvSpPr>
+            <a:spLocks noGrp="1"/>
+          </p:cNvSpPr>
+          <p:nvPr>
+            <p:ph type="title"/>
+          </p:nvPr>
+        </p:nvSpPr>
+        <p:spPr/>
+        <p:txBody>
+          <a:bodyPr>
+            <a:normAutofit fontScale="90000"/>
+          </a:bodyPr>
+          <a:lstStyle/>
+          <a:p>
+            <a:r>
+              <a:rPr lang="en-US" dirty="0"/>
+              <a:t>Important Attribute Classes</a:t>
+            </a:r>
+          </a:p>
+        </p:txBody>
+      </p:sp>
+      <p:sp>
+        <p:nvSpPr>
+          <p:cNvPr id="3" name="Text Placeholder 2"/>
+          <p:cNvSpPr>
+            <a:spLocks noGrp="1"/>
+          </p:cNvSpPr>
+          <p:nvPr>
+            <p:ph type="body" idx="1"/>
+          </p:nvPr>
+        </p:nvSpPr>
+        <p:spPr/>
+        <p:txBody>
+          <a:bodyPr>
+            <a:normAutofit/>
+          </a:bodyPr>
+          <a:lstStyle/>
+          <a:p>
+            <a:r>
+              <a:rPr lang="en-US" dirty="0" smtClean="0"/>
+              <a:t>Categorical </a:t>
+            </a:r>
+          </a:p>
+          <a:p>
+            <a:pPr lvl="1"/>
+            <a:r>
+              <a:rPr lang="en-US" dirty="0" smtClean="0"/>
+              <a:t>Nominal - </a:t>
+            </a:r>
+            <a:r>
+              <a:rPr lang="en-US" dirty="0"/>
+              <a:t>Data that can be counted, but not aggregated or </a:t>
+            </a:r>
+            <a:r>
+              <a:rPr lang="en-US" dirty="0" smtClean="0"/>
+              <a:t>ordered</a:t>
+            </a:r>
+            <a:endParaRPr lang="en-US" b="1" dirty="0" smtClean="0"/>
+          </a:p>
+          <a:p>
+            <a:pPr lvl="2"/>
+            <a:r>
+              <a:rPr lang="en-US" dirty="0" smtClean="0"/>
+              <a:t>Examples: Eye Color, Zip Code, Music Genre</a:t>
+            </a:r>
+          </a:p>
+          <a:p>
+            <a:pPr lvl="1"/>
+            <a:r>
+              <a:rPr lang="en-US" dirty="0" smtClean="0"/>
+              <a:t>Ordinal - </a:t>
+            </a:r>
+            <a:r>
+              <a:rPr lang="en-US" dirty="0"/>
+              <a:t>Data that can be counted and ordered, but not aggregated.</a:t>
+            </a:r>
+          </a:p>
+          <a:p>
+            <a:pPr lvl="2"/>
+            <a:r>
+              <a:rPr lang="en-US" dirty="0" smtClean="0"/>
+              <a:t>Examples: Grades, Clothing Size, Positions (in a race)</a:t>
+            </a:r>
+            <a:endParaRPr lang="en-US" dirty="0"/>
+          </a:p>
+          <a:p>
+            <a:r>
+              <a:rPr lang="en-US" dirty="0" smtClean="0"/>
+              <a:t>Numerical</a:t>
+            </a:r>
+          </a:p>
+          <a:p>
+            <a:pPr lvl="1"/>
+            <a:r>
+              <a:rPr lang="en-US" dirty="0" smtClean="0"/>
+              <a:t>Interval (metrics) - The difference in values are constant and meaningful</a:t>
+            </a:r>
+          </a:p>
+          <a:p>
+            <a:pPr lvl="2"/>
+            <a:r>
+              <a:rPr lang="en-US" dirty="0" smtClean="0"/>
+              <a:t>Examples: The </a:t>
+            </a:r>
+            <a:r>
+              <a:rPr lang="en-US" dirty="0"/>
+              <a:t>difference between a temperature of </a:t>
+            </a:r>
+            <a:r>
+              <a:rPr lang="en-US" dirty="0" smtClean="0"/>
+              <a:t>100°F and 90°F </a:t>
+            </a:r>
+            <a:r>
+              <a:rPr lang="en-US" dirty="0"/>
+              <a:t>is the same difference as between </a:t>
+            </a:r>
+            <a:r>
+              <a:rPr lang="en-US" dirty="0" smtClean="0"/>
+              <a:t>90°F and 80°F.</a:t>
+            </a:r>
+          </a:p>
+          <a:p>
+            <a:pPr lvl="1"/>
+            <a:r>
+              <a:rPr lang="en-US" dirty="0" smtClean="0"/>
+              <a:t>Ratio -  An interval scale with an absolute zero </a:t>
+            </a:r>
+          </a:p>
+          <a:p>
+            <a:pPr lvl="2"/>
+            <a:r>
+              <a:rPr lang="en-US" dirty="0" smtClean="0"/>
+              <a:t>Examples: Income, Height, Weight</a:t>
+            </a:r>
+            <a:endParaRPr lang="en-US" dirty="0"/>
+          </a:p>
+        </p:txBody>
+      </p:sp>
+    </p:spTree>
+    <p:extLst>
+      <p:ext uri="{BB962C8B-B14F-4D97-AF65-F5344CB8AC3E}">
+        <p14:creationId xmlns:p14="http://schemas.microsoft.com/office/powerpoint/2010/main" val="2534838353"/>
+      </p:ext>
+    </p:extLst>
+  </p:cSld>
+  <p:clrMapOvr>
+    <a:masterClrMapping/>
+  </p:clrMapOvr>
+</p:sld>
+</file>
+
+<file path=ppt/slides/slide12.xml><?xml version="1.0" encoding="utf-8"?>
 <p:sld xmlns:a="http://schemas.openxmlformats.org/drawingml/2006/main" xmlns:r="http://schemas.openxmlformats.org/officeDocument/2006/relationships" xmlns:p="http://schemas.openxmlformats.org/presentationml/2006/main">
   <p:cSld>
     <p:spTree>
@@ -6882,311 +7210,6 @@
 </p:sld>
 </file>
 
-<file path=ppt/slides/slide11.xml><?xml version="1.0" encoding="utf-8"?>
-<p:sld xmlns:a="http://schemas.openxmlformats.org/drawingml/2006/main" xmlns:r="http://schemas.openxmlformats.org/officeDocument/2006/relationships" xmlns:p="http://schemas.openxmlformats.org/presentationml/2006/main">
-  <p:cSld>
-    <p:spTree>
-      <p:nvGrpSpPr>
-        <p:cNvPr id="1" name=""/>
-        <p:cNvGrpSpPr/>
-        <p:nvPr/>
-      </p:nvGrpSpPr>
-      <p:grpSpPr>
-        <a:xfrm>
-          <a:off x="0" y="0"/>
-          <a:ext cx="0" cy="0"/>
-          <a:chOff x="0" y="0"/>
-          <a:chExt cx="0" cy="0"/>
-        </a:xfrm>
-      </p:grpSpPr>
-      <p:sp>
-        <p:nvSpPr>
-          <p:cNvPr id="2" name="Title 1"/>
-          <p:cNvSpPr>
-            <a:spLocks noGrp="1"/>
-          </p:cNvSpPr>
-          <p:nvPr>
-            <p:ph type="title"/>
-          </p:nvPr>
-        </p:nvSpPr>
-        <p:spPr/>
-        <p:txBody>
-          <a:bodyPr>
-            <a:normAutofit fontScale="90000"/>
-          </a:bodyPr>
-          <a:lstStyle/>
-          <a:p>
-            <a:r>
-              <a:rPr lang="en-US" dirty="0" smtClean="0"/>
-              <a:t>Primitive Data Types</a:t>
-            </a:r>
-            <a:endParaRPr lang="en-US" dirty="0"/>
-          </a:p>
-        </p:txBody>
-      </p:sp>
-      <p:sp>
-        <p:nvSpPr>
-          <p:cNvPr id="3" name="Text Placeholder 2"/>
-          <p:cNvSpPr>
-            <a:spLocks noGrp="1"/>
-          </p:cNvSpPr>
-          <p:nvPr>
-            <p:ph type="body" idx="1"/>
-          </p:nvPr>
-        </p:nvSpPr>
-        <p:spPr/>
-        <p:txBody>
-          <a:bodyPr/>
-          <a:lstStyle/>
-          <a:p>
-            <a:r>
-              <a:rPr lang="en-US" dirty="0" smtClean="0"/>
-              <a:t>Boolean:</a:t>
-            </a:r>
-          </a:p>
-          <a:p>
-            <a:pPr lvl="1"/>
-            <a:r>
-              <a:rPr lang="en-US" dirty="0" smtClean="0"/>
-              <a:t> True (T) or False (F)</a:t>
-            </a:r>
-          </a:p>
-          <a:p>
-            <a:r>
-              <a:rPr lang="en-US" dirty="0" smtClean="0"/>
-              <a:t>Char:</a:t>
-            </a:r>
-          </a:p>
-          <a:p>
-            <a:pPr lvl="1"/>
-            <a:r>
-              <a:rPr lang="en-US" dirty="0" smtClean="0"/>
-              <a:t>Characters and Strings – “A”, “Beta”, “There are different data types!”</a:t>
-            </a:r>
-          </a:p>
-          <a:p>
-            <a:r>
-              <a:rPr lang="en-US" dirty="0" err="1" smtClean="0"/>
-              <a:t>Int</a:t>
-            </a:r>
-            <a:r>
-              <a:rPr lang="en-US" dirty="0" smtClean="0"/>
-              <a:t>:</a:t>
-            </a:r>
-          </a:p>
-          <a:p>
-            <a:pPr lvl="1"/>
-            <a:r>
-              <a:rPr lang="en-US" dirty="0" smtClean="0"/>
-              <a:t>Integers – (1, 2, 100)</a:t>
-            </a:r>
-          </a:p>
-          <a:p>
-            <a:r>
-              <a:rPr lang="en-US" dirty="0" smtClean="0"/>
-              <a:t>Float/Double:</a:t>
-            </a:r>
-          </a:p>
-          <a:p>
-            <a:pPr lvl="1"/>
-            <a:r>
-              <a:rPr lang="en-US" dirty="0" smtClean="0"/>
-              <a:t> Decimal – (0.1, 0.2, 0.1352)</a:t>
-            </a:r>
-            <a:endParaRPr lang="en-US" dirty="0"/>
-          </a:p>
-        </p:txBody>
-      </p:sp>
-    </p:spTree>
-    <p:extLst>
-      <p:ext uri="{BB962C8B-B14F-4D97-AF65-F5344CB8AC3E}">
-        <p14:creationId xmlns:p14="http://schemas.microsoft.com/office/powerpoint/2010/main" val="2616292294"/>
-      </p:ext>
-    </p:extLst>
-  </p:cSld>
-  <p:clrMapOvr>
-    <a:masterClrMapping/>
-  </p:clrMapOvr>
-  <p:timing>
-    <p:tnLst>
-      <p:par>
-        <p:cTn id="1" dur="indefinite" restart="never" nodeType="tmRoot"/>
-      </p:par>
-    </p:tnLst>
-  </p:timing>
-</p:sld>
-</file>
-
-<file path=ppt/slides/slide12.xml><?xml version="1.0" encoding="utf-8"?>
-<p:sld xmlns:a="http://schemas.openxmlformats.org/drawingml/2006/main" xmlns:r="http://schemas.openxmlformats.org/officeDocument/2006/relationships" xmlns:p="http://schemas.openxmlformats.org/presentationml/2006/main">
-  <p:cSld>
-    <p:spTree>
-      <p:nvGrpSpPr>
-        <p:cNvPr id="1" name=""/>
-        <p:cNvGrpSpPr/>
-        <p:nvPr/>
-      </p:nvGrpSpPr>
-      <p:grpSpPr>
-        <a:xfrm>
-          <a:off x="0" y="0"/>
-          <a:ext cx="0" cy="0"/>
-          <a:chOff x="0" y="0"/>
-          <a:chExt cx="0" cy="0"/>
-        </a:xfrm>
-      </p:grpSpPr>
-      <p:sp>
-        <p:nvSpPr>
-          <p:cNvPr id="2" name="Title 1"/>
-          <p:cNvSpPr>
-            <a:spLocks noGrp="1"/>
-          </p:cNvSpPr>
-          <p:nvPr>
-            <p:ph type="title"/>
-          </p:nvPr>
-        </p:nvSpPr>
-        <p:spPr/>
-        <p:txBody>
-          <a:bodyPr>
-            <a:normAutofit fontScale="90000"/>
-          </a:bodyPr>
-          <a:lstStyle/>
-          <a:p>
-            <a:r>
-              <a:rPr lang="en-US" dirty="0" smtClean="0"/>
-              <a:t>Workshop Agenda</a:t>
-            </a:r>
-            <a:endParaRPr lang="en-US" dirty="0"/>
-          </a:p>
-        </p:txBody>
-      </p:sp>
-      <p:sp>
-        <p:nvSpPr>
-          <p:cNvPr id="3" name="Text Placeholder 2"/>
-          <p:cNvSpPr>
-            <a:spLocks noGrp="1"/>
-          </p:cNvSpPr>
-          <p:nvPr>
-            <p:ph type="body" idx="1"/>
-          </p:nvPr>
-        </p:nvSpPr>
-        <p:spPr/>
-        <p:txBody>
-          <a:bodyPr/>
-          <a:lstStyle/>
-          <a:p>
-            <a:pPr marL="0" indent="0">
-              <a:lnSpc>
-                <a:spcPts val="3360"/>
-              </a:lnSpc>
-              <a:buNone/>
-            </a:pPr>
-            <a:r>
-              <a:rPr lang="en-US" b="1" dirty="0" smtClean="0">
-                <a:solidFill>
-                  <a:schemeClr val="bg1">
-                    <a:lumMod val="65000"/>
-                  </a:schemeClr>
-                </a:solidFill>
-              </a:rPr>
-              <a:t>Workshop Expectations</a:t>
-            </a:r>
-          </a:p>
-          <a:p>
-            <a:pPr marL="0" indent="0">
-              <a:lnSpc>
-                <a:spcPts val="3360"/>
-              </a:lnSpc>
-              <a:buNone/>
-            </a:pPr>
-            <a:r>
-              <a:rPr lang="en-US" b="1" dirty="0" smtClean="0">
-                <a:solidFill>
-                  <a:schemeClr val="bg1">
-                    <a:lumMod val="65000"/>
-                  </a:schemeClr>
-                </a:solidFill>
-              </a:rPr>
-              <a:t>Understanding Data</a:t>
-            </a:r>
-          </a:p>
-          <a:p>
-            <a:pPr marL="0" indent="0">
-              <a:lnSpc>
-                <a:spcPts val="3360"/>
-              </a:lnSpc>
-              <a:buNone/>
-            </a:pPr>
-            <a:r>
-              <a:rPr lang="en-US" b="1" dirty="0" smtClean="0"/>
-              <a:t>Visualizations </a:t>
-            </a:r>
-            <a:endParaRPr lang="en-US" b="1" dirty="0"/>
-          </a:p>
-          <a:p>
-            <a:pPr marL="0" indent="0">
-              <a:lnSpc>
-                <a:spcPts val="3360"/>
-              </a:lnSpc>
-              <a:buNone/>
-            </a:pPr>
-            <a:r>
-              <a:rPr lang="en-US" b="1" dirty="0" smtClean="0">
-                <a:solidFill>
-                  <a:schemeClr val="bg1">
-                    <a:lumMod val="65000"/>
-                  </a:schemeClr>
-                </a:solidFill>
-              </a:rPr>
-              <a:t>The Scenario</a:t>
-            </a:r>
-          </a:p>
-          <a:p>
-            <a:pPr marL="0" indent="0">
-              <a:lnSpc>
-                <a:spcPts val="3360"/>
-              </a:lnSpc>
-              <a:buNone/>
-            </a:pPr>
-            <a:r>
-              <a:rPr lang="en-US" b="1" dirty="0" smtClean="0">
-                <a:solidFill>
-                  <a:schemeClr val="bg1">
-                    <a:lumMod val="65000"/>
-                  </a:schemeClr>
-                </a:solidFill>
-              </a:rPr>
-              <a:t>Plotting in ggplot2</a:t>
-            </a:r>
-            <a:endParaRPr lang="en-US" b="1" dirty="0">
-              <a:solidFill>
-                <a:schemeClr val="bg1">
-                  <a:lumMod val="65000"/>
-                </a:schemeClr>
-              </a:solidFill>
-            </a:endParaRPr>
-          </a:p>
-        </p:txBody>
-      </p:sp>
-    </p:spTree>
-    <p:extLst>
-      <p:ext uri="{BB962C8B-B14F-4D97-AF65-F5344CB8AC3E}">
-        <p14:creationId xmlns:p14="http://schemas.microsoft.com/office/powerpoint/2010/main" val="2091361516"/>
-      </p:ext>
-    </p:extLst>
-  </p:cSld>
-  <p:clrMapOvr>
-    <a:masterClrMapping/>
-  </p:clrMapOvr>
-  <p:timing>
-    <p:tnLst>
-      <p:par>
-        <p:cTn id="1" dur="indefinite" restart="never" nodeType="tmRoot"/>
-      </p:par>
-    </p:tnLst>
-  </p:timing>
-</p:sld>
-</file>
-
 <file path=ppt/slides/slide13.xml><?xml version="1.0" encoding="utf-8"?>
 <p:sld xmlns:a="http://schemas.openxmlformats.org/drawingml/2006/main" xmlns:r="http://schemas.openxmlformats.org/officeDocument/2006/relationships" xmlns:p="http://schemas.openxmlformats.org/presentationml/2006/main">
   <p:cSld>
@@ -7214,7 +7237,12 @@
             <p:ph type="title"/>
           </p:nvPr>
         </p:nvSpPr>
-        <p:spPr/>
+        <p:spPr>
+          <a:xfrm>
+            <a:off x="415600" y="593367"/>
+            <a:ext cx="11360800" cy="1175048"/>
+          </a:xfrm>
+        </p:spPr>
         <p:txBody>
           <a:bodyPr>
             <a:normAutofit fontScale="90000"/>
@@ -7223,7 +7251,18 @@
           <a:p>
             <a:r>
               <a:rPr lang="en-US" dirty="0" smtClean="0"/>
-              <a:t>Four Basic Chart Types</a:t>
+              <a:t>Primitive Data </a:t>
+            </a:r>
+            <a:r>
+              <a:rPr lang="en-US" dirty="0" smtClean="0"/>
+              <a:t>Types </a:t>
+            </a:r>
+            <a:br>
+              <a:rPr lang="en-US" dirty="0" smtClean="0"/>
+            </a:br>
+            <a:r>
+              <a:rPr lang="en-US" dirty="0" smtClean="0"/>
+              <a:t>(Computer Language Data Types)</a:t>
             </a:r>
             <a:endParaRPr lang="en-US" dirty="0"/>
           </a:p>
@@ -7241,129 +7280,80 @@
         </p:nvSpPr>
         <p:spPr>
           <a:xfrm>
-            <a:off x="415600" y="1536633"/>
-            <a:ext cx="2734924" cy="4555200"/>
+            <a:off x="415600" y="2001327"/>
+            <a:ext cx="11360800" cy="4090505"/>
           </a:xfrm>
         </p:spPr>
         <p:txBody>
-          <a:bodyPr>
-            <a:normAutofit/>
-          </a:bodyPr>
-          <a:lstStyle/>
-          <a:p>
-            <a:pPr>
-              <a:lnSpc>
-                <a:spcPct val="125000"/>
-              </a:lnSpc>
-            </a:pPr>
-            <a:r>
-              <a:rPr lang="en-US" dirty="0" smtClean="0"/>
-              <a:t>Comparison </a:t>
-            </a:r>
-          </a:p>
-          <a:p>
-            <a:pPr>
-              <a:lnSpc>
-                <a:spcPct val="125000"/>
-              </a:lnSpc>
-            </a:pPr>
-            <a:r>
-              <a:rPr lang="en-US" dirty="0" smtClean="0"/>
-              <a:t>Composition</a:t>
-            </a:r>
-          </a:p>
-          <a:p>
-            <a:pPr>
-              <a:lnSpc>
-                <a:spcPct val="125000"/>
-              </a:lnSpc>
-            </a:pPr>
-            <a:r>
-              <a:rPr lang="en-US" dirty="0"/>
-              <a:t>Distribution</a:t>
-            </a:r>
-          </a:p>
-          <a:p>
-            <a:pPr>
-              <a:lnSpc>
-                <a:spcPct val="125000"/>
-              </a:lnSpc>
-            </a:pPr>
-            <a:r>
-              <a:rPr lang="en-US" dirty="0" smtClean="0"/>
-              <a:t>Relationship</a:t>
-            </a:r>
-          </a:p>
-        </p:txBody>
-      </p:sp>
-      <p:pic>
-        <p:nvPicPr>
-          <p:cNvPr id="4" name="Picture 3"/>
-          <p:cNvPicPr>
-            <a:picLocks noChangeAspect="1"/>
-          </p:cNvPicPr>
-          <p:nvPr/>
-        </p:nvPicPr>
-        <p:blipFill rotWithShape="1">
-          <a:blip r:embed="rId2"/>
-          <a:srcRect t="5822"/>
-          <a:stretch/>
-        </p:blipFill>
-        <p:spPr>
-          <a:xfrm>
-            <a:off x="3965170" y="1534337"/>
-            <a:ext cx="8027323" cy="4297210"/>
-          </a:xfrm>
-          <a:prstGeom prst="rect">
-            <a:avLst/>
-          </a:prstGeom>
-        </p:spPr>
-      </p:pic>
-      <p:sp>
-        <p:nvSpPr>
-          <p:cNvPr id="5" name="Rectangle 4"/>
-          <p:cNvSpPr/>
-          <p:nvPr/>
-        </p:nvSpPr>
-        <p:spPr>
-          <a:xfrm>
-            <a:off x="8816139" y="6008917"/>
-            <a:ext cx="3375861" cy="276999"/>
-          </a:xfrm>
-          <a:prstGeom prst="rect">
-            <a:avLst/>
-          </a:prstGeom>
-        </p:spPr>
-        <p:txBody>
-          <a:bodyPr wrap="none">
-            <a:spAutoFit/>
-          </a:bodyPr>
-          <a:lstStyle/>
-          <a:p>
-            <a:r>
-              <a:rPr lang="en-US" sz="1200" dirty="0">
-                <a:hlinkClick r:id="rId3"/>
-              </a:rPr>
-              <a:t>https://</a:t>
-            </a:r>
-            <a:r>
-              <a:rPr lang="en-US" sz="1200" dirty="0" smtClean="0">
-                <a:hlinkClick r:id="rId3"/>
-              </a:rPr>
-              <a:t>excelcharts.com/classification-chart-types/</a:t>
-            </a:r>
-            <a:r>
-              <a:rPr lang="en-US" sz="1200" dirty="0" smtClean="0"/>
-              <a:t> </a:t>
-            </a:r>
-            <a:endParaRPr lang="en-US" sz="1200" dirty="0"/>
+          <a:bodyPr/>
+          <a:lstStyle/>
+          <a:p>
+            <a:r>
+              <a:rPr lang="en-US" dirty="0" smtClean="0"/>
+              <a:t>Boolean</a:t>
+            </a:r>
+            <a:r>
+              <a:rPr lang="en-US" dirty="0" smtClean="0"/>
+              <a:t>:</a:t>
+            </a:r>
+          </a:p>
+          <a:p>
+            <a:pPr lvl="1"/>
+            <a:r>
+              <a:rPr lang="en-US" dirty="0" smtClean="0"/>
+              <a:t> True (T) or False (F)</a:t>
+            </a:r>
+          </a:p>
+          <a:p>
+            <a:r>
+              <a:rPr lang="en-US" dirty="0" smtClean="0"/>
+              <a:t>Char:</a:t>
+            </a:r>
+          </a:p>
+          <a:p>
+            <a:pPr lvl="1"/>
+            <a:r>
+              <a:rPr lang="en-US" dirty="0" smtClean="0"/>
+              <a:t>Characters and Strings – “A”, “Beta”, “There are different data types!”</a:t>
+            </a:r>
+          </a:p>
+          <a:p>
+            <a:r>
+              <a:rPr lang="en-US" dirty="0" err="1" smtClean="0"/>
+              <a:t>Int</a:t>
+            </a:r>
+            <a:r>
+              <a:rPr lang="en-US" dirty="0" smtClean="0"/>
+              <a:t>:</a:t>
+            </a:r>
+          </a:p>
+          <a:p>
+            <a:pPr lvl="1"/>
+            <a:r>
+              <a:rPr lang="en-US" dirty="0" smtClean="0"/>
+              <a:t>Integers – (1, 2, 100)</a:t>
+            </a:r>
+          </a:p>
+          <a:p>
+            <a:r>
+              <a:rPr lang="en-US" dirty="0" smtClean="0"/>
+              <a:t>Float/Double:</a:t>
+            </a:r>
+          </a:p>
+          <a:p>
+            <a:pPr lvl="1"/>
+            <a:r>
+              <a:rPr lang="en-US" dirty="0" smtClean="0"/>
+              <a:t> Decimal – (0.1, 0.2, 0.1352)</a:t>
+            </a:r>
+            <a:endParaRPr lang="en-US" dirty="0"/>
           </a:p>
         </p:txBody>
       </p:sp>
     </p:spTree>
     <p:extLst>
       <p:ext uri="{BB962C8B-B14F-4D97-AF65-F5344CB8AC3E}">
-        <p14:creationId xmlns:p14="http://schemas.microsoft.com/office/powerpoint/2010/main" val="1850332024"/>
+        <p14:creationId xmlns:p14="http://schemas.microsoft.com/office/powerpoint/2010/main" val="2616292294"/>
       </p:ext>
     </p:extLst>
   </p:cSld>
@@ -7397,35 +7387,159 @@
           <a:chExt cx="0" cy="0"/>
         </a:xfrm>
       </p:grpSpPr>
-      <p:pic>
-        <p:nvPicPr>
-          <p:cNvPr id="4" name="Content Placeholder 3"/>
-          <p:cNvPicPr>
-            <a:picLocks noGrp="1" noChangeAspect="1"/>
-          </p:cNvPicPr>
-          <p:nvPr>
-            <p:ph idx="1"/>
-          </p:nvPr>
-        </p:nvPicPr>
-        <p:blipFill rotWithShape="1">
-          <a:blip r:embed="rId2"/>
-          <a:srcRect l="6594" t="8507" b="3751"/>
-          <a:stretch/>
-        </p:blipFill>
-        <p:spPr>
-          <a:xfrm>
-            <a:off x="1837112" y="109055"/>
-            <a:ext cx="9110751" cy="6624254"/>
-          </a:xfrm>
-          <a:prstGeom prst="rect">
-            <a:avLst/>
-          </a:prstGeom>
-        </p:spPr>
-      </p:pic>
+      <p:sp>
+        <p:nvSpPr>
+          <p:cNvPr id="2" name="Title 1"/>
+          <p:cNvSpPr>
+            <a:spLocks noGrp="1"/>
+          </p:cNvSpPr>
+          <p:nvPr>
+            <p:ph type="title"/>
+          </p:nvPr>
+        </p:nvSpPr>
+        <p:spPr/>
+        <p:txBody>
+          <a:bodyPr>
+            <a:normAutofit fontScale="90000"/>
+          </a:bodyPr>
+          <a:lstStyle/>
+          <a:p>
+            <a:r>
+              <a:rPr lang="en-US" dirty="0" smtClean="0"/>
+              <a:t>Workshop Agenda</a:t>
+            </a:r>
+            <a:endParaRPr lang="en-US" dirty="0"/>
+          </a:p>
+        </p:txBody>
+      </p:sp>
+      <p:sp>
+        <p:nvSpPr>
+          <p:cNvPr id="3" name="Text Placeholder 2"/>
+          <p:cNvSpPr>
+            <a:spLocks noGrp="1"/>
+          </p:cNvSpPr>
+          <p:nvPr>
+            <p:ph type="body" idx="1"/>
+          </p:nvPr>
+        </p:nvSpPr>
+        <p:spPr/>
+        <p:txBody>
+          <a:bodyPr/>
+          <a:lstStyle/>
+          <a:p>
+            <a:pPr marL="0" indent="0">
+              <a:lnSpc>
+                <a:spcPts val="3360"/>
+              </a:lnSpc>
+              <a:buNone/>
+            </a:pPr>
+            <a:r>
+              <a:rPr lang="en-US" b="1" dirty="0" smtClean="0">
+                <a:solidFill>
+                  <a:schemeClr val="bg1">
+                    <a:lumMod val="65000"/>
+                  </a:schemeClr>
+                </a:solidFill>
+              </a:rPr>
+              <a:t>Workshop </a:t>
+            </a:r>
+            <a:r>
+              <a:rPr lang="en-US" b="1" dirty="0" smtClean="0">
+                <a:solidFill>
+                  <a:schemeClr val="bg1">
+                    <a:lumMod val="65000"/>
+                  </a:schemeClr>
+                </a:solidFill>
+              </a:rPr>
+              <a:t>Expectations</a:t>
+            </a:r>
+          </a:p>
+          <a:p>
+            <a:pPr marL="0" indent="0">
+              <a:lnSpc>
+                <a:spcPts val="3360"/>
+              </a:lnSpc>
+              <a:buNone/>
+            </a:pPr>
+            <a:r>
+              <a:rPr lang="en-US" b="1" dirty="0" smtClean="0">
+                <a:solidFill>
+                  <a:schemeClr val="bg1">
+                    <a:lumMod val="65000"/>
+                  </a:schemeClr>
+                </a:solidFill>
+              </a:rPr>
+              <a:t>Why R?</a:t>
+            </a:r>
+            <a:endParaRPr lang="en-US" b="1" dirty="0" smtClean="0">
+              <a:solidFill>
+                <a:schemeClr val="bg1">
+                  <a:lumMod val="65000"/>
+                </a:schemeClr>
+              </a:solidFill>
+            </a:endParaRPr>
+          </a:p>
+          <a:p>
+            <a:pPr marL="0" indent="0">
+              <a:lnSpc>
+                <a:spcPts val="3360"/>
+              </a:lnSpc>
+              <a:buNone/>
+            </a:pPr>
+            <a:r>
+              <a:rPr lang="en-US" b="1" dirty="0" smtClean="0">
+                <a:solidFill>
+                  <a:schemeClr val="bg1">
+                    <a:lumMod val="65000"/>
+                  </a:schemeClr>
+                </a:solidFill>
+              </a:rPr>
+              <a:t>Understanding Data</a:t>
+            </a:r>
+          </a:p>
+          <a:p>
+            <a:pPr marL="0" indent="0">
+              <a:lnSpc>
+                <a:spcPts val="3360"/>
+              </a:lnSpc>
+              <a:buNone/>
+            </a:pPr>
+            <a:r>
+              <a:rPr lang="en-US" b="1" dirty="0"/>
+              <a:t>Data Visualizations in R</a:t>
+            </a:r>
+          </a:p>
+          <a:p>
+            <a:pPr marL="0" indent="0">
+              <a:lnSpc>
+                <a:spcPts val="3360"/>
+              </a:lnSpc>
+              <a:buNone/>
+            </a:pPr>
+            <a:r>
+              <a:rPr lang="en-US" b="1" dirty="0" smtClean="0">
+                <a:solidFill>
+                  <a:schemeClr val="bg1">
+                    <a:lumMod val="65000"/>
+                  </a:schemeClr>
+                </a:solidFill>
+              </a:rPr>
+              <a:t>Work in R Studio</a:t>
+            </a:r>
+            <a:endParaRPr lang="en-US" b="1" dirty="0">
+              <a:solidFill>
+                <a:schemeClr val="bg1">
+                  <a:lumMod val="65000"/>
+                </a:schemeClr>
+              </a:solidFill>
+            </a:endParaRPr>
+          </a:p>
+        </p:txBody>
+      </p:sp>
     </p:spTree>
     <p:extLst>
       <p:ext uri="{BB962C8B-B14F-4D97-AF65-F5344CB8AC3E}">
-        <p14:creationId xmlns:p14="http://schemas.microsoft.com/office/powerpoint/2010/main" val="2900027548"/>
+        <p14:creationId xmlns:p14="http://schemas.microsoft.com/office/powerpoint/2010/main" val="2091361516"/>
       </p:ext>
     </p:extLst>
   </p:cSld>
@@ -7723,7 +7837,12 @@
             <p:ph type="title"/>
           </p:nvPr>
         </p:nvSpPr>
-        <p:spPr/>
+        <p:spPr>
+          <a:xfrm>
+            <a:off x="415600" y="1"/>
+            <a:ext cx="11360800" cy="785004"/>
+          </a:xfrm>
+        </p:spPr>
         <p:txBody>
           <a:bodyPr>
             <a:normAutofit fontScale="90000"/>
@@ -7732,98 +7851,80 @@
           <a:p>
             <a:r>
               <a:rPr lang="en-US" dirty="0" smtClean="0"/>
-              <a:t>Workshop Agenda</a:t>
+              <a:t>Four Basic Chart Types</a:t>
             </a:r>
             <a:endParaRPr lang="en-US" dirty="0"/>
           </a:p>
         </p:txBody>
       </p:sp>
-      <p:sp>
-        <p:nvSpPr>
-          <p:cNvPr id="3" name="Text Placeholder 2"/>
-          <p:cNvSpPr>
-            <a:spLocks noGrp="1"/>
-          </p:cNvSpPr>
-          <p:nvPr>
-            <p:ph type="body" idx="1"/>
-          </p:nvPr>
-        </p:nvSpPr>
-        <p:spPr/>
-        <p:txBody>
-          <a:bodyPr/>
-          <a:lstStyle/>
-          <a:p>
-            <a:pPr marL="0" indent="0">
-              <a:lnSpc>
-                <a:spcPts val="3360"/>
-              </a:lnSpc>
-              <a:buNone/>
-            </a:pPr>
-            <a:r>
-              <a:rPr lang="en-US" b="1" dirty="0" smtClean="0">
-                <a:solidFill>
-                  <a:schemeClr val="bg1">
-                    <a:lumMod val="65000"/>
-                  </a:schemeClr>
-                </a:solidFill>
+      <p:pic>
+        <p:nvPicPr>
+          <p:cNvPr id="7" name="Content Placeholder 3"/>
+          <p:cNvPicPr>
+            <a:picLocks noChangeAspect="1"/>
+          </p:cNvPicPr>
+          <p:nvPr/>
+        </p:nvPicPr>
+        <p:blipFill rotWithShape="1">
+          <a:blip r:embed="rId2"/>
+          <a:srcRect l="6594" t="8507" b="3751"/>
+          <a:stretch/>
+        </p:blipFill>
+        <p:spPr>
+          <a:xfrm>
+            <a:off x="1872572" y="716452"/>
+            <a:ext cx="8446855" cy="6141548"/>
+          </a:xfrm>
+          <a:prstGeom prst="rect">
+            <a:avLst/>
+          </a:prstGeom>
+        </p:spPr>
+      </p:pic>
+      <p:sp>
+        <p:nvSpPr>
+          <p:cNvPr id="8" name="Rectangle 7"/>
+          <p:cNvSpPr/>
+          <p:nvPr/>
+        </p:nvSpPr>
+        <p:spPr>
+          <a:xfrm>
+            <a:off x="1837425" y="6611779"/>
+            <a:ext cx="4258574" cy="246221"/>
+          </a:xfrm>
+          <a:prstGeom prst="rect">
+            <a:avLst/>
+          </a:prstGeom>
+        </p:spPr>
+        <p:txBody>
+          <a:bodyPr wrap="square">
+            <a:spAutoFit/>
+          </a:bodyPr>
+          <a:lstStyle/>
+          <a:p>
+            <a:r>
+              <a:rPr lang="en-US" sz="1000" dirty="0">
+                <a:hlinkClick r:id="rId3"/>
               </a:rPr>
-              <a:t>Workshop Expectations</a:t>
-            </a:r>
-          </a:p>
-          <a:p>
-            <a:pPr marL="0" indent="0">
-              <a:lnSpc>
-                <a:spcPts val="3360"/>
-              </a:lnSpc>
-              <a:buNone/>
-            </a:pPr>
-            <a:r>
-              <a:rPr lang="en-US" b="1" dirty="0" smtClean="0">
-                <a:solidFill>
-                  <a:schemeClr val="bg1">
-                    <a:lumMod val="65000"/>
-                  </a:schemeClr>
-                </a:solidFill>
+              <a:t>http://</a:t>
+            </a:r>
+            <a:r>
+              <a:rPr lang="en-US" sz="1000" dirty="0" smtClean="0">
+                <a:hlinkClick r:id="rId3"/>
               </a:rPr>
-              <a:t>Understanding Data</a:t>
-            </a:r>
-          </a:p>
-          <a:p>
-            <a:pPr marL="0" indent="0">
-              <a:lnSpc>
-                <a:spcPts val="3360"/>
-              </a:lnSpc>
-              <a:buNone/>
-            </a:pPr>
-            <a:r>
-              <a:rPr lang="en-US" b="1" dirty="0" smtClean="0"/>
-              <a:t>The Scenario</a:t>
-            </a:r>
-          </a:p>
-          <a:p>
-            <a:pPr marL="0" indent="0">
-              <a:lnSpc>
-                <a:spcPts val="3360"/>
-              </a:lnSpc>
-              <a:buNone/>
-            </a:pPr>
-            <a:r>
-              <a:rPr lang="en-US" b="1" dirty="0" smtClean="0">
-                <a:solidFill>
-                  <a:schemeClr val="bg1">
-                    <a:lumMod val="65000"/>
-                  </a:schemeClr>
-                </a:solidFill>
-              </a:rPr>
-              <a:t>Visualizations </a:t>
-            </a:r>
+              <a:t>extremepresentation.typepad.com/files/choosing-a-good-chart-09.pdf</a:t>
+            </a:r>
+            <a:r>
+              <a:rPr lang="en-US" sz="1000" dirty="0" smtClean="0"/>
+              <a:t> </a:t>
+            </a:r>
+            <a:endParaRPr lang="en-US" sz="1000" dirty="0"/>
           </a:p>
         </p:txBody>
       </p:sp>
     </p:spTree>
     <p:extLst>
       <p:ext uri="{BB962C8B-B14F-4D97-AF65-F5344CB8AC3E}">
-        <p14:creationId xmlns:p14="http://schemas.microsoft.com/office/powerpoint/2010/main" val="3406315053"/>
+        <p14:creationId xmlns:p14="http://schemas.microsoft.com/office/powerpoint/2010/main" val="1850332024"/>
       </p:ext>
     </p:extLst>
   </p:cSld>
@@ -7845,7 +7946,7 @@
   <p:cSld>
     <p:spTree>
       <p:nvGrpSpPr>
-        <p:cNvPr id="1" name=""/>
+        <p:cNvPr id="1" name="Shape 259"/>
         <p:cNvGrpSpPr/>
         <p:nvPr/>
       </p:nvGrpSpPr>
@@ -7859,96 +7960,333 @@
       </p:grpSpPr>
       <p:sp>
         <p:nvSpPr>
-          <p:cNvPr id="2" name="Title 1"/>
-          <p:cNvSpPr>
+          <p:cNvPr id="260" name="Shape 260"/>
+          <p:cNvSpPr txBox="1">
             <a:spLocks noGrp="1"/>
           </p:cNvSpPr>
           <p:nvPr>
             <p:ph type="title"/>
           </p:nvPr>
         </p:nvSpPr>
-        <p:spPr/>
-        <p:txBody>
-          <a:bodyPr>
-            <a:normAutofit fontScale="90000"/>
+        <p:spPr>
+          <a:prstGeom prst="rect">
+            <a:avLst/>
+          </a:prstGeom>
+        </p:spPr>
+        <p:txBody>
+          <a:bodyPr vert="horz" lIns="121900" tIns="121900" rIns="121900" bIns="121900" rtlCol="0" anchor="t" anchorCtr="0">
+            <a:noAutofit/>
           </a:bodyPr>
           <a:lstStyle/>
           <a:p>
             <a:r>
-              <a:rPr lang="en-US" dirty="0" smtClean="0"/>
-              <a:t>Titanic Data Set</a:t>
-            </a:r>
-            <a:endParaRPr lang="en-US" dirty="0"/>
-          </a:p>
-        </p:txBody>
-      </p:sp>
-      <p:sp>
-        <p:nvSpPr>
-          <p:cNvPr id="3" name="Text Placeholder 2"/>
-          <p:cNvSpPr>
+              <a:rPr lang="en" dirty="0"/>
+              <a:t>Grammar of Graphics</a:t>
+            </a:r>
+          </a:p>
+        </p:txBody>
+      </p:sp>
+      <p:sp>
+        <p:nvSpPr>
+          <p:cNvPr id="261" name="Shape 261"/>
+          <p:cNvSpPr txBox="1">
             <a:spLocks noGrp="1"/>
           </p:cNvSpPr>
           <p:nvPr>
             <p:ph type="body" idx="1"/>
           </p:nvPr>
         </p:nvSpPr>
-        <p:spPr/>
-        <p:txBody>
-          <a:bodyPr/>
-          <a:lstStyle/>
-          <a:p>
-            <a:r>
-              <a:rPr lang="en-US" dirty="0" smtClean="0"/>
-              <a:t>We will use the </a:t>
-            </a:r>
-            <a:r>
-              <a:rPr lang="en-US" dirty="0" err="1" smtClean="0"/>
-              <a:t>Kaggle</a:t>
-            </a:r>
-            <a:r>
-              <a:rPr lang="en-US" dirty="0" smtClean="0"/>
-              <a:t> Competition’s Titanic Machine Learning from Disaster Dataset</a:t>
-            </a:r>
-          </a:p>
-          <a:p>
-            <a:pPr lvl="1"/>
-            <a:r>
-              <a:rPr lang="en-US" dirty="0" smtClean="0"/>
-              <a:t>Everyone is familiar with the Titanic</a:t>
-            </a:r>
-          </a:p>
-          <a:p>
-            <a:pPr lvl="1"/>
-            <a:r>
-              <a:rPr lang="en-US" dirty="0" smtClean="0"/>
-              <a:t>The data set is a good representation of real world data</a:t>
-            </a:r>
-          </a:p>
-          <a:p>
-            <a:endParaRPr lang="en-US" dirty="0" smtClean="0"/>
-          </a:p>
-          <a:p>
-            <a:r>
-              <a:rPr lang="en-US" dirty="0" smtClean="0"/>
-              <a:t>Following the teaching model from Dave Langer’s presentation on Data Science Dojo </a:t>
-            </a:r>
-          </a:p>
-          <a:p>
-            <a:pPr lvl="1"/>
-            <a:endParaRPr lang="en-US" dirty="0"/>
+        <p:spPr>
+          <a:xfrm>
+            <a:off x="415600" y="1536633"/>
+            <a:ext cx="11360800" cy="5085600"/>
+          </a:xfrm>
+          <a:prstGeom prst="rect">
+            <a:avLst/>
+          </a:prstGeom>
+        </p:spPr>
+        <p:txBody>
+          <a:bodyPr vert="horz" lIns="121900" tIns="121900" rIns="121900" bIns="121900" rtlCol="0" anchor="t" anchorCtr="0">
+            <a:noAutofit/>
+          </a:bodyPr>
+          <a:lstStyle/>
+          <a:p>
+            <a:pPr>
+              <a:buClr>
+                <a:schemeClr val="dk1"/>
+              </a:buClr>
+              <a:buSzPct val="61111"/>
+              <a:buNone/>
+            </a:pPr>
+            <a:r>
+              <a:rPr lang="en" dirty="0"/>
+              <a:t>Originated by </a:t>
+            </a:r>
+            <a:r>
+              <a:rPr lang="en" u="sng" dirty="0">
+                <a:hlinkClick r:id="rId3"/>
+              </a:rPr>
+              <a:t>Leland Wilkinson</a:t>
+            </a:r>
+            <a:r>
+              <a:rPr lang="en" dirty="0"/>
+              <a:t>, simplified by </a:t>
+            </a:r>
+            <a:r>
+              <a:rPr lang="en" u="sng" dirty="0">
+                <a:hlinkClick r:id="rId4"/>
+              </a:rPr>
+              <a:t>Hadley Wickham</a:t>
+            </a:r>
+            <a:r>
+              <a:rPr lang="en" dirty="0"/>
+              <a:t> and others. </a:t>
+            </a:r>
+          </a:p>
+          <a:p>
+            <a:pPr marL="609585" indent="-304792">
+              <a:buClr>
+                <a:schemeClr val="dk2"/>
+              </a:buClr>
+              <a:buFont typeface="Roboto"/>
+              <a:buChar char="●"/>
+            </a:pPr>
+            <a:endParaRPr lang="en" dirty="0" smtClean="0"/>
+          </a:p>
+          <a:p>
+            <a:pPr marL="609585" indent="-304792">
+              <a:buClr>
+                <a:schemeClr val="dk2"/>
+              </a:buClr>
+              <a:buFont typeface="Roboto"/>
+              <a:buChar char="●"/>
+            </a:pPr>
+            <a:r>
+              <a:rPr lang="en" dirty="0" smtClean="0"/>
+              <a:t>Data – The raw materials of your visualization </a:t>
+            </a:r>
+          </a:p>
+          <a:p>
+            <a:pPr marL="609585" indent="-304792">
+              <a:buClr>
+                <a:schemeClr val="dk2"/>
+              </a:buClr>
+              <a:buFont typeface="Roboto"/>
+              <a:buChar char="●"/>
+            </a:pPr>
+            <a:r>
+              <a:rPr lang="en" dirty="0" smtClean="0"/>
+              <a:t>Layers – What you actually see on the plot (plots,lines,etc.)</a:t>
+            </a:r>
+          </a:p>
+          <a:p>
+            <a:pPr marL="609585" indent="-304792">
+              <a:buClr>
+                <a:schemeClr val="dk2"/>
+              </a:buClr>
+              <a:buFont typeface="Roboto"/>
+              <a:buChar char="●"/>
+            </a:pPr>
+            <a:r>
+              <a:rPr lang="en" dirty="0" smtClean="0"/>
+              <a:t>Scales – Maps the data to grpahical output </a:t>
+            </a:r>
+          </a:p>
+          <a:p>
+            <a:pPr marL="609585" indent="-304792">
+              <a:buClr>
+                <a:schemeClr val="dk2"/>
+              </a:buClr>
+              <a:buFont typeface="Roboto"/>
+              <a:buChar char="●"/>
+            </a:pPr>
+            <a:r>
+              <a:rPr lang="en" dirty="0" smtClean="0"/>
+              <a:t>Coordinates – The visualization’s perspective (normally a grid)</a:t>
+            </a:r>
+          </a:p>
+          <a:p>
+            <a:pPr marL="609585" indent="-304792">
+              <a:buClr>
+                <a:schemeClr val="dk2"/>
+              </a:buClr>
+              <a:buFont typeface="Roboto"/>
+              <a:buChar char="●"/>
+            </a:pPr>
+            <a:r>
+              <a:rPr lang="en" dirty="0" smtClean="0"/>
+              <a:t>Faceting – Provides details into the data (analoguous to pivot tables)</a:t>
+            </a:r>
+          </a:p>
+          <a:p>
+            <a:pPr marL="609585" indent="-304792">
+              <a:buClr>
+                <a:schemeClr val="dk2"/>
+              </a:buClr>
+              <a:buFont typeface="Roboto"/>
+              <a:buChar char="●"/>
+            </a:pPr>
+            <a:r>
+              <a:rPr lang="en" dirty="0" smtClean="0"/>
+              <a:t>Themes – Control the details of the display (color scheme, fonts)</a:t>
+            </a:r>
+            <a:endParaRPr lang="en-US" sz="1000" u="sng" dirty="0" smtClean="0"/>
+          </a:p>
+          <a:p>
+            <a:pPr algn="r">
+              <a:buClr>
+                <a:schemeClr val="dk1"/>
+              </a:buClr>
+              <a:buSzPct val="61111"/>
+              <a:buNone/>
+            </a:pPr>
+            <a:endParaRPr lang="en-US" sz="1000" u="sng" dirty="0"/>
+          </a:p>
+          <a:p>
+            <a:pPr algn="r">
+              <a:buClr>
+                <a:schemeClr val="dk1"/>
+              </a:buClr>
+              <a:buSzPct val="61111"/>
+              <a:buNone/>
+            </a:pPr>
+            <a:endParaRPr lang="en-US" sz="1000" u="sng" dirty="0" smtClean="0"/>
+          </a:p>
+          <a:p>
+            <a:pPr algn="r">
+              <a:buClr>
+                <a:schemeClr val="dk1"/>
+              </a:buClr>
+              <a:buSzPct val="61111"/>
+              <a:buNone/>
+            </a:pPr>
+            <a:endParaRPr lang="en-US" sz="1000" u="sng" dirty="0"/>
+          </a:p>
+          <a:p>
+            <a:pPr algn="r">
+              <a:buClr>
+                <a:schemeClr val="dk1"/>
+              </a:buClr>
+              <a:buSzPct val="61111"/>
+              <a:buNone/>
+            </a:pPr>
+            <a:endParaRPr lang="en-US" sz="1000" u="sng" dirty="0" smtClean="0"/>
+          </a:p>
+          <a:p>
+            <a:pPr algn="r">
+              <a:buClr>
+                <a:schemeClr val="dk1"/>
+              </a:buClr>
+              <a:buSzPct val="61111"/>
+              <a:buNone/>
+            </a:pPr>
+            <a:endParaRPr lang="en-US" sz="1000" u="sng" dirty="0"/>
+          </a:p>
+          <a:p>
+            <a:pPr algn="r">
+              <a:buClr>
+                <a:schemeClr val="dk1"/>
+              </a:buClr>
+              <a:buSzPct val="61111"/>
+              <a:buNone/>
+            </a:pPr>
+            <a:endParaRPr lang="en-US" sz="1000" u="sng" dirty="0" smtClean="0"/>
+          </a:p>
+          <a:p>
+            <a:pPr algn="r">
+              <a:buClr>
+                <a:schemeClr val="dk1"/>
+              </a:buClr>
+              <a:buSzPct val="61111"/>
+              <a:buNone/>
+            </a:pPr>
+            <a:endParaRPr lang="en-US" sz="1000" u="sng" dirty="0"/>
+          </a:p>
+          <a:p>
+            <a:pPr algn="r">
+              <a:buClr>
+                <a:schemeClr val="dk1"/>
+              </a:buClr>
+              <a:buSzPct val="61111"/>
+              <a:buNone/>
+            </a:pPr>
+            <a:endParaRPr lang="en-US" sz="1000" u="sng" dirty="0"/>
+          </a:p>
+          <a:p>
+            <a:pPr algn="r">
+              <a:buClr>
+                <a:schemeClr val="dk1"/>
+              </a:buClr>
+              <a:buSzPct val="61111"/>
+              <a:buNone/>
+            </a:pPr>
+            <a:endParaRPr lang="en-US" sz="1000" u="sng" dirty="0"/>
+          </a:p>
+          <a:p>
+            <a:pPr algn="r">
+              <a:buClr>
+                <a:schemeClr val="dk1"/>
+              </a:buClr>
+              <a:buSzPct val="61111"/>
+              <a:buNone/>
+            </a:pPr>
+            <a:endParaRPr lang="en-US" sz="1000" u="sng" dirty="0"/>
+          </a:p>
+          <a:p>
+            <a:pPr algn="r">
+              <a:buClr>
+                <a:schemeClr val="dk1"/>
+              </a:buClr>
+              <a:buSzPct val="61111"/>
+              <a:buNone/>
+            </a:pPr>
+            <a:endParaRPr lang="en-US" sz="1000" u="sng" dirty="0"/>
+          </a:p>
+          <a:p>
+            <a:pPr algn="r">
+              <a:buClr>
+                <a:schemeClr val="dk1"/>
+              </a:buClr>
+              <a:buSzPct val="61111"/>
+              <a:buNone/>
+            </a:pPr>
+            <a:r>
+              <a:rPr lang="en-US" sz="1000" u="sng" dirty="0" smtClean="0"/>
+              <a:t>http</a:t>
+            </a:r>
+            <a:r>
+              <a:rPr lang="en-US" sz="1000" u="sng" dirty="0"/>
+              <a:t>://vita.had.co.nz/papers/layered-grammar.pdf</a:t>
+            </a:r>
+            <a:endParaRPr lang="en" sz="1000" u="sng" dirty="0">
+              <a:hlinkClick r:id="rId4"/>
+            </a:endParaRPr>
+          </a:p>
+          <a:p>
+            <a:pPr>
+              <a:buNone/>
+            </a:pPr>
+            <a:endParaRPr dirty="0"/>
           </a:p>
         </p:txBody>
       </p:sp>
     </p:spTree>
     <p:extLst>
       <p:ext uri="{BB962C8B-B14F-4D97-AF65-F5344CB8AC3E}">
-        <p14:creationId xmlns:p14="http://schemas.microsoft.com/office/powerpoint/2010/main" val="2519339670"/>
+        <p14:creationId xmlns:p14="http://schemas.microsoft.com/office/powerpoint/2010/main" val="3638751475"/>
       </p:ext>
     </p:extLst>
   </p:cSld>
   <p:clrMapOvr>
     <a:masterClrMapping/>
   </p:clrMapOvr>
+  <p:timing>
+    <p:tnLst>
+      <p:par>
+        <p:cTn id="1" dur="indefinite" restart="never" nodeType="tmRoot"/>
+      </p:par>
+    </p:tnLst>
+  </p:timing>
 </p:sld>
 </file>
 
@@ -7988,7 +8326,7 @@
           <a:p>
             <a:r>
               <a:rPr lang="en-US" dirty="0" smtClean="0"/>
-              <a:t>Titanic Data Dictionary</a:t>
+              <a:t>The Basics </a:t>
             </a:r>
             <a:endParaRPr lang="en-US" dirty="0"/>
           </a:p>
@@ -8006,173 +8344,85 @@
         </p:nvSpPr>
         <p:spPr/>
         <p:txBody>
-          <a:bodyPr numCol="1">
-            <a:normAutofit fontScale="92500" lnSpcReduction="20000"/>
-          </a:bodyPr>
-          <a:lstStyle/>
-          <a:p>
-            <a:pPr marL="0" indent="0">
-              <a:buNone/>
-            </a:pPr>
-            <a:r>
-              <a:rPr lang="en-US" dirty="0" smtClean="0"/>
-              <a:t>Variables:</a:t>
-            </a:r>
-          </a:p>
-          <a:p>
-            <a:pPr marL="0" indent="0">
-              <a:buNone/>
-            </a:pPr>
+          <a:bodyPr/>
+          <a:lstStyle/>
+          <a:p>
+            <a:r>
+              <a:rPr lang="en" dirty="0"/>
+              <a:t>Data – The raw materials of your visualization </a:t>
+            </a:r>
+            <a:endParaRPr lang="en" dirty="0" smtClean="0"/>
+          </a:p>
+          <a:p>
+            <a:endParaRPr lang="en" dirty="0"/>
+          </a:p>
+          <a:p>
+            <a:r>
+              <a:rPr lang="en-US" dirty="0" smtClean="0"/>
+              <a:t>Aesthetics – The mapping of your data to the visualization </a:t>
+            </a:r>
+          </a:p>
+          <a:p>
+            <a:pPr lvl="1"/>
+            <a:r>
+              <a:rPr lang="en-US" dirty="0" smtClean="0"/>
+              <a:t>X-axis is age</a:t>
+            </a:r>
+          </a:p>
+          <a:p>
+            <a:pPr lvl="1"/>
+            <a:r>
+              <a:rPr lang="en-US" dirty="0" smtClean="0"/>
+              <a:t>Y-axis is survival</a:t>
+            </a:r>
+          </a:p>
+          <a:p>
             <a:endParaRPr lang="en-US" dirty="0" smtClean="0"/>
           </a:p>
           <a:p>
-            <a:pPr>
-              <a:spcAft>
-                <a:spcPts val="600"/>
-              </a:spcAft>
-            </a:pPr>
-            <a:r>
-              <a:rPr lang="en-US" dirty="0" smtClean="0"/>
-              <a:t>Survival – Survival (yes=1, no=0)</a:t>
-            </a:r>
-          </a:p>
-          <a:p>
-            <a:pPr>
-              <a:spcAft>
-                <a:spcPts val="600"/>
-              </a:spcAft>
-            </a:pPr>
+            <a:r>
+              <a:rPr lang="en-US" dirty="0" smtClean="0"/>
+              <a:t>Layers – Any visualization requires at least one layer and in ggplot2 these are typically the </a:t>
+            </a:r>
             <a:r>
               <a:rPr lang="en-US" dirty="0" err="1" smtClean="0"/>
-              <a:t>Pclass</a:t>
-            </a:r>
-            <a:r>
-              <a:rPr lang="en-US" dirty="0" smtClean="0"/>
-              <a:t> – Ticket Class (1</a:t>
-            </a:r>
-            <a:r>
-              <a:rPr lang="en-US" baseline="30000" dirty="0" smtClean="0"/>
-              <a:t>st</a:t>
-            </a:r>
-            <a:r>
-              <a:rPr lang="en-US" dirty="0" smtClean="0"/>
-              <a:t> class, 2</a:t>
-            </a:r>
-            <a:r>
-              <a:rPr lang="en-US" baseline="30000" dirty="0" smtClean="0"/>
-              <a:t>nd</a:t>
-            </a:r>
-            <a:r>
-              <a:rPr lang="en-US" dirty="0" smtClean="0"/>
-              <a:t> class)</a:t>
-            </a:r>
-          </a:p>
-          <a:p>
-            <a:pPr>
-              <a:spcAft>
-                <a:spcPts val="600"/>
-              </a:spcAft>
-            </a:pPr>
-            <a:r>
-              <a:rPr lang="en-US" dirty="0" smtClean="0"/>
-              <a:t>Sex – Gender (Male or Female)</a:t>
-            </a:r>
-          </a:p>
-          <a:p>
-            <a:pPr>
-              <a:spcAft>
-                <a:spcPts val="600"/>
-              </a:spcAft>
-            </a:pPr>
-            <a:r>
-              <a:rPr lang="en-US" dirty="0" smtClean="0"/>
-              <a:t>Age – Passenger age </a:t>
-            </a:r>
-          </a:p>
-          <a:p>
-            <a:pPr>
-              <a:spcAft>
-                <a:spcPts val="600"/>
-              </a:spcAft>
-            </a:pPr>
+              <a:t>geoms</a:t>
+            </a:r>
+            <a:r>
+              <a:rPr lang="en-US" dirty="0" smtClean="0"/>
+              <a:t>. </a:t>
+            </a:r>
+          </a:p>
+          <a:p>
+            <a:pPr lvl="1"/>
+            <a:r>
+              <a:rPr lang="en-US" dirty="0" smtClean="0"/>
+              <a:t>Example a </a:t>
+            </a:r>
             <a:r>
               <a:rPr lang="en-US" dirty="0" err="1" smtClean="0"/>
-              <a:t>Sibsp</a:t>
-            </a:r>
-            <a:r>
-              <a:rPr lang="en-US" dirty="0" smtClean="0"/>
-              <a:t> – # of Siblings/Spouse</a:t>
-            </a:r>
-          </a:p>
-          <a:p>
-            <a:pPr>
-              <a:spcAft>
-                <a:spcPts val="600"/>
-              </a:spcAft>
-            </a:pPr>
-            <a:r>
-              <a:rPr lang="en-US" dirty="0" smtClean="0"/>
-              <a:t>Parch – # </a:t>
-            </a:r>
-            <a:r>
-              <a:rPr lang="en-US" dirty="0"/>
-              <a:t>of P</a:t>
-            </a:r>
-            <a:r>
-              <a:rPr lang="en-US" dirty="0" smtClean="0"/>
-              <a:t>arents/Children</a:t>
-            </a:r>
-          </a:p>
-          <a:p>
-            <a:pPr>
-              <a:spcAft>
-                <a:spcPts val="600"/>
-              </a:spcAft>
-            </a:pPr>
-            <a:r>
-              <a:rPr lang="en-US" dirty="0" smtClean="0"/>
-              <a:t>Ticket – Ticket Number</a:t>
-            </a:r>
-          </a:p>
-          <a:p>
-            <a:pPr>
-              <a:spcAft>
-                <a:spcPts val="600"/>
-              </a:spcAft>
-            </a:pPr>
-            <a:r>
-              <a:rPr lang="en-US" dirty="0" smtClean="0"/>
-              <a:t>Fare – Passenger Fare </a:t>
-            </a:r>
-          </a:p>
-          <a:p>
-            <a:pPr>
-              <a:spcAft>
-                <a:spcPts val="600"/>
-              </a:spcAft>
-            </a:pPr>
-            <a:r>
-              <a:rPr lang="en-US" dirty="0" smtClean="0"/>
-              <a:t>Cabin – Cabin Number</a:t>
-            </a:r>
-          </a:p>
-          <a:p>
-            <a:pPr>
-              <a:spcAft>
-                <a:spcPts val="600"/>
-              </a:spcAft>
-            </a:pPr>
-            <a:r>
-              <a:rPr lang="en-US" dirty="0" smtClean="0"/>
-              <a:t>Embarked – Port of Embarkation</a:t>
-            </a:r>
+              <a:t>barchart</a:t>
+            </a:r>
+            <a:r>
+              <a:rPr lang="en-US" dirty="0" smtClean="0"/>
+              <a:t> is </a:t>
+            </a:r>
+            <a:r>
+              <a:rPr lang="en-US" dirty="0" err="1" smtClean="0"/>
+              <a:t>geom_bar</a:t>
+            </a:r>
+            <a:r>
+              <a:rPr lang="en-US" dirty="0" smtClean="0"/>
+              <a:t>() </a:t>
+            </a:r>
+            <a:endParaRPr lang="en-US" dirty="0"/>
           </a:p>
         </p:txBody>
       </p:sp>
     </p:spTree>
     <p:extLst>
       <p:ext uri="{BB962C8B-B14F-4D97-AF65-F5344CB8AC3E}">
-        <p14:creationId xmlns:p14="http://schemas.microsoft.com/office/powerpoint/2010/main" val="1936201425"/>
+        <p14:creationId xmlns:p14="http://schemas.microsoft.com/office/powerpoint/2010/main" val="793872551"/>
       </p:ext>
     </p:extLst>
   </p:cSld>
@@ -8218,7 +8468,7 @@
           <a:p>
             <a:r>
               <a:rPr lang="en-US" dirty="0" smtClean="0"/>
-              <a:t>Your Job</a:t>
+              <a:t>Additional Resources</a:t>
             </a:r>
             <a:endParaRPr lang="en-US" dirty="0"/>
           </a:p>
@@ -8236,29 +8486,120 @@
         </p:nvSpPr>
         <p:spPr/>
         <p:txBody>
-          <a:bodyPr/>
-          <a:lstStyle/>
-          <a:p>
-            <a:r>
-              <a:rPr lang="en-US" dirty="0" smtClean="0"/>
-              <a:t>You are hired as a consultant and have been tasked with analyzing the titanic data set.</a:t>
-            </a:r>
-          </a:p>
-          <a:p>
-            <a:endParaRPr lang="en-US" dirty="0" smtClean="0"/>
-          </a:p>
-          <a:p>
-            <a:r>
-              <a:rPr lang="en-US" dirty="0" smtClean="0"/>
-              <a:t>Your goal is to explore patterns and trends to explain what influenced the survival rate of the passengers on the Titanic.</a:t>
-            </a:r>
+          <a:bodyPr>
+            <a:normAutofit/>
+          </a:bodyPr>
+          <a:lstStyle/>
+          <a:p>
+            <a:pPr marL="0" indent="0">
+              <a:buNone/>
+            </a:pPr>
+            <a:r>
+              <a:rPr lang="en-US" b="1" dirty="0" smtClean="0"/>
+              <a:t>Academic Courses: </a:t>
+            </a:r>
+          </a:p>
+          <a:p>
+            <a:pPr lvl="1"/>
+            <a:r>
+              <a:rPr lang="en-US" dirty="0" smtClean="0"/>
+              <a:t>CS 2005C – Introduction to Programming for Informatics with Python and R</a:t>
+            </a:r>
+          </a:p>
+          <a:p>
+            <a:pPr lvl="1"/>
+            <a:r>
+              <a:rPr lang="en-US" dirty="0" smtClean="0"/>
+              <a:t>BE 8083 – Data Analysis with R and SAS</a:t>
+            </a:r>
+          </a:p>
+          <a:p>
+            <a:pPr lvl="1"/>
+            <a:r>
+              <a:rPr lang="it-IT" dirty="0"/>
+              <a:t>BANA 5143 </a:t>
+            </a:r>
+            <a:r>
+              <a:rPr lang="it-IT" dirty="0" smtClean="0"/>
+              <a:t>– Statistical Computing</a:t>
+            </a:r>
+          </a:p>
+          <a:p>
+            <a:pPr lvl="1"/>
+            <a:r>
+              <a:rPr lang="it-IT" dirty="0" smtClean="0"/>
+              <a:t>PH 7011 – Statistical Computation and Software</a:t>
+            </a:r>
+          </a:p>
+          <a:p>
+            <a:pPr marL="0" indent="0">
+              <a:buNone/>
+            </a:pPr>
+            <a:r>
+              <a:rPr lang="it-IT" b="1" dirty="0" smtClean="0"/>
+              <a:t>Lynda</a:t>
+            </a:r>
+            <a:r>
+              <a:rPr lang="it-IT" dirty="0" smtClean="0"/>
+              <a:t> (Many free courses):</a:t>
+            </a:r>
+          </a:p>
+          <a:p>
+            <a:pPr lvl="1"/>
+            <a:r>
+              <a:rPr lang="it-IT" dirty="0" smtClean="0"/>
+              <a:t>Learning R</a:t>
+            </a:r>
+          </a:p>
+          <a:p>
+            <a:pPr lvl="1"/>
+            <a:r>
+              <a:rPr lang="it-IT" dirty="0" smtClean="0"/>
+              <a:t>Data Wrangling with R</a:t>
+            </a:r>
+          </a:p>
+          <a:p>
+            <a:pPr lvl="1"/>
+            <a:r>
+              <a:rPr lang="it-IT" dirty="0" smtClean="0"/>
+              <a:t>R Statistics Essential Training</a:t>
+            </a:r>
+          </a:p>
+          <a:p>
+            <a:pPr marL="0" indent="0">
+              <a:buNone/>
+            </a:pPr>
+            <a:r>
+              <a:rPr lang="it-IT" b="1" dirty="0" smtClean="0"/>
+              <a:t>Library Workshops:</a:t>
+            </a:r>
+          </a:p>
+          <a:p>
+            <a:pPr lvl="1"/>
+            <a:r>
+              <a:rPr lang="it-IT" dirty="0">
+                <a:hlinkClick r:id="rId2"/>
+              </a:rPr>
+              <a:t>https://</a:t>
+            </a:r>
+            <a:r>
+              <a:rPr lang="it-IT" dirty="0" smtClean="0">
+                <a:hlinkClick r:id="rId2"/>
+              </a:rPr>
+              <a:t>webapps2.uc.edu/ce/facdev/Workshops</a:t>
+            </a:r>
+            <a:r>
+              <a:rPr lang="it-IT" dirty="0" smtClean="0"/>
+              <a:t> </a:t>
+            </a:r>
+            <a:endParaRPr lang="en-US" dirty="0"/>
           </a:p>
         </p:txBody>
       </p:sp>
     </p:spTree>
     <p:extLst>
       <p:ext uri="{BB962C8B-B14F-4D97-AF65-F5344CB8AC3E}">
-        <p14:creationId xmlns:p14="http://schemas.microsoft.com/office/powerpoint/2010/main" val="234048526"/>
+        <p14:creationId xmlns:p14="http://schemas.microsoft.com/office/powerpoint/2010/main" val="3440632741"/>
       </p:ext>
     </p:extLst>
   </p:cSld>
@@ -8333,11 +8674,7 @@
             </a:pPr>
             <a:r>
               <a:rPr lang="en-US" b="1" dirty="0" smtClean="0"/>
-              <a:t>Workshop </a:t>
-            </a:r>
-            <a:r>
-              <a:rPr lang="en-US" b="1" dirty="0" smtClean="0"/>
-              <a:t>Expectations</a:t>
+              <a:t>Workshop Expectations</a:t>
             </a:r>
           </a:p>
           <a:p>
@@ -8351,7 +8688,6 @@
               <a:rPr lang="en-US" b="1" dirty="0" smtClean="0"/>
               <a:t>Why R?</a:t>
             </a:r>
-            <a:endParaRPr lang="en-US" b="1" dirty="0" smtClean="0"/>
           </a:p>
           <a:p>
             <a:pPr marL="0" indent="0">
@@ -8362,7 +8698,11 @@
             </a:pPr>
             <a:r>
               <a:rPr lang="en-US" b="1" dirty="0" smtClean="0"/>
-              <a:t>Understanding Data</a:t>
+              <a:t>Understanding </a:t>
+            </a:r>
+            <a:r>
+              <a:rPr lang="en-US" b="1" dirty="0" smtClean="0"/>
+              <a:t>Data</a:t>
             </a:r>
           </a:p>
           <a:p>
@@ -8374,7 +8714,11 @@
             </a:pPr>
             <a:r>
               <a:rPr lang="en-US" b="1" dirty="0"/>
-              <a:t>Visualizations </a:t>
+              <a:t>Data Visualizations </a:t>
+            </a:r>
+            <a:r>
+              <a:rPr lang="en-US" b="1" dirty="0" smtClean="0"/>
+              <a:t>in R</a:t>
             </a:r>
           </a:p>
           <a:p>
@@ -8386,8 +8730,9 @@
             </a:pPr>
             <a:r>
               <a:rPr lang="en-US" b="1" dirty="0" smtClean="0"/>
-              <a:t>The Scenario</a:t>
-            </a:r>
+              <a:t>Work in R Studio</a:t>
+            </a:r>
+            <a:endParaRPr lang="en-US" b="1" dirty="0"/>
           </a:p>
           <a:p>
             <a:pPr marL="0" indent="0">
@@ -8396,10 +8741,7 @@
               </a:lnSpc>
               <a:buNone/>
             </a:pPr>
-            <a:r>
-              <a:rPr lang="en-US" b="1" dirty="0"/>
-              <a:t>Plotting in ggplot2</a:t>
-            </a:r>
+            <a:endParaRPr lang="en-US" b="1" dirty="0" smtClean="0"/>
           </a:p>
         </p:txBody>
       </p:sp>
@@ -8428,355 +8770,6 @@
   <p:cSld>
     <p:spTree>
       <p:nvGrpSpPr>
-        <p:cNvPr id="1" name="Shape 259"/>
-        <p:cNvGrpSpPr/>
-        <p:nvPr/>
-      </p:nvGrpSpPr>
-      <p:grpSpPr>
-        <a:xfrm>
-          <a:off x="0" y="0"/>
-          <a:ext cx="0" cy="0"/>
-          <a:chOff x="0" y="0"/>
-          <a:chExt cx="0" cy="0"/>
-        </a:xfrm>
-      </p:grpSpPr>
-      <p:sp>
-        <p:nvSpPr>
-          <p:cNvPr id="260" name="Shape 260"/>
-          <p:cNvSpPr txBox="1">
-            <a:spLocks noGrp="1"/>
-          </p:cNvSpPr>
-          <p:nvPr>
-            <p:ph type="title"/>
-          </p:nvPr>
-        </p:nvSpPr>
-        <p:spPr>
-          <a:prstGeom prst="rect">
-            <a:avLst/>
-          </a:prstGeom>
-        </p:spPr>
-        <p:txBody>
-          <a:bodyPr vert="horz" lIns="121900" tIns="121900" rIns="121900" bIns="121900" rtlCol="0" anchor="t" anchorCtr="0">
-            <a:noAutofit/>
-          </a:bodyPr>
-          <a:lstStyle/>
-          <a:p>
-            <a:r>
-              <a:rPr lang="en" dirty="0"/>
-              <a:t>Grammar of Graphics</a:t>
-            </a:r>
-          </a:p>
-        </p:txBody>
-      </p:sp>
-      <p:sp>
-        <p:nvSpPr>
-          <p:cNvPr id="261" name="Shape 261"/>
-          <p:cNvSpPr txBox="1">
-            <a:spLocks noGrp="1"/>
-          </p:cNvSpPr>
-          <p:nvPr>
-            <p:ph type="body" idx="1"/>
-          </p:nvPr>
-        </p:nvSpPr>
-        <p:spPr>
-          <a:xfrm>
-            <a:off x="415600" y="1536633"/>
-            <a:ext cx="11360800" cy="5085600"/>
-          </a:xfrm>
-          <a:prstGeom prst="rect">
-            <a:avLst/>
-          </a:prstGeom>
-        </p:spPr>
-        <p:txBody>
-          <a:bodyPr vert="horz" lIns="121900" tIns="121900" rIns="121900" bIns="121900" rtlCol="0" anchor="t" anchorCtr="0">
-            <a:noAutofit/>
-          </a:bodyPr>
-          <a:lstStyle/>
-          <a:p>
-            <a:pPr>
-              <a:buClr>
-                <a:schemeClr val="dk1"/>
-              </a:buClr>
-              <a:buSzPct val="61111"/>
-              <a:buNone/>
-            </a:pPr>
-            <a:r>
-              <a:rPr lang="en" dirty="0"/>
-              <a:t>Originated by </a:t>
-            </a:r>
-            <a:r>
-              <a:rPr lang="en" u="sng" dirty="0">
-                <a:hlinkClick r:id="rId3"/>
-              </a:rPr>
-              <a:t>Leland Wilkinson</a:t>
-            </a:r>
-            <a:r>
-              <a:rPr lang="en" dirty="0"/>
-              <a:t>, simplified by </a:t>
-            </a:r>
-            <a:r>
-              <a:rPr lang="en" u="sng" dirty="0">
-                <a:hlinkClick r:id="rId4"/>
-              </a:rPr>
-              <a:t>Hadley Wickham</a:t>
-            </a:r>
-            <a:r>
-              <a:rPr lang="en" dirty="0"/>
-              <a:t> and others. </a:t>
-            </a:r>
-          </a:p>
-          <a:p>
-            <a:pPr marL="609585" indent="-304792">
-              <a:buClr>
-                <a:schemeClr val="dk2"/>
-              </a:buClr>
-              <a:buFont typeface="Roboto"/>
-              <a:buChar char="●"/>
-            </a:pPr>
-            <a:endParaRPr lang="en" dirty="0" smtClean="0"/>
-          </a:p>
-          <a:p>
-            <a:pPr marL="609585" indent="-304792">
-              <a:buClr>
-                <a:schemeClr val="dk2"/>
-              </a:buClr>
-              <a:buFont typeface="Roboto"/>
-              <a:buChar char="●"/>
-            </a:pPr>
-            <a:r>
-              <a:rPr lang="en" dirty="0" smtClean="0"/>
-              <a:t>Data – The raw materials of your visualization </a:t>
-            </a:r>
-          </a:p>
-          <a:p>
-            <a:pPr marL="609585" indent="-304792">
-              <a:buClr>
-                <a:schemeClr val="dk2"/>
-              </a:buClr>
-              <a:buFont typeface="Roboto"/>
-              <a:buChar char="●"/>
-            </a:pPr>
-            <a:r>
-              <a:rPr lang="en" dirty="0" smtClean="0"/>
-              <a:t>Layers – What you actually see on the plot (plots,lines,etc.)</a:t>
-            </a:r>
-          </a:p>
-          <a:p>
-            <a:pPr marL="609585" indent="-304792">
-              <a:buClr>
-                <a:schemeClr val="dk2"/>
-              </a:buClr>
-              <a:buFont typeface="Roboto"/>
-              <a:buChar char="●"/>
-            </a:pPr>
-            <a:r>
-              <a:rPr lang="en" dirty="0" smtClean="0"/>
-              <a:t>Scales – Maps the data to grpahical output </a:t>
-            </a:r>
-          </a:p>
-          <a:p>
-            <a:pPr marL="609585" indent="-304792">
-              <a:buClr>
-                <a:schemeClr val="dk2"/>
-              </a:buClr>
-              <a:buFont typeface="Roboto"/>
-              <a:buChar char="●"/>
-            </a:pPr>
-            <a:r>
-              <a:rPr lang="en" dirty="0" smtClean="0"/>
-              <a:t>Coordinates – The visualization’s perspective (normally a grid)</a:t>
-            </a:r>
-          </a:p>
-          <a:p>
-            <a:pPr marL="609585" indent="-304792">
-              <a:buClr>
-                <a:schemeClr val="dk2"/>
-              </a:buClr>
-              <a:buFont typeface="Roboto"/>
-              <a:buChar char="●"/>
-            </a:pPr>
-            <a:r>
-              <a:rPr lang="en" dirty="0" smtClean="0"/>
-              <a:t>Faceting – Provides details into the data (analoguous to pivot tables)</a:t>
-            </a:r>
-          </a:p>
-          <a:p>
-            <a:pPr marL="609585" indent="-304792">
-              <a:buClr>
-                <a:schemeClr val="dk2"/>
-              </a:buClr>
-              <a:buFont typeface="Roboto"/>
-              <a:buChar char="●"/>
-            </a:pPr>
-            <a:r>
-              <a:rPr lang="en" dirty="0" smtClean="0"/>
-              <a:t>Themes – Control the details of the display (color scheme, fonts)</a:t>
-            </a:r>
-            <a:endParaRPr lang="en-US" sz="1000" u="sng" dirty="0" smtClean="0"/>
-          </a:p>
-          <a:p>
-            <a:pPr algn="r">
-              <a:buClr>
-                <a:schemeClr val="dk1"/>
-              </a:buClr>
-              <a:buSzPct val="61111"/>
-              <a:buNone/>
-            </a:pPr>
-            <a:endParaRPr lang="en-US" sz="1000" u="sng" dirty="0"/>
-          </a:p>
-          <a:p>
-            <a:pPr algn="r">
-              <a:buClr>
-                <a:schemeClr val="dk1"/>
-              </a:buClr>
-              <a:buSzPct val="61111"/>
-              <a:buNone/>
-            </a:pPr>
-            <a:endParaRPr lang="en-US" sz="1000" u="sng" dirty="0" smtClean="0"/>
-          </a:p>
-          <a:p>
-            <a:pPr algn="r">
-              <a:buClr>
-                <a:schemeClr val="dk1"/>
-              </a:buClr>
-              <a:buSzPct val="61111"/>
-              <a:buNone/>
-            </a:pPr>
-            <a:endParaRPr lang="en-US" sz="1000" u="sng" dirty="0"/>
-          </a:p>
-          <a:p>
-            <a:pPr algn="r">
-              <a:buClr>
-                <a:schemeClr val="dk1"/>
-              </a:buClr>
-              <a:buSzPct val="61111"/>
-              <a:buNone/>
-            </a:pPr>
-            <a:endParaRPr lang="en-US" sz="1000" u="sng" dirty="0" smtClean="0"/>
-          </a:p>
-          <a:p>
-            <a:pPr algn="r">
-              <a:buClr>
-                <a:schemeClr val="dk1"/>
-              </a:buClr>
-              <a:buSzPct val="61111"/>
-              <a:buNone/>
-            </a:pPr>
-            <a:endParaRPr lang="en-US" sz="1000" u="sng" dirty="0"/>
-          </a:p>
-          <a:p>
-            <a:pPr algn="r">
-              <a:buClr>
-                <a:schemeClr val="dk1"/>
-              </a:buClr>
-              <a:buSzPct val="61111"/>
-              <a:buNone/>
-            </a:pPr>
-            <a:endParaRPr lang="en-US" sz="1000" u="sng" dirty="0" smtClean="0"/>
-          </a:p>
-          <a:p>
-            <a:pPr algn="r">
-              <a:buClr>
-                <a:schemeClr val="dk1"/>
-              </a:buClr>
-              <a:buSzPct val="61111"/>
-              <a:buNone/>
-            </a:pPr>
-            <a:endParaRPr lang="en-US" sz="1000" u="sng" dirty="0"/>
-          </a:p>
-          <a:p>
-            <a:pPr algn="r">
-              <a:buClr>
-                <a:schemeClr val="dk1"/>
-              </a:buClr>
-              <a:buSzPct val="61111"/>
-              <a:buNone/>
-            </a:pPr>
-            <a:endParaRPr lang="en-US" sz="1000" u="sng" dirty="0"/>
-          </a:p>
-          <a:p>
-            <a:pPr algn="r">
-              <a:buClr>
-                <a:schemeClr val="dk1"/>
-              </a:buClr>
-              <a:buSzPct val="61111"/>
-              <a:buNone/>
-            </a:pPr>
-            <a:endParaRPr lang="en-US" sz="1000" u="sng" dirty="0"/>
-          </a:p>
-          <a:p>
-            <a:pPr algn="r">
-              <a:buClr>
-                <a:schemeClr val="dk1"/>
-              </a:buClr>
-              <a:buSzPct val="61111"/>
-              <a:buNone/>
-            </a:pPr>
-            <a:endParaRPr lang="en-US" sz="1000" u="sng" dirty="0"/>
-          </a:p>
-          <a:p>
-            <a:pPr algn="r">
-              <a:buClr>
-                <a:schemeClr val="dk1"/>
-              </a:buClr>
-              <a:buSzPct val="61111"/>
-              <a:buNone/>
-            </a:pPr>
-            <a:endParaRPr lang="en-US" sz="1000" u="sng" dirty="0"/>
-          </a:p>
-          <a:p>
-            <a:pPr algn="r">
-              <a:buClr>
-                <a:schemeClr val="dk1"/>
-              </a:buClr>
-              <a:buSzPct val="61111"/>
-              <a:buNone/>
-            </a:pPr>
-            <a:r>
-              <a:rPr lang="en-US" sz="1000" u="sng" dirty="0" smtClean="0"/>
-              <a:t>http</a:t>
-            </a:r>
-            <a:r>
-              <a:rPr lang="en-US" sz="1000" u="sng" dirty="0"/>
-              <a:t>://vita.had.co.nz/papers/layered-grammar.pdf</a:t>
-            </a:r>
-            <a:endParaRPr lang="en" sz="1000" u="sng" dirty="0">
-              <a:hlinkClick r:id="rId4"/>
-            </a:endParaRPr>
-          </a:p>
-          <a:p>
-            <a:pPr>
-              <a:buNone/>
-            </a:pPr>
-            <a:endParaRPr dirty="0"/>
-          </a:p>
-        </p:txBody>
-      </p:sp>
-    </p:spTree>
-    <p:extLst>
-      <p:ext uri="{BB962C8B-B14F-4D97-AF65-F5344CB8AC3E}">
-        <p14:creationId xmlns:p14="http://schemas.microsoft.com/office/powerpoint/2010/main" val="3638751475"/>
-      </p:ext>
-    </p:extLst>
-  </p:cSld>
-  <p:clrMapOvr>
-    <a:masterClrMapping/>
-  </p:clrMapOvr>
-  <p:timing>
-    <p:tnLst>
-      <p:par>
-        <p:cTn id="1" dur="indefinite" restart="never" nodeType="tmRoot"/>
-      </p:par>
-    </p:tnLst>
-  </p:timing>
-</p:sld>
-</file>
-
-<file path=ppt/slides/slide21.xml><?xml version="1.0" encoding="utf-8"?>
-<p:sld xmlns:a="http://schemas.openxmlformats.org/drawingml/2006/main" xmlns:r="http://schemas.openxmlformats.org/officeDocument/2006/relationships" xmlns:p="http://schemas.openxmlformats.org/presentationml/2006/main">
-  <p:cSld>
-    <p:spTree>
-      <p:nvGrpSpPr>
         <p:cNvPr id="1" name=""/>
         <p:cNvGrpSpPr/>
         <p:nvPr/>
@@ -8791,180 +8784,255 @@
       </p:grpSpPr>
       <p:sp>
         <p:nvSpPr>
-          <p:cNvPr id="2" name="Title 1"/>
-          <p:cNvSpPr>
-            <a:spLocks noGrp="1"/>
-          </p:cNvSpPr>
-          <p:nvPr>
-            <p:ph type="title"/>
-          </p:nvPr>
-        </p:nvSpPr>
-        <p:spPr/>
+          <p:cNvPr id="3" name="Subtitle 2"/>
+          <p:cNvSpPr>
+            <a:spLocks noGrp="1"/>
+          </p:cNvSpPr>
+          <p:nvPr>
+            <p:ph type="subTitle" idx="1"/>
+          </p:nvPr>
+        </p:nvSpPr>
+        <p:spPr>
+          <a:xfrm>
+            <a:off x="2909108" y="647700"/>
+            <a:ext cx="8358967" cy="5629275"/>
+          </a:xfrm>
+        </p:spPr>
         <p:txBody>
           <a:bodyPr>
-            <a:normAutofit fontScale="90000"/>
+            <a:noAutofit/>
           </a:bodyPr>
           <a:lstStyle/>
           <a:p>
             <a:r>
-              <a:rPr lang="en-US" dirty="0" smtClean="0"/>
-              <a:t>The Basics </a:t>
-            </a:r>
-            <a:endParaRPr lang="en-US" dirty="0"/>
-          </a:p>
-        </p:txBody>
-      </p:sp>
-      <p:sp>
-        <p:nvSpPr>
-          <p:cNvPr id="3" name="Text Placeholder 2"/>
-          <p:cNvSpPr>
-            <a:spLocks noGrp="1"/>
-          </p:cNvSpPr>
-          <p:nvPr>
-            <p:ph type="body" idx="1"/>
-          </p:nvPr>
-        </p:nvSpPr>
-        <p:spPr/>
-        <p:txBody>
-          <a:bodyPr/>
-          <a:lstStyle/>
-          <a:p>
-            <a:r>
-              <a:rPr lang="en" dirty="0"/>
-              <a:t>Data – The raw materials of your visualization </a:t>
-            </a:r>
-            <a:endParaRPr lang="en" dirty="0" smtClean="0"/>
-          </a:p>
-          <a:p>
-            <a:endParaRPr lang="en" dirty="0"/>
-          </a:p>
-          <a:p>
-            <a:r>
-              <a:rPr lang="en-US" dirty="0" smtClean="0"/>
-              <a:t>Aesthetics – The mapping of your data to the visualization </a:t>
-            </a:r>
-          </a:p>
-          <a:p>
-            <a:pPr lvl="1"/>
-            <a:r>
-              <a:rPr lang="en-US" dirty="0" smtClean="0"/>
-              <a:t>X-axis is age</a:t>
-            </a:r>
-          </a:p>
-          <a:p>
-            <a:pPr lvl="1"/>
-            <a:r>
-              <a:rPr lang="en-US" dirty="0" smtClean="0"/>
-              <a:t>Y-axis is survival</a:t>
-            </a:r>
-          </a:p>
-          <a:p>
-            <a:endParaRPr lang="en-US" dirty="0" smtClean="0"/>
-          </a:p>
-          <a:p>
-            <a:r>
-              <a:rPr lang="en-US" dirty="0" smtClean="0"/>
-              <a:t>Layers – Any visualization requires at least one layer and in ggplot2 these are typically the </a:t>
-            </a:r>
-            <a:r>
-              <a:rPr lang="en-US" dirty="0" err="1" smtClean="0"/>
-              <a:t>geoms</a:t>
-            </a:r>
-            <a:r>
-              <a:rPr lang="en-US" dirty="0" smtClean="0"/>
-              <a:t>. </a:t>
-            </a:r>
-          </a:p>
-          <a:p>
-            <a:pPr lvl="1"/>
-            <a:r>
-              <a:rPr lang="en-US" dirty="0" smtClean="0"/>
-              <a:t>Example a </a:t>
-            </a:r>
-            <a:r>
-              <a:rPr lang="en-US" dirty="0" err="1" smtClean="0"/>
-              <a:t>barchart</a:t>
-            </a:r>
-            <a:r>
-              <a:rPr lang="en-US" dirty="0" smtClean="0"/>
-              <a:t> is </a:t>
-            </a:r>
-            <a:r>
-              <a:rPr lang="en-US" dirty="0" err="1" smtClean="0"/>
-              <a:t>geom_bar</a:t>
-            </a:r>
-            <a:r>
-              <a:rPr lang="en-US" dirty="0" smtClean="0"/>
-              <a:t>() </a:t>
-            </a:r>
-            <a:endParaRPr lang="en-US" dirty="0"/>
+              <a:rPr lang="en-US" sz="2800" b="1" dirty="0">
+                <a:solidFill>
+                  <a:schemeClr val="tx1"/>
+                </a:solidFill>
+              </a:rPr>
+              <a:t>Contact </a:t>
+            </a:r>
+            <a:r>
+              <a:rPr lang="en-US" sz="2800" b="1" dirty="0" smtClean="0">
+                <a:solidFill>
+                  <a:schemeClr val="tx1"/>
+                </a:solidFill>
+              </a:rPr>
+              <a:t>Research &amp; Data Services West</a:t>
+            </a:r>
+            <a:endParaRPr lang="en-US" sz="2800" b="1" dirty="0">
+              <a:solidFill>
+                <a:schemeClr val="tx1"/>
+              </a:solidFill>
+            </a:endParaRPr>
+          </a:p>
+          <a:p>
+            <a:pPr algn="l"/>
+            <a:endParaRPr lang="en-US" sz="2800" b="1" dirty="0" smtClean="0">
+              <a:solidFill>
+                <a:schemeClr val="tx1"/>
+              </a:solidFill>
+            </a:endParaRPr>
+          </a:p>
+          <a:p>
+            <a:pPr algn="l"/>
+            <a:r>
+              <a:rPr lang="en-US" sz="2800" b="1" dirty="0" smtClean="0">
+                <a:solidFill>
+                  <a:schemeClr val="tx1"/>
+                </a:solidFill>
+              </a:rPr>
+              <a:t>Email</a:t>
+            </a:r>
+            <a:r>
+              <a:rPr lang="en-US" sz="2800" b="1" dirty="0">
+                <a:solidFill>
+                  <a:schemeClr val="tx1"/>
+                </a:solidFill>
+              </a:rPr>
+              <a:t>: </a:t>
+            </a:r>
+            <a:r>
+              <a:rPr lang="en-US" sz="2800" dirty="0" smtClean="0">
+                <a:solidFill>
+                  <a:schemeClr val="tx1"/>
+                </a:solidFill>
+                <a:hlinkClick r:id="rId2"/>
+              </a:rPr>
+              <a:t>AskData@uc.edu</a:t>
+            </a:r>
+            <a:endParaRPr lang="en-US" sz="2800" dirty="0">
+              <a:solidFill>
+                <a:schemeClr val="tx1"/>
+              </a:solidFill>
+            </a:endParaRPr>
+          </a:p>
+          <a:p>
+            <a:pPr algn="l"/>
+            <a:r>
+              <a:rPr lang="en-US" sz="2800" b="1" dirty="0" smtClean="0">
+                <a:solidFill>
+                  <a:schemeClr val="tx1"/>
+                </a:solidFill>
+              </a:rPr>
+              <a:t>Web</a:t>
+            </a:r>
+            <a:r>
+              <a:rPr lang="en-US" sz="2800" b="1" dirty="0">
+                <a:solidFill>
+                  <a:schemeClr val="tx1"/>
+                </a:solidFill>
+              </a:rPr>
+              <a:t>:</a:t>
+            </a:r>
+            <a:r>
+              <a:rPr lang="en-US" sz="2800" dirty="0">
+                <a:solidFill>
+                  <a:schemeClr val="tx1"/>
+                </a:solidFill>
+              </a:rPr>
+              <a:t> </a:t>
+            </a:r>
+            <a:r>
+              <a:rPr lang="en-US" sz="2800" dirty="0">
+                <a:solidFill>
+                  <a:schemeClr val="tx1"/>
+                </a:solidFill>
+                <a:hlinkClick r:id="rId3"/>
+              </a:rPr>
+              <a:t>https://</a:t>
+            </a:r>
+            <a:r>
+              <a:rPr lang="en-US" sz="2800" dirty="0" smtClean="0">
+                <a:solidFill>
+                  <a:schemeClr val="tx1"/>
+                </a:solidFill>
+                <a:hlinkClick r:id="rId3"/>
+              </a:rPr>
+              <a:t>libraries.uc.edu/digital-scholarship/data-services.html</a:t>
+            </a:r>
+            <a:r>
+              <a:rPr lang="en-US" sz="2800" dirty="0" smtClean="0">
+                <a:solidFill>
+                  <a:schemeClr val="tx1"/>
+                </a:solidFill>
+              </a:rPr>
+              <a:t> </a:t>
+            </a:r>
+            <a:endParaRPr lang="en-US" sz="2800" dirty="0">
+              <a:solidFill>
+                <a:schemeClr val="tx1"/>
+              </a:solidFill>
+            </a:endParaRPr>
+          </a:p>
+          <a:p>
+            <a:pPr algn="l"/>
+            <a:r>
+              <a:rPr lang="en-US" sz="2800" b="1" dirty="0" smtClean="0">
+                <a:solidFill>
+                  <a:schemeClr val="tx1"/>
+                </a:solidFill>
+              </a:rPr>
+              <a:t>Visit: </a:t>
+            </a:r>
+            <a:r>
+              <a:rPr lang="en-US" sz="2800" dirty="0" smtClean="0">
+                <a:solidFill>
+                  <a:schemeClr val="tx1"/>
+                </a:solidFill>
+              </a:rPr>
+              <a:t>240 </a:t>
+            </a:r>
+            <a:r>
+              <a:rPr lang="en-US" sz="2800" dirty="0" err="1">
+                <a:solidFill>
+                  <a:schemeClr val="tx1"/>
+                </a:solidFill>
+              </a:rPr>
+              <a:t>Braunstein</a:t>
+            </a:r>
+            <a:r>
+              <a:rPr lang="en-US" sz="2800" dirty="0">
+                <a:solidFill>
+                  <a:schemeClr val="tx1"/>
+                </a:solidFill>
+              </a:rPr>
+              <a:t> Hall (Geology-Math-Physics </a:t>
+            </a:r>
+            <a:r>
+              <a:rPr lang="en-US" sz="2800" dirty="0" smtClean="0">
+                <a:solidFill>
+                  <a:schemeClr val="tx1"/>
+                </a:solidFill>
+              </a:rPr>
+              <a:t>Library)</a:t>
+            </a:r>
+          </a:p>
+          <a:p>
+            <a:pPr algn="l"/>
+            <a:r>
+              <a:rPr lang="en-US" sz="2800" b="1" dirty="0" smtClean="0">
+                <a:solidFill>
+                  <a:schemeClr val="tx1"/>
+                </a:solidFill>
+              </a:rPr>
+              <a:t>Consultations</a:t>
+            </a:r>
+            <a:r>
+              <a:rPr lang="en-US" sz="2800" dirty="0" smtClean="0">
+                <a:solidFill>
+                  <a:schemeClr val="tx1"/>
+                </a:solidFill>
+              </a:rPr>
+              <a:t>: walk-ins during open consultation hours or appointment by email</a:t>
+            </a:r>
+          </a:p>
+          <a:p>
+            <a:pPr algn="l"/>
+            <a:r>
+              <a:rPr lang="en-US" sz="2800" b="1" dirty="0" smtClean="0">
+                <a:solidFill>
+                  <a:schemeClr val="tx1"/>
+                </a:solidFill>
+              </a:rPr>
+              <a:t>Twitter</a:t>
+            </a:r>
+            <a:r>
+              <a:rPr lang="en-US" sz="2800" b="1" dirty="0">
+                <a:solidFill>
+                  <a:schemeClr val="tx1"/>
+                </a:solidFill>
+              </a:rPr>
+              <a:t>: @</a:t>
+            </a:r>
+            <a:r>
+              <a:rPr lang="en-US" sz="2800" b="1" dirty="0" err="1">
+                <a:solidFill>
+                  <a:schemeClr val="tx1"/>
+                </a:solidFill>
+              </a:rPr>
+              <a:t>DataVizJohansen</a:t>
+            </a:r>
+            <a:endParaRPr lang="en-US" sz="2800" b="1" dirty="0">
+              <a:solidFill>
+                <a:schemeClr val="tx1"/>
+              </a:solidFill>
+            </a:endParaRPr>
+          </a:p>
+          <a:p>
+            <a:pPr algn="l"/>
+            <a:endParaRPr lang="en-US" sz="2800" dirty="0" smtClean="0">
+              <a:solidFill>
+                <a:schemeClr val="tx1"/>
+              </a:solidFill>
+            </a:endParaRPr>
           </a:p>
         </p:txBody>
       </p:sp>
     </p:spTree>
     <p:extLst>
       <p:ext uri="{BB962C8B-B14F-4D97-AF65-F5344CB8AC3E}">
-        <p14:creationId xmlns:p14="http://schemas.microsoft.com/office/powerpoint/2010/main" val="793872551"/>
-      </p:ext>
-    </p:extLst>
-  </p:cSld>
-  <p:clrMapOvr>
-    <a:masterClrMapping/>
-  </p:clrMapOvr>
-</p:sld>
-</file>
-
-<file path=ppt/slides/slide22.xml><?xml version="1.0" encoding="utf-8"?>
-<p:sld xmlns:a="http://schemas.openxmlformats.org/drawingml/2006/main" xmlns:r="http://schemas.openxmlformats.org/officeDocument/2006/relationships" xmlns:p="http://schemas.openxmlformats.org/presentationml/2006/main">
-  <p:cSld>
-    <p:spTree>
-      <p:nvGrpSpPr>
-        <p:cNvPr id="1" name=""/>
-        <p:cNvGrpSpPr/>
-        <p:nvPr/>
-      </p:nvGrpSpPr>
-      <p:grpSpPr>
-        <a:xfrm>
-          <a:off x="0" y="0"/>
-          <a:ext cx="0" cy="0"/>
-          <a:chOff x="0" y="0"/>
-          <a:chExt cx="0" cy="0"/>
-        </a:xfrm>
-      </p:grpSpPr>
-      <p:sp>
-        <p:nvSpPr>
-          <p:cNvPr id="2" name="Title 1"/>
-          <p:cNvSpPr>
-            <a:spLocks noGrp="1"/>
-          </p:cNvSpPr>
-          <p:nvPr>
-            <p:ph type="ctrTitle"/>
-          </p:nvPr>
-        </p:nvSpPr>
-        <p:spPr>
-          <a:xfrm>
-            <a:off x="2915510" y="2227809"/>
-            <a:ext cx="8450760" cy="1297827"/>
-          </a:xfrm>
-        </p:spPr>
-        <p:txBody>
-          <a:bodyPr>
-            <a:noAutofit/>
-          </a:bodyPr>
-          <a:lstStyle/>
-          <a:p>
-            <a:r>
-              <a:rPr lang="en-US" sz="4800" dirty="0" smtClean="0"/>
-              <a:t>Questions?</a:t>
-            </a:r>
-            <a:endParaRPr lang="en-US" sz="4800" dirty="0"/>
-          </a:p>
-        </p:txBody>
-      </p:sp>
-    </p:spTree>
-    <p:extLst>
-      <p:ext uri="{BB962C8B-B14F-4D97-AF65-F5344CB8AC3E}">
-        <p14:creationId xmlns:p14="http://schemas.microsoft.com/office/powerpoint/2010/main" val="46640959"/>
+        <p14:creationId xmlns:p14="http://schemas.microsoft.com/office/powerpoint/2010/main" val="2003795966"/>
       </p:ext>
     </p:extLst>
   </p:cSld>
@@ -9046,11 +9114,7 @@
             </a:pPr>
             <a:r>
               <a:rPr lang="en-US" b="1" dirty="0"/>
-              <a:t>Workshop </a:t>
-            </a:r>
-            <a:r>
-              <a:rPr lang="en-US" b="1" dirty="0" smtClean="0"/>
-              <a:t>Expectations</a:t>
+              <a:t>Workshop Expectations</a:t>
             </a:r>
           </a:p>
           <a:p>
@@ -9061,7 +9125,7 @@
               <a:buNone/>
             </a:pPr>
             <a:r>
-              <a:rPr lang="en-US" b="1" dirty="0" smtClean="0">
+              <a:rPr lang="en-US" b="1" dirty="0">
                 <a:solidFill>
                   <a:schemeClr val="bg1">
                     <a:lumMod val="65000"/>
@@ -9070,13 +9134,6 @@
               </a:rPr>
               <a:t>Why R?</a:t>
             </a:r>
-            <a:endParaRPr lang="en-US" b="1" dirty="0">
-              <a:solidFill>
-                <a:schemeClr val="bg1">
-                  <a:lumMod val="65000"/>
-                </a:schemeClr>
-              </a:solidFill>
-            </a:endParaRPr>
           </a:p>
           <a:p>
             <a:pPr marL="0" indent="0">
@@ -9111,7 +9168,7 @@
                   </a:schemeClr>
                 </a:solidFill>
               </a:rPr>
-              <a:t>Visualizations </a:t>
+              <a:t>Data Visualizations in R</a:t>
             </a:r>
           </a:p>
           <a:p>
@@ -9121,6 +9178,16 @@
               </a:lnSpc>
               <a:buNone/>
             </a:pPr>
+            <a:r>
+              <a:rPr lang="en-US" b="1" dirty="0" smtClean="0">
+                <a:solidFill>
+                  <a:schemeClr val="bg1">
+                    <a:lumMod val="65000"/>
+                  </a:schemeClr>
+                </a:solidFill>
+              </a:rPr>
+              <a:t>Work </a:t>
+            </a:r>
             <a:r>
               <a:rPr lang="en-US" b="1" dirty="0">
                 <a:solidFill>
@@ -9129,16 +9196,8 @@
                   </a:schemeClr>
                 </a:solidFill>
               </a:rPr>
-              <a:t>The Scenario</a:t>
-            </a:r>
-          </a:p>
-          <a:p>
-            <a:pPr marL="0" indent="0">
-              <a:lnSpc>
-                <a:spcPts val="3360"/>
-              </a:lnSpc>
-              <a:buNone/>
-            </a:pPr>
+              <a:t>in </a:t>
+            </a:r>
             <a:r>
               <a:rPr lang="en-US" b="1" dirty="0" smtClean="0">
                 <a:solidFill>
@@ -9147,7 +9206,7 @@
                   </a:schemeClr>
                 </a:solidFill>
               </a:rPr>
-              <a:t>Plotting in ggplot2</a:t>
+              <a:t>R Studio</a:t>
             </a:r>
             <a:endParaRPr lang="en-US" b="1" dirty="0">
               <a:solidFill>
@@ -9313,7 +9372,6 @@
               <a:rPr lang="en-US" dirty="0" smtClean="0"/>
               <a:t>Export data and visualization</a:t>
             </a:r>
-            <a:endParaRPr lang="en-US" dirty="0" smtClean="0"/>
           </a:p>
           <a:p>
             <a:pPr marL="0" indent="0">
@@ -9420,17 +9478,7 @@
                   </a:schemeClr>
                 </a:solidFill>
               </a:rPr>
-              <a:t>Workshop </a:t>
-            </a:r>
-            <a:r>
-              <a:rPr lang="en-US" b="1" dirty="0" smtClean="0">
-                <a:solidFill>
-                  <a:schemeClr val="bg1">
-                    <a:lumMod val="65000"/>
-                  </a:schemeClr>
-                </a:solidFill>
-              </a:rPr>
-              <a:t>Expectations</a:t>
+              <a:t>Workshop Expectations</a:t>
             </a:r>
           </a:p>
           <a:p>
@@ -9444,7 +9492,6 @@
               <a:rPr lang="en-US" b="1" dirty="0" smtClean="0"/>
               <a:t>Why R?</a:t>
             </a:r>
-            <a:endParaRPr lang="en-US" b="1" dirty="0" smtClean="0"/>
           </a:p>
           <a:p>
             <a:pPr marL="0" indent="0">
@@ -9472,6 +9519,24 @@
               <a:buNone/>
             </a:pPr>
             <a:r>
+              <a:rPr lang="en-US" b="1" dirty="0">
+                <a:solidFill>
+                  <a:schemeClr val="bg1">
+                    <a:lumMod val="65000"/>
+                  </a:schemeClr>
+                </a:solidFill>
+              </a:rPr>
+              <a:t>Data Visualizations in R</a:t>
+            </a:r>
+          </a:p>
+          <a:p>
+            <a:pPr marL="0" indent="0">
+              <a:lnSpc>
+                <a:spcPts val="3360"/>
+              </a:lnSpc>
+              <a:buNone/>
+            </a:pPr>
+            <a:r>
               <a:rPr lang="en-US" b="1" dirty="0" smtClean="0">
                 <a:solidFill>
                   <a:schemeClr val="bg1">
@@ -9479,23 +9544,18 @@
                   </a:schemeClr>
                 </a:solidFill>
               </a:rPr>
-              <a:t>Visualizations </a:t>
-            </a:r>
-            <a:endParaRPr lang="en-US" b="1" dirty="0">
-              <a:solidFill>
-                <a:schemeClr val="bg1">
-                  <a:lumMod val="65000"/>
-                </a:schemeClr>
-              </a:solidFill>
-            </a:endParaRPr>
-          </a:p>
-          <a:p>
-            <a:pPr marL="0" indent="0">
-              <a:lnSpc>
-                <a:spcPts val="3360"/>
-              </a:lnSpc>
-              <a:buNone/>
-            </a:pPr>
+              <a:t>Work </a:t>
+            </a:r>
+            <a:r>
+              <a:rPr lang="en-US" b="1" dirty="0">
+                <a:solidFill>
+                  <a:schemeClr val="bg1">
+                    <a:lumMod val="65000"/>
+                  </a:schemeClr>
+                </a:solidFill>
+              </a:rPr>
+              <a:t>in </a:t>
+            </a:r>
             <a:r>
               <a:rPr lang="en-US" b="1" dirty="0" smtClean="0">
                 <a:solidFill>
@@ -9504,25 +9564,7 @@
                   </a:schemeClr>
                 </a:solidFill>
               </a:rPr>
-              <a:t>The Scenario</a:t>
-            </a:r>
-          </a:p>
-          <a:p>
-            <a:pPr marL="0" indent="0">
-              <a:lnSpc>
-                <a:spcPts val="3360"/>
-              </a:lnSpc>
-              <a:buNone/>
-            </a:pPr>
-            <a:r>
-              <a:rPr lang="en-US" b="1" dirty="0" smtClean="0">
-                <a:solidFill>
-                  <a:schemeClr val="bg1">
-                    <a:lumMod val="65000"/>
-                  </a:schemeClr>
-                </a:solidFill>
-              </a:rPr>
-              <a:t>Plotting in ggplot2</a:t>
+              <a:t>R Studio</a:t>
             </a:r>
             <a:endParaRPr lang="en-US" b="1" dirty="0">
               <a:solidFill>
@@ -9590,7 +9632,7 @@
           <a:p>
             <a:r>
               <a:rPr lang="en-US" dirty="0" smtClean="0"/>
-              <a:t>Workshop Agenda</a:t>
+              <a:t>Why R?</a:t>
             </a:r>
             <a:endParaRPr lang="en-US" dirty="0"/>
           </a:p>
@@ -9606,149 +9648,192 @@
             <p:ph type="body" idx="1"/>
           </p:nvPr>
         </p:nvSpPr>
-        <p:spPr/>
-        <p:txBody>
-          <a:bodyPr/>
-          <a:lstStyle/>
-          <a:p>
-            <a:pPr marL="0" indent="0">
-              <a:lnSpc>
-                <a:spcPts val="3360"/>
-              </a:lnSpc>
-              <a:buNone/>
-            </a:pPr>
-            <a:r>
-              <a:rPr lang="en-US" b="1" dirty="0" smtClean="0">
-                <a:solidFill>
-                  <a:schemeClr val="bg1">
-                    <a:lumMod val="65000"/>
-                  </a:schemeClr>
-                </a:solidFill>
-              </a:rPr>
-              <a:t>Workshop </a:t>
-            </a:r>
-            <a:r>
-              <a:rPr lang="en-US" b="1" dirty="0" smtClean="0">
-                <a:solidFill>
-                  <a:schemeClr val="bg1">
-                    <a:lumMod val="65000"/>
-                  </a:schemeClr>
-                </a:solidFill>
-              </a:rPr>
-              <a:t>Expectations</a:t>
-            </a:r>
-          </a:p>
-          <a:p>
-            <a:pPr marL="0" indent="0">
-              <a:lnSpc>
-                <a:spcPts val="3360"/>
-              </a:lnSpc>
-              <a:buNone/>
-            </a:pPr>
-            <a:r>
-              <a:rPr lang="en-US" b="1" dirty="0" smtClean="0">
-                <a:solidFill>
-                  <a:schemeClr val="bg1">
-                    <a:lumMod val="65000"/>
-                  </a:schemeClr>
-                </a:solidFill>
-              </a:rPr>
-              <a:t>Why R?</a:t>
-            </a:r>
-            <a:endParaRPr lang="en-US" b="1" dirty="0" smtClean="0">
-              <a:solidFill>
-                <a:schemeClr val="bg1">
-                  <a:lumMod val="65000"/>
-                </a:schemeClr>
-              </a:solidFill>
-            </a:endParaRPr>
-          </a:p>
-          <a:p>
-            <a:pPr marL="0" indent="0">
-              <a:lnSpc>
-                <a:spcPts val="3360"/>
-              </a:lnSpc>
-              <a:buNone/>
-            </a:pPr>
-            <a:r>
-              <a:rPr lang="en-US" b="1" dirty="0" smtClean="0"/>
-              <a:t>Understanding Data</a:t>
-            </a:r>
-          </a:p>
-          <a:p>
-            <a:pPr marL="0" indent="0">
-              <a:lnSpc>
-                <a:spcPts val="3360"/>
-              </a:lnSpc>
-              <a:buNone/>
-            </a:pPr>
-            <a:r>
-              <a:rPr lang="en-US" b="1" dirty="0" smtClean="0">
-                <a:solidFill>
-                  <a:schemeClr val="bg1">
-                    <a:lumMod val="65000"/>
-                  </a:schemeClr>
-                </a:solidFill>
-              </a:rPr>
-              <a:t>Visualizations </a:t>
-            </a:r>
-            <a:endParaRPr lang="en-US" b="1" dirty="0">
-              <a:solidFill>
-                <a:schemeClr val="bg1">
-                  <a:lumMod val="65000"/>
-                </a:schemeClr>
-              </a:solidFill>
-            </a:endParaRPr>
-          </a:p>
-          <a:p>
-            <a:pPr marL="0" indent="0">
-              <a:lnSpc>
-                <a:spcPts val="3360"/>
-              </a:lnSpc>
-              <a:buNone/>
-            </a:pPr>
-            <a:r>
-              <a:rPr lang="en-US" b="1" dirty="0" smtClean="0">
-                <a:solidFill>
-                  <a:schemeClr val="bg1">
-                    <a:lumMod val="65000"/>
-                  </a:schemeClr>
-                </a:solidFill>
-              </a:rPr>
-              <a:t>The Scenario</a:t>
-            </a:r>
-          </a:p>
-          <a:p>
-            <a:pPr marL="0" indent="0">
-              <a:lnSpc>
-                <a:spcPts val="3360"/>
-              </a:lnSpc>
-              <a:buNone/>
-            </a:pPr>
-            <a:r>
-              <a:rPr lang="en-US" b="1" dirty="0" smtClean="0">
-                <a:solidFill>
-                  <a:schemeClr val="bg1">
-                    <a:lumMod val="65000"/>
-                  </a:schemeClr>
-                </a:solidFill>
-              </a:rPr>
-              <a:t>Plotting in ggplot2</a:t>
-            </a:r>
-            <a:endParaRPr lang="en-US" b="1" dirty="0">
-              <a:solidFill>
-                <a:schemeClr val="bg1">
-                  <a:lumMod val="65000"/>
-                </a:schemeClr>
-              </a:solidFill>
-            </a:endParaRPr>
+        <p:spPr>
+          <a:xfrm>
+            <a:off x="415600" y="1536633"/>
+            <a:ext cx="11360800" cy="5217850"/>
+          </a:xfrm>
+        </p:spPr>
+        <p:txBody>
+          <a:bodyPr numCol="2"/>
+          <a:lstStyle/>
+          <a:p>
+            <a:r>
+              <a:rPr lang="en-US" dirty="0" smtClean="0"/>
+              <a:t>Pros:</a:t>
+            </a:r>
+          </a:p>
+          <a:p>
+            <a:pPr lvl="1"/>
+            <a:r>
+              <a:rPr lang="en-US" dirty="0" smtClean="0"/>
+              <a:t>Reproducibility</a:t>
+            </a:r>
+          </a:p>
+          <a:p>
+            <a:pPr lvl="2"/>
+            <a:r>
+              <a:rPr lang="en-US" dirty="0" smtClean="0"/>
+              <a:t>Explicit documentation of steps</a:t>
+            </a:r>
+          </a:p>
+          <a:p>
+            <a:pPr lvl="1"/>
+            <a:r>
+              <a:rPr lang="en-US" dirty="0" smtClean="0"/>
+              <a:t>Versatile </a:t>
+            </a:r>
+          </a:p>
+          <a:p>
+            <a:pPr lvl="2"/>
+            <a:r>
+              <a:rPr lang="en-US" dirty="0" smtClean="0"/>
+              <a:t>Run on any operating system</a:t>
+            </a:r>
+          </a:p>
+          <a:p>
+            <a:pPr lvl="2"/>
+            <a:r>
+              <a:rPr lang="en-US" dirty="0" smtClean="0"/>
+              <a:t>Integrates with other software, languages, and data extensions</a:t>
+            </a:r>
+          </a:p>
+          <a:p>
+            <a:pPr lvl="3"/>
+            <a:r>
+              <a:rPr lang="en-US" dirty="0" smtClean="0"/>
+              <a:t>Python, Java, SAS, SPSS, Excel</a:t>
+            </a:r>
+          </a:p>
+          <a:p>
+            <a:pPr lvl="1"/>
+            <a:r>
+              <a:rPr lang="en-US" dirty="0" smtClean="0"/>
+              <a:t>Free and Open-Source </a:t>
+            </a:r>
+          </a:p>
+          <a:p>
+            <a:pPr lvl="1"/>
+            <a:r>
+              <a:rPr lang="en-US" dirty="0" smtClean="0"/>
+              <a:t>Large very active community</a:t>
+            </a:r>
+          </a:p>
+          <a:p>
+            <a:pPr lvl="2"/>
+            <a:r>
+              <a:rPr lang="en-US" dirty="0" smtClean="0"/>
+              <a:t>10K+ </a:t>
+            </a:r>
+            <a:r>
+              <a:rPr lang="en-US" dirty="0" smtClean="0"/>
+              <a:t>packages CRAN, Twitter, GitHub, etc.</a:t>
+            </a:r>
+          </a:p>
+          <a:p>
+            <a:pPr lvl="1"/>
+            <a:r>
+              <a:rPr lang="en-US" dirty="0" smtClean="0"/>
+              <a:t>Comprehensive</a:t>
+            </a:r>
+          </a:p>
+          <a:p>
+            <a:pPr lvl="2"/>
+            <a:r>
+              <a:rPr lang="en-US" dirty="0" smtClean="0"/>
+              <a:t>Eliminates the need for multiple software</a:t>
+            </a:r>
+          </a:p>
+          <a:p>
+            <a:pPr lvl="3"/>
+            <a:r>
+              <a:rPr lang="en-US" dirty="0" smtClean="0"/>
+              <a:t>GIS, Excel, ENVI, etc.</a:t>
+            </a:r>
+          </a:p>
+          <a:p>
+            <a:pPr lvl="1"/>
+            <a:r>
+              <a:rPr lang="en-US" dirty="0" smtClean="0"/>
+              <a:t>Computationally Robust</a:t>
+            </a:r>
+          </a:p>
+          <a:p>
+            <a:pPr lvl="2"/>
+            <a:r>
+              <a:rPr lang="en-US" dirty="0" smtClean="0"/>
+              <a:t>Fast and allows for high level analysis</a:t>
+            </a:r>
+          </a:p>
+          <a:p>
+            <a:pPr lvl="3"/>
+            <a:endParaRPr lang="en-US" dirty="0" smtClean="0"/>
+          </a:p>
+          <a:p>
+            <a:r>
+              <a:rPr lang="en-US" dirty="0" smtClean="0"/>
+              <a:t>Cons:</a:t>
+            </a:r>
+          </a:p>
+          <a:p>
+            <a:pPr lvl="1"/>
+            <a:r>
+              <a:rPr lang="en-US" dirty="0" smtClean="0"/>
+              <a:t>Steep Learning Curve</a:t>
+            </a:r>
+          </a:p>
+          <a:p>
+            <a:pPr lvl="2"/>
+            <a:r>
+              <a:rPr lang="en-US" dirty="0" smtClean="0"/>
+              <a:t>Requires a significant time investment especially starting with little to no coding experience</a:t>
+            </a:r>
+          </a:p>
+          <a:p>
+            <a:pPr lvl="1"/>
+            <a:r>
+              <a:rPr lang="en-US" dirty="0" smtClean="0"/>
+              <a:t>Limited “Point &amp; Click” </a:t>
+            </a:r>
+          </a:p>
+          <a:p>
+            <a:pPr lvl="2"/>
+            <a:r>
+              <a:rPr lang="en-US" dirty="0" smtClean="0"/>
+              <a:t>R Commander or Radiant?</a:t>
+            </a:r>
+          </a:p>
+          <a:p>
+            <a:pPr lvl="1"/>
+            <a:r>
+              <a:rPr lang="en-US" dirty="0" smtClean="0"/>
+              <a:t>Open-Source</a:t>
+            </a:r>
+          </a:p>
+          <a:p>
+            <a:pPr lvl="2"/>
+            <a:r>
+              <a:rPr lang="en-US" dirty="0" smtClean="0"/>
+              <a:t>Rely on creators to follow coding etiquette</a:t>
+            </a:r>
+          </a:p>
+          <a:p>
+            <a:pPr lvl="2"/>
+            <a:r>
+              <a:rPr lang="en-US" dirty="0" smtClean="0"/>
+              <a:t>Version control and instability </a:t>
+            </a:r>
+          </a:p>
+          <a:p>
+            <a:pPr lvl="2"/>
+            <a:endParaRPr lang="en-US" dirty="0" smtClean="0"/>
           </a:p>
         </p:txBody>
       </p:sp>
     </p:spTree>
     <p:extLst>
       <p:ext uri="{BB962C8B-B14F-4D97-AF65-F5344CB8AC3E}">
-        <p14:creationId xmlns:p14="http://schemas.microsoft.com/office/powerpoint/2010/main" val="2366013282"/>
+        <p14:creationId xmlns:p14="http://schemas.microsoft.com/office/powerpoint/2010/main" val="4090045013"/>
       </p:ext>
     </p:extLst>
   </p:cSld>
@@ -9782,6 +9867,30 @@
           <a:chExt cx="0" cy="0"/>
         </a:xfrm>
       </p:grpSpPr>
+      <p:pic>
+        <p:nvPicPr>
+          <p:cNvPr id="9" name="Picture 8"/>
+          <p:cNvPicPr>
+            <a:picLocks noChangeAspect="1"/>
+          </p:cNvPicPr>
+          <p:nvPr/>
+        </p:nvPicPr>
+        <p:blipFill>
+          <a:blip r:embed="rId2"/>
+          <a:stretch>
+            <a:fillRect/>
+          </a:stretch>
+        </p:blipFill>
+        <p:spPr>
+          <a:xfrm>
+            <a:off x="4848225" y="975168"/>
+            <a:ext cx="7343775" cy="4068236"/>
+          </a:xfrm>
+          <a:prstGeom prst="rect">
+            <a:avLst/>
+          </a:prstGeom>
+        </p:spPr>
+      </p:pic>
       <p:sp>
         <p:nvSpPr>
           <p:cNvPr id="2" name="Title 1"/>
@@ -9800,13 +9909,43 @@
           <a:lstStyle/>
           <a:p>
             <a:r>
-              <a:rPr lang="en-US" dirty="0" smtClean="0"/>
-              <a:t>What is Data?</a:t>
+              <a:rPr lang="en-US" dirty="0"/>
+              <a:t>Why R</a:t>
+            </a:r>
+            <a:r>
+              <a:rPr lang="en-US" dirty="0" smtClean="0"/>
+              <a:t>? </a:t>
             </a:r>
             <a:endParaRPr lang="en-US" dirty="0"/>
           </a:p>
         </p:txBody>
       </p:sp>
+      <p:pic>
+        <p:nvPicPr>
+          <p:cNvPr id="4" name="Picture 3"/>
+          <p:cNvPicPr>
+            <a:picLocks noChangeAspect="1"/>
+          </p:cNvPicPr>
+          <p:nvPr/>
+        </p:nvPicPr>
+        <p:blipFill rotWithShape="1">
+          <a:blip r:embed="rId3"/>
+          <a:srcRect l="-18366" r="-10858"/>
+          <a:stretch/>
+        </p:blipFill>
+        <p:spPr>
+          <a:xfrm>
+            <a:off x="4804913" y="975167"/>
+            <a:ext cx="7323827" cy="4240749"/>
+          </a:xfrm>
+          <a:prstGeom prst="rect">
+            <a:avLst/>
+          </a:prstGeom>
+          <a:solidFill>
+            <a:schemeClr val="bg1"/>
+          </a:solidFill>
+        </p:spPr>
+      </p:pic>
       <p:sp>
         <p:nvSpPr>
           <p:cNvPr id="3" name="Text Placeholder 2"/>
@@ -9820,174 +9959,174 @@
         <p:spPr>
           <a:xfrm>
             <a:off x="415600" y="1536633"/>
-            <a:ext cx="11080902" cy="4555200"/>
+            <a:ext cx="4751623" cy="4555200"/>
           </a:xfrm>
         </p:spPr>
         <p:txBody>
-          <a:bodyPr>
-            <a:normAutofit/>
+          <a:bodyPr/>
+          <a:lstStyle/>
+          <a:p>
+            <a:r>
+              <a:rPr lang="en-US" dirty="0" smtClean="0"/>
+              <a:t>Increasing in Popularity (especially in academia) </a:t>
+            </a:r>
+          </a:p>
+          <a:p>
+            <a:endParaRPr lang="en-US" dirty="0"/>
+          </a:p>
+          <a:p>
+            <a:r>
+              <a:rPr lang="en-US" dirty="0" smtClean="0"/>
+              <a:t>User contributions significantly increased over the last decade</a:t>
+            </a:r>
+            <a:endParaRPr lang="en-US" dirty="0"/>
+          </a:p>
+        </p:txBody>
+      </p:sp>
+      <p:sp>
+        <p:nvSpPr>
+          <p:cNvPr id="10" name="Rectangle 9"/>
+          <p:cNvSpPr/>
+          <p:nvPr/>
+        </p:nvSpPr>
+        <p:spPr>
+          <a:xfrm>
+            <a:off x="5543550" y="5215916"/>
+            <a:ext cx="6499550" cy="553998"/>
+          </a:xfrm>
+          <a:prstGeom prst="rect">
+            <a:avLst/>
+          </a:prstGeom>
+        </p:spPr>
+        <p:txBody>
+          <a:bodyPr wrap="square">
+            <a:spAutoFit/>
           </a:bodyPr>
           <a:lstStyle/>
           <a:p>
             <a:r>
-              <a:rPr lang="en-US" dirty="0" smtClean="0"/>
-              <a:t>Data is a collection of </a:t>
-            </a:r>
-            <a:r>
-              <a:rPr lang="en-US" b="1" dirty="0" smtClean="0"/>
-              <a:t>objects</a:t>
-            </a:r>
-            <a:r>
-              <a:rPr lang="en-US" dirty="0" smtClean="0"/>
-              <a:t> defined by </a:t>
-            </a:r>
-            <a:r>
-              <a:rPr lang="en-US" b="1" dirty="0" smtClean="0"/>
-              <a:t>attributes</a:t>
-            </a:r>
-          </a:p>
-          <a:p>
-            <a:endParaRPr lang="en-US" b="1" dirty="0"/>
-          </a:p>
-          <a:p>
-            <a:r>
-              <a:rPr lang="en-US" dirty="0" smtClean="0"/>
-              <a:t>An </a:t>
-            </a:r>
-            <a:r>
-              <a:rPr lang="en-US" b="1" dirty="0" smtClean="0"/>
-              <a:t>attribute</a:t>
-            </a:r>
-            <a:r>
-              <a:rPr lang="en-US" dirty="0" smtClean="0"/>
+              <a:rPr lang="en-US" sz="1000" dirty="0">
+                <a:hlinkClick r:id="rId4"/>
+              </a:rPr>
+              <a:t>http://</a:t>
+            </a:r>
+            <a:r>
+              <a:rPr lang="en-US" sz="1000" dirty="0" smtClean="0">
+                <a:hlinkClick r:id="rId4"/>
+              </a:rPr>
+              <a:t>blog.revolutionanalytics.com/2014/01/in-data-scientist-survey-r-is-the-most-used-tool-other-than-databases.html</a:t>
+            </a:r>
+            <a:endParaRPr lang="en-US" sz="1000" dirty="0" smtClean="0"/>
+          </a:p>
+          <a:p>
+            <a:endParaRPr lang="en-US" sz="1000" dirty="0"/>
+          </a:p>
+          <a:p>
+            <a:r>
+              <a:rPr lang="en-US" sz="1000" dirty="0">
+                <a:hlinkClick r:id="rId5"/>
+              </a:rPr>
+              <a:t>http://</a:t>
+            </a:r>
+            <a:r>
+              <a:rPr lang="en-US" sz="1000" dirty="0" smtClean="0">
+                <a:hlinkClick r:id="rId5"/>
+              </a:rPr>
+              <a:t>blog.revolutionanalytics.com/2016/03/16-years-of-r-history.html</a:t>
+            </a:r>
+            <a:r>
+              <a:rPr lang="en-US" sz="1000" dirty="0" smtClean="0"/>
               <a:t> </a:t>
             </a:r>
-            <a:r>
-              <a:rPr lang="en-US" dirty="0" smtClean="0"/>
-              <a:t>is a property or characteristic of an object</a:t>
-            </a:r>
-          </a:p>
-          <a:p>
-            <a:pPr lvl="1"/>
-            <a:r>
-              <a:rPr lang="en-US" dirty="0" smtClean="0"/>
-              <a:t>Examples: eye color of  a person, temperature, etc.</a:t>
-            </a:r>
-          </a:p>
-          <a:p>
-            <a:pPr lvl="1"/>
-            <a:r>
-              <a:rPr lang="en-US" dirty="0" smtClean="0"/>
-              <a:t>Synonyms: </a:t>
-            </a:r>
-            <a:r>
-              <a:rPr lang="en-US" b="1" i="1" dirty="0" smtClean="0"/>
-              <a:t>C</a:t>
-            </a:r>
-            <a:r>
-              <a:rPr lang="en-US" b="1" i="1" dirty="0" smtClean="0"/>
-              <a:t>olumns</a:t>
-            </a:r>
-            <a:r>
-              <a:rPr lang="en-US" b="1" dirty="0" smtClean="0"/>
-              <a:t>,</a:t>
-            </a:r>
-            <a:r>
-              <a:rPr lang="en-US" dirty="0" smtClean="0"/>
-              <a:t> </a:t>
-            </a:r>
-            <a:r>
-              <a:rPr lang="en-US" dirty="0" smtClean="0"/>
-              <a:t>variables</a:t>
-            </a:r>
-            <a:r>
-              <a:rPr lang="en-US" dirty="0" smtClean="0"/>
-              <a:t>, fields, characteristics, features</a:t>
-            </a:r>
-            <a:r>
-              <a:rPr lang="en-US" dirty="0" smtClean="0"/>
-              <a:t>, etc.</a:t>
-            </a:r>
-          </a:p>
-          <a:p>
-            <a:pPr marL="0" indent="0">
-              <a:buNone/>
-            </a:pPr>
-            <a:endParaRPr lang="en-US" dirty="0" smtClean="0"/>
-          </a:p>
-          <a:p>
-            <a:r>
-              <a:rPr lang="en-US" dirty="0" smtClean="0"/>
-              <a:t>An </a:t>
-            </a:r>
-            <a:r>
-              <a:rPr lang="en-US" b="1" dirty="0" smtClean="0"/>
-              <a:t>object</a:t>
-            </a:r>
-            <a:r>
-              <a:rPr lang="en-US" dirty="0" smtClean="0"/>
-              <a:t> is the phenomena being described or evaluated</a:t>
-            </a:r>
-          </a:p>
-          <a:p>
-            <a:pPr lvl="1"/>
-            <a:r>
-              <a:rPr lang="en-US" dirty="0" smtClean="0"/>
-              <a:t>Examples</a:t>
-            </a:r>
-            <a:r>
-              <a:rPr lang="en-US" dirty="0"/>
-              <a:t>: </a:t>
-            </a:r>
-            <a:r>
-              <a:rPr lang="en-US" dirty="0" smtClean="0"/>
-              <a:t>Bob/Sarah, house, substance, etc</a:t>
-            </a:r>
-            <a:r>
-              <a:rPr lang="en-US" dirty="0"/>
-              <a:t>.</a:t>
-            </a:r>
-            <a:endParaRPr lang="en-US" dirty="0" smtClean="0"/>
-          </a:p>
-          <a:p>
-            <a:pPr lvl="1"/>
-            <a:r>
-              <a:rPr lang="en-US" dirty="0" smtClean="0"/>
-              <a:t>Synonyms: </a:t>
-            </a:r>
-            <a:r>
-              <a:rPr lang="en-US" b="1" i="1" dirty="0" smtClean="0"/>
-              <a:t>Rows</a:t>
-            </a:r>
-            <a:r>
-              <a:rPr lang="en-US" dirty="0" smtClean="0"/>
-              <a:t>, records</a:t>
-            </a:r>
-            <a:r>
-              <a:rPr lang="en-US" dirty="0" smtClean="0"/>
-              <a:t>, points, cases, samples, </a:t>
-            </a:r>
-            <a:r>
-              <a:rPr lang="en-US" dirty="0" smtClean="0"/>
-              <a:t>instances, </a:t>
-            </a:r>
-            <a:r>
-              <a:rPr lang="en-US" dirty="0" smtClean="0"/>
-              <a:t>etc.</a:t>
-            </a:r>
+            <a:endParaRPr lang="en-US" sz="1000" dirty="0"/>
           </a:p>
         </p:txBody>
       </p:sp>
     </p:spTree>
     <p:extLst>
       <p:ext uri="{BB962C8B-B14F-4D97-AF65-F5344CB8AC3E}">
-        <p14:creationId xmlns:p14="http://schemas.microsoft.com/office/powerpoint/2010/main" val="3690802143"/>
+        <p14:creationId xmlns:p14="http://schemas.microsoft.com/office/powerpoint/2010/main" val="3495020346"/>
       </p:ext>
     </p:extLst>
   </p:cSld>
   <p:clrMapOvr>
     <a:masterClrMapping/>
   </p:clrMapOvr>
+  <p:timing>
+    <p:tnLst>
+      <p:par>
+        <p:cTn id="1" dur="indefinite" restart="never" nodeType="tmRoot">
+          <p:childTnLst>
+            <p:seq concurrent="1" nextAc="seek">
+              <p:cTn id="2" dur="indefinite" nodeType="mainSeq">
+                <p:childTnLst>
+                  <p:par>
+                    <p:cTn id="3" fill="hold">
+                      <p:stCondLst>
+                        <p:cond delay="indefinite"/>
+                      </p:stCondLst>
+                      <p:childTnLst>
+                        <p:par>
+                          <p:cTn id="4" fill="hold">
+                            <p:stCondLst>
+                              <p:cond delay="0"/>
+                            </p:stCondLst>
+                            <p:childTnLst>
+                              <p:par>
+                                <p:cTn id="5" presetID="1" presetClass="entr" presetSubtype="0" fill="hold" nodeType="clickEffect">
+                                  <p:stCondLst>
+                                    <p:cond delay="0"/>
+                                  </p:stCondLst>
+                                  <p:childTnLst>
+                                    <p:set>
+                                      <p:cBhvr>
+                                        <p:cTn id="6" dur="1" fill="hold">
+                                          <p:stCondLst>
+                                            <p:cond delay="0"/>
+                                          </p:stCondLst>
+                                        </p:cTn>
+                                        <p:tgtEl>
+                                          <p:spTgt spid="4"/>
+                                        </p:tgtEl>
+                                        <p:attrNameLst>
+                                          <p:attrName>style.visibility</p:attrName>
+                                        </p:attrNameLst>
+                                      </p:cBhvr>
+                                      <p:to>
+                                        <p:strVal val="visible"/>
+                                      </p:to>
+                                    </p:set>
+                                  </p:childTnLst>
+                                </p:cTn>
+                              </p:par>
+                            </p:childTnLst>
+                          </p:cTn>
+                        </p:par>
+                      </p:childTnLst>
+                    </p:cTn>
+                  </p:par>
+                </p:childTnLst>
+              </p:cTn>
+              <p:prevCondLst>
+                <p:cond evt="onPrev" delay="0">
+                  <p:tgtEl>
+                    <p:sldTgt/>
+                  </p:tgtEl>
+                </p:cond>
+              </p:prevCondLst>
+              <p:nextCondLst>
+                <p:cond evt="onNext" delay="0">
+                  <p:tgtEl>
+                    <p:sldTgt/>
+                  </p:tgtEl>
+                </p:cond>
+              </p:nextCondLst>
+            </p:seq>
+          </p:childTnLst>
+        </p:cTn>
+      </p:par>
+    </p:tnLst>
+  </p:timing>
 </p:sld>
 </file>
 
@@ -10027,7 +10166,7 @@
           <a:p>
             <a:r>
               <a:rPr lang="en-US" dirty="0" smtClean="0"/>
-              <a:t>Attribute Classification</a:t>
+              <a:t>Workshop Agenda</a:t>
             </a:r>
             <a:endParaRPr lang="en-US" dirty="0"/>
           </a:p>
@@ -10048,70 +10187,135 @@
           <a:bodyPr/>
           <a:lstStyle/>
           <a:p>
-            <a:r>
-              <a:rPr lang="en-US" dirty="0" smtClean="0"/>
-              <a:t>Discrete Attribute – has a infinite or countably infinite set of values</a:t>
-            </a:r>
-          </a:p>
-          <a:p>
-            <a:pPr lvl="1"/>
-            <a:r>
-              <a:rPr lang="en-US" dirty="0" smtClean="0"/>
-              <a:t>Examples: zip codes, number of words,</a:t>
-            </a:r>
-          </a:p>
-          <a:p>
-            <a:pPr lvl="1"/>
-            <a:r>
-              <a:rPr lang="en-US" dirty="0" smtClean="0"/>
-              <a:t>Typically represented as integers</a:t>
-            </a:r>
-            <a:endParaRPr lang="en-US" dirty="0"/>
-          </a:p>
-          <a:p>
-            <a:endParaRPr lang="en-US" dirty="0" smtClean="0"/>
-          </a:p>
-          <a:p>
-            <a:r>
-              <a:rPr lang="en-US" dirty="0" smtClean="0"/>
-              <a:t>Continuous Attribute -  has real numbers as attribute values</a:t>
-            </a:r>
-          </a:p>
-          <a:p>
-            <a:pPr lvl="1"/>
-            <a:r>
-              <a:rPr lang="en-US" dirty="0" smtClean="0"/>
-              <a:t>Example: temperature, height, weight</a:t>
-            </a:r>
-          </a:p>
-          <a:p>
-            <a:pPr lvl="1"/>
-            <a:r>
-              <a:rPr lang="en-US" dirty="0"/>
-              <a:t>Typically represented as </a:t>
-            </a:r>
-            <a:r>
-              <a:rPr lang="en-US" dirty="0" smtClean="0"/>
-              <a:t>floating point (decimal)</a:t>
-            </a:r>
-            <a:endParaRPr lang="en-US" dirty="0"/>
-          </a:p>
-          <a:p>
-            <a:pPr lvl="1"/>
-            <a:endParaRPr lang="en-US" dirty="0"/>
+            <a:pPr marL="0" indent="0">
+              <a:lnSpc>
+                <a:spcPts val="3360"/>
+              </a:lnSpc>
+              <a:buNone/>
+            </a:pPr>
+            <a:r>
+              <a:rPr lang="en-US" b="1" dirty="0" smtClean="0">
+                <a:solidFill>
+                  <a:schemeClr val="bg1">
+                    <a:lumMod val="65000"/>
+                  </a:schemeClr>
+                </a:solidFill>
+              </a:rPr>
+              <a:t>Workshop Expectations</a:t>
+            </a:r>
+          </a:p>
+          <a:p>
+            <a:pPr marL="0" indent="0">
+              <a:lnSpc>
+                <a:spcPts val="3360"/>
+              </a:lnSpc>
+              <a:buNone/>
+            </a:pPr>
+            <a:r>
+              <a:rPr lang="en-US" b="1" dirty="0" smtClean="0">
+                <a:solidFill>
+                  <a:schemeClr val="bg1">
+                    <a:lumMod val="65000"/>
+                  </a:schemeClr>
+                </a:solidFill>
+              </a:rPr>
+              <a:t>Why R?</a:t>
+            </a:r>
+          </a:p>
+          <a:p>
+            <a:pPr marL="0" indent="0">
+              <a:lnSpc>
+                <a:spcPts val="3360"/>
+              </a:lnSpc>
+              <a:buNone/>
+            </a:pPr>
+            <a:r>
+              <a:rPr lang="en-US" b="1" dirty="0" smtClean="0"/>
+              <a:t>Understanding Data</a:t>
+            </a:r>
+          </a:p>
+          <a:p>
+            <a:pPr marL="0" indent="0">
+              <a:lnSpc>
+                <a:spcPts val="3360"/>
+              </a:lnSpc>
+              <a:buNone/>
+            </a:pPr>
+            <a:r>
+              <a:rPr lang="en-US" b="1" dirty="0">
+                <a:solidFill>
+                  <a:schemeClr val="bg1">
+                    <a:lumMod val="65000"/>
+                  </a:schemeClr>
+                </a:solidFill>
+              </a:rPr>
+              <a:t>Data Visualizations in R</a:t>
+            </a:r>
+          </a:p>
+          <a:p>
+            <a:pPr marL="0" indent="0">
+              <a:lnSpc>
+                <a:spcPts val="3360"/>
+              </a:lnSpc>
+              <a:buNone/>
+            </a:pPr>
+            <a:r>
+              <a:rPr lang="en-US" b="1" dirty="0" smtClean="0">
+                <a:solidFill>
+                  <a:schemeClr val="bg1">
+                    <a:lumMod val="65000"/>
+                  </a:schemeClr>
+                </a:solidFill>
+              </a:rPr>
+              <a:t>Work </a:t>
+            </a:r>
+            <a:r>
+              <a:rPr lang="en-US" b="1" dirty="0">
+                <a:solidFill>
+                  <a:schemeClr val="bg1">
+                    <a:lumMod val="65000"/>
+                  </a:schemeClr>
+                </a:solidFill>
+              </a:rPr>
+              <a:t>in </a:t>
+            </a:r>
+            <a:r>
+              <a:rPr lang="en-US" b="1" dirty="0" smtClean="0">
+                <a:solidFill>
+                  <a:schemeClr val="bg1">
+                    <a:lumMod val="65000"/>
+                  </a:schemeClr>
+                </a:solidFill>
+              </a:rPr>
+              <a:t>R Studio</a:t>
+            </a:r>
+            <a:endParaRPr lang="en-US" b="1" dirty="0">
+              <a:solidFill>
+                <a:schemeClr val="bg1">
+                  <a:lumMod val="65000"/>
+                </a:schemeClr>
+              </a:solidFill>
+            </a:endParaRPr>
           </a:p>
         </p:txBody>
       </p:sp>
     </p:spTree>
     <p:extLst>
       <p:ext uri="{BB962C8B-B14F-4D97-AF65-F5344CB8AC3E}">
-        <p14:creationId xmlns:p14="http://schemas.microsoft.com/office/powerpoint/2010/main" val="2916818513"/>
+        <p14:creationId xmlns:p14="http://schemas.microsoft.com/office/powerpoint/2010/main" val="2366013282"/>
       </p:ext>
     </p:extLst>
   </p:cSld>
   <p:clrMapOvr>
     <a:masterClrMapping/>
   </p:clrMapOvr>
+  <p:timing>
+    <p:tnLst>
+      <p:par>
+        <p:cTn id="1" dur="indefinite" restart="never" nodeType="tmRoot"/>
+      </p:par>
+    </p:tnLst>
+  </p:timing>
 </p:sld>
 </file>
 
@@ -10150,9 +10354,10 @@
           <a:lstStyle/>
           <a:p>
             <a:r>
-              <a:rPr lang="en-US" dirty="0"/>
-              <a:t>Important Attribute Classes</a:t>
-            </a:r>
+              <a:rPr lang="en-US" dirty="0" smtClean="0"/>
+              <a:t>What is Data?</a:t>
+            </a:r>
+            <a:endParaRPr lang="en-US" dirty="0"/>
           </a:p>
         </p:txBody>
       </p:sp>
@@ -10166,7 +10371,12 @@
             <p:ph type="body" idx="1"/>
           </p:nvPr>
         </p:nvSpPr>
-        <p:spPr/>
+        <p:spPr>
+          <a:xfrm>
+            <a:off x="415600" y="1536633"/>
+            <a:ext cx="11080902" cy="4555200"/>
+          </a:xfrm>
+        </p:spPr>
         <p:txBody>
           <a:bodyPr>
             <a:normAutofit/>
@@ -10175,108 +10385,125 @@
           <a:p>
             <a:r>
               <a:rPr lang="en-US" dirty="0" smtClean="0"/>
-              <a:t>Categorical </a:t>
+              <a:t>Data is a collection of </a:t>
+            </a:r>
+            <a:r>
+              <a:rPr lang="en-US" b="1" dirty="0" smtClean="0"/>
+              <a:t>objects</a:t>
+            </a:r>
+            <a:r>
+              <a:rPr lang="en-US" dirty="0" smtClean="0"/>
+              <a:t> defined by </a:t>
+            </a:r>
+            <a:r>
+              <a:rPr lang="en-US" b="1" dirty="0" smtClean="0"/>
+              <a:t>attributes</a:t>
+            </a:r>
+          </a:p>
+          <a:p>
+            <a:endParaRPr lang="en-US" b="1" dirty="0"/>
+          </a:p>
+          <a:p>
+            <a:r>
+              <a:rPr lang="en-US" dirty="0" smtClean="0"/>
+              <a:t>An </a:t>
+            </a:r>
+            <a:r>
+              <a:rPr lang="en-US" b="1" dirty="0" smtClean="0"/>
+              <a:t>attribute</a:t>
+            </a:r>
+            <a:r>
+              <a:rPr lang="en-US" dirty="0" smtClean="0"/>
+              <a:t> is a property or characteristic of an object</a:t>
             </a:r>
           </a:p>
           <a:p>
             <a:pPr lvl="1"/>
             <a:r>
               <a:rPr lang="en-US" dirty="0" smtClean="0"/>
-              <a:t>Nominal - </a:t>
+              <a:t>Examples: eye color of  a person, temperature, etc.</a:t>
+            </a:r>
+          </a:p>
+          <a:p>
+            <a:pPr lvl="1"/>
+            <a:r>
+              <a:rPr lang="en-US" dirty="0" smtClean="0"/>
+              <a:t>Synonyms: </a:t>
+            </a:r>
+            <a:r>
+              <a:rPr lang="en-US" b="1" i="1" dirty="0" smtClean="0"/>
+              <a:t>Columns</a:t>
+            </a:r>
+            <a:r>
+              <a:rPr lang="en-US" b="1" dirty="0" smtClean="0"/>
+              <a:t>,</a:t>
+            </a:r>
+            <a:r>
+              <a:rPr lang="en-US" dirty="0" smtClean="0"/>
+              <a:t> variables, fields, characteristics, features, etc.</a:t>
+            </a:r>
+          </a:p>
+          <a:p>
+            <a:pPr marL="0" indent="0">
+              <a:buNone/>
+            </a:pPr>
+            <a:endParaRPr lang="en-US" dirty="0" smtClean="0"/>
+          </a:p>
+          <a:p>
+            <a:r>
+              <a:rPr lang="en-US" dirty="0" smtClean="0"/>
+              <a:t>An </a:t>
+            </a:r>
+            <a:r>
+              <a:rPr lang="en-US" b="1" dirty="0" smtClean="0"/>
+              <a:t>object</a:t>
+            </a:r>
+            <a:r>
+              <a:rPr lang="en-US" dirty="0" smtClean="0"/>
+              <a:t> is the phenomena being described or evaluated</a:t>
+            </a:r>
+          </a:p>
+          <a:p>
+            <a:pPr lvl="1"/>
+            <a:r>
+              <a:rPr lang="en-US" dirty="0" smtClean="0"/>
+              <a:t>Examples</a:t>
             </a:r>
             <a:r>
               <a:rPr lang="en-US" dirty="0"/>
-              <a:t>Data that can be counted, but not aggregated or </a:t>
-            </a:r>
-            <a:r>
-              <a:rPr lang="en-US" dirty="0" smtClean="0"/>
-              <a:t>ordered</a:t>
-            </a:r>
-            <a:endParaRPr lang="en-US" b="1" dirty="0" smtClean="0"/>
-          </a:p>
-          <a:p>
-            <a:pPr lvl="2"/>
-            <a:r>
-              <a:rPr lang="en-US" dirty="0" smtClean="0"/>
-              <a:t>Examples: Eye Color, Zip Code, Music Genre</a:t>
-            </a:r>
+              <a:t>: </a:t>
+            </a:r>
+            <a:r>
+              <a:rPr lang="en-US" dirty="0" smtClean="0"/>
+              <a:t>Bob/Sarah, house, substance, etc</a:t>
+            </a:r>
+            <a:r>
+              <a:rPr lang="en-US" dirty="0"/>
+              <a:t>.</a:t>
+            </a:r>
+            <a:endParaRPr lang="en-US" dirty="0" smtClean="0"/>
           </a:p>
           <a:p>
             <a:pPr lvl="1"/>
             <a:r>
               <a:rPr lang="en-US" dirty="0" smtClean="0"/>
-              <a:t>Ordinal - </a:t>
-            </a:r>
-            <a:r>
-              <a:rPr lang="en-US" dirty="0"/>
-              <a:t>Data that can be counted and ordered, but not aggregated.</a:t>
-            </a:r>
-          </a:p>
-          <a:p>
-            <a:pPr lvl="2"/>
-            <a:r>
-              <a:rPr lang="en-US" dirty="0" smtClean="0"/>
-              <a:t>Examples: Grades, Clothing Size, Positions (in a race)</a:t>
-            </a:r>
-            <a:endParaRPr lang="en-US" dirty="0"/>
-          </a:p>
-          <a:p>
-            <a:r>
-              <a:rPr lang="en-US" dirty="0" smtClean="0"/>
-              <a:t>Numerical</a:t>
-            </a:r>
-          </a:p>
-          <a:p>
-            <a:pPr lvl="1"/>
-            <a:r>
-              <a:rPr lang="en-US" dirty="0" smtClean="0"/>
-              <a:t>Interval (metrics) - The difference in values are constant and meaningful</a:t>
-            </a:r>
-          </a:p>
-          <a:p>
-            <a:pPr lvl="2"/>
-            <a:r>
-              <a:rPr lang="en-US" dirty="0" smtClean="0"/>
-              <a:t>Examples: The </a:t>
-            </a:r>
-            <a:r>
-              <a:rPr lang="en-US" dirty="0"/>
-              <a:t>difference between a temperature of </a:t>
-            </a:r>
-            <a:r>
-              <a:rPr lang="en-US" dirty="0" smtClean="0"/>
-              <a:t>100°F and 90°F </a:t>
-            </a:r>
-            <a:r>
-              <a:rPr lang="en-US" dirty="0"/>
-              <a:t>is the same difference as between </a:t>
-            </a:r>
-            <a:r>
-              <a:rPr lang="en-US" dirty="0" smtClean="0"/>
-              <a:t>90°F and 80°F.</a:t>
-            </a:r>
-          </a:p>
-          <a:p>
-            <a:pPr lvl="1"/>
-            <a:r>
-              <a:rPr lang="en-US" dirty="0" smtClean="0"/>
-              <a:t>Ratio -  An interval scale with an absolute zero </a:t>
-            </a:r>
-          </a:p>
-          <a:p>
-            <a:pPr lvl="2"/>
-            <a:r>
-              <a:rPr lang="en-US" dirty="0" smtClean="0"/>
-              <a:t>Examples: Income, Height, Weight</a:t>
-            </a:r>
-            <a:endParaRPr lang="en-US" dirty="0"/>
+              <a:t>Synonyms: </a:t>
+            </a:r>
+            <a:r>
+              <a:rPr lang="en-US" b="1" i="1" dirty="0" smtClean="0"/>
+              <a:t>Rows</a:t>
+            </a:r>
+            <a:r>
+              <a:rPr lang="en-US" dirty="0" smtClean="0"/>
+              <a:t>, records, points, cases, samples, instances, etc.</a:t>
+            </a:r>
           </a:p>
         </p:txBody>
       </p:sp>
     </p:spTree>
     <p:extLst>
       <p:ext uri="{BB962C8B-B14F-4D97-AF65-F5344CB8AC3E}">
-        <p14:creationId xmlns:p14="http://schemas.microsoft.com/office/powerpoint/2010/main" val="2534838353"/>
+        <p14:creationId xmlns:p14="http://schemas.microsoft.com/office/powerpoint/2010/main" val="3690802143"/>
       </p:ext>
     </p:extLst>
   </p:cSld>

--- a/Intro_to_R/Introduction to R.pptx
+++ b/Intro_to_R/Introduction to R.pptx
@@ -6,7 +6,7 @@
     <p:sldMasterId id="2147483692" r:id="rId2"/>
   </p:sldMasterIdLst>
   <p:notesMasterIdLst>
-    <p:notesMasterId r:id="rId23"/>
+    <p:notesMasterId r:id="rId25"/>
   </p:notesMasterIdLst>
   <p:sldIdLst>
     <p:sldId id="283" r:id="rId3"/>
@@ -14,21 +14,23 @@
     <p:sldId id="345" r:id="rId5"/>
     <p:sldId id="343" r:id="rId6"/>
     <p:sldId id="354" r:id="rId7"/>
-    <p:sldId id="355" r:id="rId8"/>
-    <p:sldId id="356" r:id="rId9"/>
-    <p:sldId id="344" r:id="rId10"/>
-    <p:sldId id="329" r:id="rId11"/>
-    <p:sldId id="331" r:id="rId12"/>
-    <p:sldId id="332" r:id="rId13"/>
-    <p:sldId id="337" r:id="rId14"/>
-    <p:sldId id="338" r:id="rId15"/>
-    <p:sldId id="353" r:id="rId16"/>
-    <p:sldId id="340" r:id="rId17"/>
-    <p:sldId id="339" r:id="rId18"/>
-    <p:sldId id="347" r:id="rId19"/>
-    <p:sldId id="351" r:id="rId20"/>
-    <p:sldId id="359" r:id="rId21"/>
-    <p:sldId id="358" r:id="rId22"/>
+    <p:sldId id="360" r:id="rId8"/>
+    <p:sldId id="355" r:id="rId9"/>
+    <p:sldId id="356" r:id="rId10"/>
+    <p:sldId id="344" r:id="rId11"/>
+    <p:sldId id="329" r:id="rId12"/>
+    <p:sldId id="331" r:id="rId13"/>
+    <p:sldId id="332" r:id="rId14"/>
+    <p:sldId id="337" r:id="rId15"/>
+    <p:sldId id="338" r:id="rId16"/>
+    <p:sldId id="353" r:id="rId17"/>
+    <p:sldId id="340" r:id="rId18"/>
+    <p:sldId id="339" r:id="rId19"/>
+    <p:sldId id="347" r:id="rId20"/>
+    <p:sldId id="351" r:id="rId21"/>
+    <p:sldId id="359" r:id="rId22"/>
+    <p:sldId id="361" r:id="rId23"/>
+    <p:sldId id="358" r:id="rId24"/>
   </p:sldIdLst>
   <p:sldSz cx="12192000" cy="6858000"/>
   <p:notesSz cx="6858000" cy="9144000"/>
@@ -217,7 +219,7 @@
           <a:p>
             <a:fld id="{85B0B4E8-A216-4834-BA1C-6A7DAFED7374}" type="datetimeFigureOut">
               <a:rPr lang="en-US" smtClean="0"/>
-              <a:t>8/27/2018</a:t>
+              <a:t>8/29/2018</a:t>
             </a:fld>
             <a:endParaRPr lang="en-US"/>
           </a:p>
@@ -725,7 +727,7 @@
           <a:p>
             <a:fld id="{C272A757-42F3-4527-9C1E-C8A1E1019F33}" type="datetimeFigureOut">
               <a:rPr lang="en-US" smtClean="0"/>
-              <a:t>8/27/2018</a:t>
+              <a:t>8/29/2018</a:t>
             </a:fld>
             <a:endParaRPr lang="en-US"/>
           </a:p>
@@ -895,7 +897,7 @@
           <a:p>
             <a:fld id="{C272A757-42F3-4527-9C1E-C8A1E1019F33}" type="datetimeFigureOut">
               <a:rPr lang="en-US" smtClean="0"/>
-              <a:t>8/27/2018</a:t>
+              <a:t>8/29/2018</a:t>
             </a:fld>
             <a:endParaRPr lang="en-US"/>
           </a:p>
@@ -1075,7 +1077,7 @@
           <a:p>
             <a:fld id="{C272A757-42F3-4527-9C1E-C8A1E1019F33}" type="datetimeFigureOut">
               <a:rPr lang="en-US" smtClean="0"/>
-              <a:t>8/27/2018</a:t>
+              <a:t>8/29/2018</a:t>
             </a:fld>
             <a:endParaRPr lang="en-US"/>
           </a:p>
@@ -1546,7 +1548,7 @@
             <a:fld id="{8ACDB3CC-F982-40F9-8DD6-BCC9AFBF44BD}" type="datetime1">
               <a:rPr lang="en-US" smtClean="0"/>
               <a:pPr/>
-              <a:t>8/27/2018</a:t>
+              <a:t>8/29/2018</a:t>
             </a:fld>
             <a:endParaRPr lang="en-US" dirty="0"/>
           </a:p>
@@ -1716,7 +1718,7 @@
           <a:p>
             <a:fld id="{68C2560D-EC28-3B41-86E8-18F1CE0113B4}" type="datetimeFigureOut">
               <a:rPr lang="en-US" smtClean="0"/>
-              <a:t>8/27/2018</a:t>
+              <a:t>8/29/2018</a:t>
             </a:fld>
             <a:endParaRPr lang="en-US"/>
           </a:p>
@@ -1963,7 +1965,7 @@
             <a:fld id="{4A9E7B99-7C3F-4BC3-B7B8-7E1F8C620B24}" type="datetime1">
               <a:rPr lang="en-US" smtClean="0"/>
               <a:pPr/>
-              <a:t>8/27/2018</a:t>
+              <a:t>8/29/2018</a:t>
             </a:fld>
             <a:endParaRPr lang="en-US"/>
           </a:p>
@@ -2257,7 +2259,7 @@
           <a:p>
             <a:fld id="{68C2560D-EC28-3B41-86E8-18F1CE0113B4}" type="datetimeFigureOut">
               <a:rPr lang="en-US" smtClean="0"/>
-              <a:t>8/27/2018</a:t>
+              <a:t>8/29/2018</a:t>
             </a:fld>
             <a:endParaRPr lang="en-US"/>
           </a:p>
@@ -2684,7 +2686,7 @@
           <a:p>
             <a:fld id="{68C2560D-EC28-3B41-86E8-18F1CE0113B4}" type="datetimeFigureOut">
               <a:rPr lang="en-US" smtClean="0"/>
-              <a:t>8/27/2018</a:t>
+              <a:t>8/29/2018</a:t>
             </a:fld>
             <a:endParaRPr lang="en-US"/>
           </a:p>
@@ -2802,7 +2804,7 @@
           <a:p>
             <a:fld id="{68C2560D-EC28-3B41-86E8-18F1CE0113B4}" type="datetimeFigureOut">
               <a:rPr lang="en-US" smtClean="0"/>
-              <a:t>8/27/2018</a:t>
+              <a:t>8/29/2018</a:t>
             </a:fld>
             <a:endParaRPr lang="en-US"/>
           </a:p>
@@ -2897,7 +2899,7 @@
           <a:p>
             <a:fld id="{68C2560D-EC28-3B41-86E8-18F1CE0113B4}" type="datetimeFigureOut">
               <a:rPr lang="en-US" smtClean="0"/>
-              <a:t>8/27/2018</a:t>
+              <a:t>8/29/2018</a:t>
             </a:fld>
             <a:endParaRPr lang="en-US"/>
           </a:p>
@@ -3067,7 +3069,7 @@
           <a:p>
             <a:fld id="{C272A757-42F3-4527-9C1E-C8A1E1019F33}" type="datetimeFigureOut">
               <a:rPr lang="en-US" smtClean="0"/>
-              <a:t>8/27/2018</a:t>
+              <a:t>8/29/2018</a:t>
             </a:fld>
             <a:endParaRPr lang="en-US"/>
           </a:p>
@@ -3344,7 +3346,7 @@
           <a:p>
             <a:fld id="{68C2560D-EC28-3B41-86E8-18F1CE0113B4}" type="datetimeFigureOut">
               <a:rPr lang="en-US" smtClean="0"/>
-              <a:t>8/27/2018</a:t>
+              <a:t>8/29/2018</a:t>
             </a:fld>
             <a:endParaRPr lang="en-US"/>
           </a:p>
@@ -3604,7 +3606,7 @@
           <a:p>
             <a:fld id="{68C2560D-EC28-3B41-86E8-18F1CE0113B4}" type="datetimeFigureOut">
               <a:rPr lang="en-US" smtClean="0"/>
-              <a:t>8/27/2018</a:t>
+              <a:t>8/29/2018</a:t>
             </a:fld>
             <a:endParaRPr lang="en-US"/>
           </a:p>
@@ -3774,7 +3776,7 @@
           <a:p>
             <a:fld id="{68C2560D-EC28-3B41-86E8-18F1CE0113B4}" type="datetimeFigureOut">
               <a:rPr lang="en-US" smtClean="0"/>
-              <a:t>8/27/2018</a:t>
+              <a:t>8/29/2018</a:t>
             </a:fld>
             <a:endParaRPr lang="en-US"/>
           </a:p>
@@ -3954,7 +3956,7 @@
           <a:p>
             <a:fld id="{68C2560D-EC28-3B41-86E8-18F1CE0113B4}" type="datetimeFigureOut">
               <a:rPr lang="en-US" smtClean="0"/>
-              <a:t>8/27/2018</a:t>
+              <a:t>8/29/2018</a:t>
             </a:fld>
             <a:endParaRPr lang="en-US"/>
           </a:p>
@@ -4200,7 +4202,7 @@
           <a:p>
             <a:fld id="{C272A757-42F3-4527-9C1E-C8A1E1019F33}" type="datetimeFigureOut">
               <a:rPr lang="en-US" smtClean="0"/>
-              <a:t>8/27/2018</a:t>
+              <a:t>8/29/2018</a:t>
             </a:fld>
             <a:endParaRPr lang="en-US"/>
           </a:p>
@@ -4432,7 +4434,7 @@
           <a:p>
             <a:fld id="{C272A757-42F3-4527-9C1E-C8A1E1019F33}" type="datetimeFigureOut">
               <a:rPr lang="en-US" smtClean="0"/>
-              <a:t>8/27/2018</a:t>
+              <a:t>8/29/2018</a:t>
             </a:fld>
             <a:endParaRPr lang="en-US"/>
           </a:p>
@@ -4799,7 +4801,7 @@
           <a:p>
             <a:fld id="{C272A757-42F3-4527-9C1E-C8A1E1019F33}" type="datetimeFigureOut">
               <a:rPr lang="en-US" smtClean="0"/>
-              <a:t>8/27/2018</a:t>
+              <a:t>8/29/2018</a:t>
             </a:fld>
             <a:endParaRPr lang="en-US"/>
           </a:p>
@@ -4917,7 +4919,7 @@
           <a:p>
             <a:fld id="{C272A757-42F3-4527-9C1E-C8A1E1019F33}" type="datetimeFigureOut">
               <a:rPr lang="en-US" smtClean="0"/>
-              <a:t>8/27/2018</a:t>
+              <a:t>8/29/2018</a:t>
             </a:fld>
             <a:endParaRPr lang="en-US"/>
           </a:p>
@@ -5012,7 +5014,7 @@
           <a:p>
             <a:fld id="{C272A757-42F3-4527-9C1E-C8A1E1019F33}" type="datetimeFigureOut">
               <a:rPr lang="en-US" smtClean="0"/>
-              <a:t>8/27/2018</a:t>
+              <a:t>8/29/2018</a:t>
             </a:fld>
             <a:endParaRPr lang="en-US"/>
           </a:p>
@@ -5289,7 +5291,7 @@
           <a:p>
             <a:fld id="{C272A757-42F3-4527-9C1E-C8A1E1019F33}" type="datetimeFigureOut">
               <a:rPr lang="en-US" smtClean="0"/>
-              <a:t>8/27/2018</a:t>
+              <a:t>8/29/2018</a:t>
             </a:fld>
             <a:endParaRPr lang="en-US"/>
           </a:p>
@@ -5542,7 +5544,7 @@
           <a:p>
             <a:fld id="{C272A757-42F3-4527-9C1E-C8A1E1019F33}" type="datetimeFigureOut">
               <a:rPr lang="en-US" smtClean="0"/>
-              <a:t>8/27/2018</a:t>
+              <a:t>8/29/2018</a:t>
             </a:fld>
             <a:endParaRPr lang="en-US"/>
           </a:p>
@@ -5755,7 +5757,7 @@
           <a:p>
             <a:fld id="{C272A757-42F3-4527-9C1E-C8A1E1019F33}" type="datetimeFigureOut">
               <a:rPr lang="en-US" smtClean="0"/>
-              <a:t>8/27/2018</a:t>
+              <a:t>8/29/2018</a:t>
             </a:fld>
             <a:endParaRPr lang="en-US"/>
           </a:p>
@@ -6303,7 +6305,7 @@
           <a:p>
             <a:fld id="{68C2560D-EC28-3B41-86E8-18F1CE0113B4}" type="datetimeFigureOut">
               <a:rPr lang="en-US" smtClean="0"/>
-              <a:t>8/27/2018</a:t>
+              <a:t>8/29/2018</a:t>
             </a:fld>
             <a:endParaRPr lang="en-US"/>
           </a:p>
@@ -6690,8 +6692,8 @@
         </p:nvSpPr>
         <p:spPr>
           <a:xfrm>
-            <a:off x="3131640" y="1688842"/>
-            <a:ext cx="8450760" cy="1911610"/>
+            <a:off x="4390772" y="1588551"/>
+            <a:ext cx="5487427" cy="1911610"/>
           </a:xfrm>
         </p:spPr>
         <p:txBody>
@@ -6702,11 +6704,11 @@
           <a:p>
             <a:r>
               <a:rPr lang="en-US" dirty="0" smtClean="0"/>
-              <a:t>Introduction to </a:t>
-            </a:r>
-            <a:r>
-              <a:rPr lang="en-US" dirty="0"/>
-              <a:t>R</a:t>
+              <a:t>Introduction </a:t>
+            </a:r>
+            <a:r>
+              <a:rPr lang="en-US" dirty="0" smtClean="0"/>
+              <a:t>to R </a:t>
             </a:r>
             <a:r>
               <a:rPr lang="en-US" dirty="0" smtClean="0"/>
@@ -6729,7 +6731,12 @@
             <p:ph type="subTitle" idx="1"/>
           </p:nvPr>
         </p:nvSpPr>
-        <p:spPr/>
+        <p:spPr>
+          <a:xfrm>
+            <a:off x="3654762" y="4563533"/>
+            <a:ext cx="6959449" cy="1752600"/>
+          </a:xfrm>
+        </p:spPr>
         <p:txBody>
           <a:bodyPr>
             <a:normAutofit/>
@@ -6813,7 +6820,7 @@
           <a:p>
             <a:r>
               <a:rPr lang="en-US" dirty="0" smtClean="0"/>
-              <a:t>Attribute Classification</a:t>
+              <a:t>What is Data?</a:t>
             </a:r>
             <a:endParaRPr lang="en-US" dirty="0"/>
           </a:p>
@@ -6829,105 +6836,139 @@
             <p:ph type="body" idx="1"/>
           </p:nvPr>
         </p:nvSpPr>
-        <p:spPr/>
-        <p:txBody>
-          <a:bodyPr/>
-          <a:lstStyle/>
-          <a:p>
-            <a:r>
-              <a:rPr lang="en-US" dirty="0" smtClean="0"/>
-              <a:t>Discrete Attribute – has </a:t>
-            </a:r>
-            <a:r>
-              <a:rPr lang="en-US" dirty="0" smtClean="0"/>
-              <a:t>a countable set </a:t>
-            </a:r>
-            <a:r>
-              <a:rPr lang="en-US" dirty="0" smtClean="0"/>
-              <a:t>of values</a:t>
+        <p:spPr>
+          <a:xfrm>
+            <a:off x="415600" y="1536633"/>
+            <a:ext cx="11080902" cy="4555200"/>
+          </a:xfrm>
+        </p:spPr>
+        <p:txBody>
+          <a:bodyPr>
+            <a:normAutofit/>
+          </a:bodyPr>
+          <a:lstStyle/>
+          <a:p>
+            <a:r>
+              <a:rPr lang="en-US" dirty="0" smtClean="0"/>
+              <a:t>Data is a collection of </a:t>
+            </a:r>
+            <a:r>
+              <a:rPr lang="en-US" b="1" dirty="0" smtClean="0"/>
+              <a:t>objects</a:t>
+            </a:r>
+            <a:r>
+              <a:rPr lang="en-US" dirty="0" smtClean="0"/>
+              <a:t> defined by </a:t>
+            </a:r>
+            <a:r>
+              <a:rPr lang="en-US" b="1" dirty="0" smtClean="0"/>
+              <a:t>attributes</a:t>
+            </a:r>
+          </a:p>
+          <a:p>
+            <a:endParaRPr lang="en-US" b="1" dirty="0"/>
+          </a:p>
+          <a:p>
+            <a:r>
+              <a:rPr lang="en-US" dirty="0" smtClean="0"/>
+              <a:t>An </a:t>
+            </a:r>
+            <a:r>
+              <a:rPr lang="en-US" b="1" dirty="0" smtClean="0"/>
+              <a:t>attribute</a:t>
+            </a:r>
+            <a:r>
+              <a:rPr lang="en-US" dirty="0" smtClean="0"/>
+              <a:t> is a property or characteristic of an object</a:t>
             </a:r>
           </a:p>
           <a:p>
             <a:pPr lvl="1"/>
             <a:r>
               <a:rPr lang="en-US" dirty="0" smtClean="0"/>
-              <a:t>Examples: zip codes, number of words,</a:t>
+              <a:t>Examples: eye color of  a person, temperature, etc.</a:t>
             </a:r>
           </a:p>
           <a:p>
             <a:pPr lvl="1"/>
             <a:r>
               <a:rPr lang="en-US" dirty="0" smtClean="0"/>
-              <a:t>Typically represented as </a:t>
+              <a:t>Synonyms: </a:t>
+            </a:r>
+            <a:r>
+              <a:rPr lang="en-US" b="1" i="1" dirty="0" smtClean="0"/>
+              <a:t>Columns</a:t>
             </a:r>
             <a:r>
               <a:rPr lang="en-US" b="1" dirty="0" smtClean="0"/>
-              <a:t>integers</a:t>
-            </a:r>
-            <a:endParaRPr lang="en-US" b="1" dirty="0"/>
-          </a:p>
-          <a:p>
+              <a:t>,</a:t>
+            </a:r>
+            <a:r>
+              <a:rPr lang="en-US" dirty="0" smtClean="0"/>
+              <a:t> variables, fields, characteristics, features, etc.</a:t>
+            </a:r>
+          </a:p>
+          <a:p>
+            <a:pPr marL="0" indent="0">
+              <a:buNone/>
+            </a:pPr>
             <a:endParaRPr lang="en-US" dirty="0" smtClean="0"/>
           </a:p>
           <a:p>
             <a:r>
               <a:rPr lang="en-US" dirty="0" smtClean="0"/>
-              <a:t>Continuous Attribute - </a:t>
-            </a:r>
-            <a:r>
-              <a:rPr lang="en-US" dirty="0" smtClean="0"/>
-              <a:t>has </a:t>
-            </a:r>
-            <a:r>
-              <a:rPr lang="en-US" dirty="0" smtClean="0"/>
-              <a:t>an infinite set of</a:t>
-            </a:r>
-            <a:r>
-              <a:rPr lang="en-US" dirty="0" smtClean="0"/>
-              <a:t> numbers and potential divisions</a:t>
+              <a:t>An </a:t>
+            </a:r>
+            <a:r>
+              <a:rPr lang="en-US" b="1" dirty="0" smtClean="0"/>
+              <a:t>object</a:t>
+            </a:r>
+            <a:r>
+              <a:rPr lang="en-US" dirty="0" smtClean="0"/>
+              <a:t> is the phenomena being described or evaluated</a:t>
             </a:r>
           </a:p>
           <a:p>
             <a:pPr lvl="1"/>
             <a:r>
               <a:rPr lang="en-US" dirty="0" smtClean="0"/>
-              <a:t>Example</a:t>
-            </a:r>
-            <a:r>
-              <a:rPr lang="en-US" dirty="0" smtClean="0"/>
-              <a:t>: temperature, height, weight</a:t>
-            </a:r>
+              <a:t>Examples</a:t>
+            </a:r>
+            <a:r>
+              <a:rPr lang="en-US" dirty="0"/>
+              <a:t>: </a:t>
+            </a:r>
+            <a:r>
+              <a:rPr lang="en-US" dirty="0" smtClean="0"/>
+              <a:t>Bob/Sarah, house, substance, etc</a:t>
+            </a:r>
+            <a:r>
+              <a:rPr lang="en-US" dirty="0"/>
+              <a:t>.</a:t>
+            </a:r>
+            <a:endParaRPr lang="en-US" dirty="0" smtClean="0"/>
           </a:p>
           <a:p>
             <a:pPr lvl="1"/>
             <a:r>
-              <a:rPr lang="en-US" dirty="0"/>
-              <a:t>Typically represented as </a:t>
-            </a:r>
-            <a:r>
-              <a:rPr lang="en-US" dirty="0" smtClean="0"/>
-              <a:t>floating point (</a:t>
-            </a:r>
-            <a:r>
-              <a:rPr lang="en-US" b="1" dirty="0" smtClean="0"/>
-              <a:t>decimal</a:t>
-            </a:r>
-            <a:r>
-              <a:rPr lang="en-US" dirty="0" smtClean="0"/>
-              <a:t>)</a:t>
-            </a:r>
-            <a:endParaRPr lang="en-US" dirty="0"/>
-          </a:p>
-          <a:p>
-            <a:pPr lvl="1"/>
-            <a:endParaRPr lang="en-US" dirty="0"/>
+              <a:rPr lang="en-US" dirty="0" smtClean="0"/>
+              <a:t>Synonyms: </a:t>
+            </a:r>
+            <a:r>
+              <a:rPr lang="en-US" b="1" i="1" dirty="0" smtClean="0"/>
+              <a:t>Rows</a:t>
+            </a:r>
+            <a:r>
+              <a:rPr lang="en-US" dirty="0" smtClean="0"/>
+              <a:t>, records, points, cases, samples, instances, etc.</a:t>
+            </a:r>
           </a:p>
         </p:txBody>
       </p:sp>
     </p:spTree>
     <p:extLst>
       <p:ext uri="{BB962C8B-B14F-4D97-AF65-F5344CB8AC3E}">
-        <p14:creationId xmlns:p14="http://schemas.microsoft.com/office/powerpoint/2010/main" val="2916818513"/>
+        <p14:creationId xmlns:p14="http://schemas.microsoft.com/office/powerpoint/2010/main" val="3690802143"/>
       </p:ext>
     </p:extLst>
   </p:cSld>
@@ -6972,6 +7013,219 @@
           <a:lstStyle/>
           <a:p>
             <a:r>
+              <a:rPr lang="en-US" dirty="0" smtClean="0"/>
+              <a:t>Attribute Classification</a:t>
+            </a:r>
+            <a:endParaRPr lang="en-US" dirty="0"/>
+          </a:p>
+        </p:txBody>
+      </p:sp>
+      <p:sp>
+        <p:nvSpPr>
+          <p:cNvPr id="3" name="Text Placeholder 2"/>
+          <p:cNvSpPr>
+            <a:spLocks noGrp="1"/>
+          </p:cNvSpPr>
+          <p:nvPr>
+            <p:ph type="body" idx="1"/>
+          </p:nvPr>
+        </p:nvSpPr>
+        <p:spPr>
+          <a:xfrm>
+            <a:off x="415600" y="1536633"/>
+            <a:ext cx="6899600" cy="4555200"/>
+          </a:xfrm>
+        </p:spPr>
+        <p:txBody>
+          <a:bodyPr/>
+          <a:lstStyle/>
+          <a:p>
+            <a:r>
+              <a:rPr lang="en-US" dirty="0" smtClean="0"/>
+              <a:t>Discrete Attribute – has a countable set of values</a:t>
+            </a:r>
+          </a:p>
+          <a:p>
+            <a:pPr lvl="1"/>
+            <a:r>
+              <a:rPr lang="en-US" dirty="0" smtClean="0"/>
+              <a:t>Examples: zip codes, number of words,</a:t>
+            </a:r>
+          </a:p>
+          <a:p>
+            <a:pPr lvl="1"/>
+            <a:r>
+              <a:rPr lang="en-US" dirty="0" smtClean="0"/>
+              <a:t>Typically represented as </a:t>
+            </a:r>
+            <a:r>
+              <a:rPr lang="en-US" b="1" dirty="0" smtClean="0"/>
+              <a:t>integers</a:t>
+            </a:r>
+            <a:endParaRPr lang="en-US" b="1" dirty="0"/>
+          </a:p>
+          <a:p>
+            <a:endParaRPr lang="en-US" dirty="0" smtClean="0"/>
+          </a:p>
+          <a:p>
+            <a:r>
+              <a:rPr lang="en-US" dirty="0" smtClean="0"/>
+              <a:t>Continuous Attribute - has an infinite set of numbers and potential divisions</a:t>
+            </a:r>
+          </a:p>
+          <a:p>
+            <a:pPr lvl="1"/>
+            <a:r>
+              <a:rPr lang="en-US" dirty="0" smtClean="0"/>
+              <a:t>Example: temperature, height, weight</a:t>
+            </a:r>
+          </a:p>
+          <a:p>
+            <a:pPr lvl="1"/>
+            <a:r>
+              <a:rPr lang="en-US" dirty="0"/>
+              <a:t>Typically represented as </a:t>
+            </a:r>
+            <a:r>
+              <a:rPr lang="en-US" dirty="0" smtClean="0"/>
+              <a:t>floating point (</a:t>
+            </a:r>
+            <a:r>
+              <a:rPr lang="en-US" b="1" dirty="0" smtClean="0"/>
+              <a:t>decimal</a:t>
+            </a:r>
+            <a:r>
+              <a:rPr lang="en-US" dirty="0" smtClean="0"/>
+              <a:t>)</a:t>
+            </a:r>
+            <a:endParaRPr lang="en-US" dirty="0"/>
+          </a:p>
+          <a:p>
+            <a:pPr lvl="1"/>
+            <a:endParaRPr lang="en-US" dirty="0"/>
+          </a:p>
+        </p:txBody>
+      </p:sp>
+      <p:pic>
+        <p:nvPicPr>
+          <p:cNvPr id="1026" name="Picture 2" descr="https://qph.fs.quoracdn.net/main-qimg-7badb966d5ff6063ddb515737011ed1b-c"/>
+          <p:cNvPicPr>
+            <a:picLocks noChangeAspect="1" noChangeArrowheads="1"/>
+          </p:cNvPicPr>
+          <p:nvPr/>
+        </p:nvPicPr>
+        <p:blipFill>
+          <a:blip r:embed="rId2">
+            <a:extLst>
+              <a:ext uri="{28A0092B-C50C-407E-A947-70E740481C1C}">
+                <a14:useLocalDpi xmlns:a14="http://schemas.microsoft.com/office/drawing/2010/main" val="0"/>
+              </a:ext>
+            </a:extLst>
+          </a:blip>
+          <a:srcRect/>
+          <a:stretch>
+            <a:fillRect/>
+          </a:stretch>
+        </p:blipFill>
+        <p:spPr bwMode="auto">
+          <a:xfrm>
+            <a:off x="7840133" y="967500"/>
+            <a:ext cx="3936267" cy="4630293"/>
+          </a:xfrm>
+          <a:prstGeom prst="rect">
+            <a:avLst/>
+          </a:prstGeom>
+          <a:noFill/>
+          <a:extLst>
+            <a:ext uri="{909E8E84-426E-40DD-AFC4-6F175D3DCCD1}">
+              <a14:hiddenFill xmlns:a14="http://schemas.microsoft.com/office/drawing/2010/main">
+                <a:solidFill>
+                  <a:srgbClr val="FFFFFF"/>
+                </a:solidFill>
+              </a14:hiddenFill>
+            </a:ext>
+          </a:extLst>
+        </p:spPr>
+      </p:pic>
+      <p:sp>
+        <p:nvSpPr>
+          <p:cNvPr id="4" name="Rectangle 3"/>
+          <p:cNvSpPr/>
+          <p:nvPr/>
+        </p:nvSpPr>
+        <p:spPr>
+          <a:xfrm>
+            <a:off x="7840133" y="5597793"/>
+            <a:ext cx="3572934" cy="215444"/>
+          </a:xfrm>
+          <a:prstGeom prst="rect">
+            <a:avLst/>
+          </a:prstGeom>
+        </p:spPr>
+        <p:txBody>
+          <a:bodyPr wrap="square">
+            <a:spAutoFit/>
+          </a:bodyPr>
+          <a:lstStyle/>
+          <a:p>
+            <a:r>
+              <a:rPr lang="en-US" sz="800" dirty="0">
+                <a:latin typeface="Times New Roman" panose="02020603050405020304" pitchFamily="18" charset="0"/>
+                <a:cs typeface="Times New Roman" panose="02020603050405020304" pitchFamily="18" charset="0"/>
+              </a:rPr>
+              <a:t>https://qph.fs.quoracdn.net/main-qimg-7badb966d5ff6063ddb515737011ed1b-c</a:t>
+            </a:r>
+          </a:p>
+        </p:txBody>
+      </p:sp>
+    </p:spTree>
+    <p:extLst>
+      <p:ext uri="{BB962C8B-B14F-4D97-AF65-F5344CB8AC3E}">
+        <p14:creationId xmlns:p14="http://schemas.microsoft.com/office/powerpoint/2010/main" val="2916818513"/>
+      </p:ext>
+    </p:extLst>
+  </p:cSld>
+  <p:clrMapOvr>
+    <a:masterClrMapping/>
+  </p:clrMapOvr>
+</p:sld>
+</file>
+
+<file path=ppt/slides/slide12.xml><?xml version="1.0" encoding="utf-8"?>
+<p:sld xmlns:a="http://schemas.openxmlformats.org/drawingml/2006/main" xmlns:r="http://schemas.openxmlformats.org/officeDocument/2006/relationships" xmlns:p="http://schemas.openxmlformats.org/presentationml/2006/main">
+  <p:cSld>
+    <p:spTree>
+      <p:nvGrpSpPr>
+        <p:cNvPr id="1" name=""/>
+        <p:cNvGrpSpPr/>
+        <p:nvPr/>
+      </p:nvGrpSpPr>
+      <p:grpSpPr>
+        <a:xfrm>
+          <a:off x="0" y="0"/>
+          <a:ext cx="0" cy="0"/>
+          <a:chOff x="0" y="0"/>
+          <a:chExt cx="0" cy="0"/>
+        </a:xfrm>
+      </p:grpSpPr>
+      <p:sp>
+        <p:nvSpPr>
+          <p:cNvPr id="2" name="Title 1"/>
+          <p:cNvSpPr>
+            <a:spLocks noGrp="1"/>
+          </p:cNvSpPr>
+          <p:nvPr>
+            <p:ph type="title"/>
+          </p:nvPr>
+        </p:nvSpPr>
+        <p:spPr/>
+        <p:txBody>
+          <a:bodyPr>
+            <a:normAutofit fontScale="90000"/>
+          </a:bodyPr>
+          <a:lstStyle/>
+          <a:p>
+            <a:r>
               <a:rPr lang="en-US" dirty="0"/>
               <a:t>Important Attribute Classes</a:t>
             </a:r>
@@ -7108,7 +7362,7 @@
 </p:sld>
 </file>
 
-<file path=ppt/slides/slide12.xml><?xml version="1.0" encoding="utf-8"?>
+<file path=ppt/slides/slide13.xml><?xml version="1.0" encoding="utf-8"?>
 <p:sld xmlns:a="http://schemas.openxmlformats.org/drawingml/2006/main" xmlns:r="http://schemas.openxmlformats.org/officeDocument/2006/relationships" xmlns:p="http://schemas.openxmlformats.org/presentationml/2006/main">
   <p:cSld>
     <p:spTree>
@@ -7210,7 +7464,7 @@
 </p:sld>
 </file>
 
-<file path=ppt/slides/slide13.xml><?xml version="1.0" encoding="utf-8"?>
+<file path=ppt/slides/slide14.xml><?xml version="1.0" encoding="utf-8"?>
 <p:sld xmlns:a="http://schemas.openxmlformats.org/drawingml/2006/main" xmlns:r="http://schemas.openxmlformats.org/officeDocument/2006/relationships" xmlns:p="http://schemas.openxmlformats.org/presentationml/2006/main">
   <p:cSld>
     <p:spTree>
@@ -7251,11 +7505,7 @@
           <a:p>
             <a:r>
               <a:rPr lang="en-US" dirty="0" smtClean="0"/>
-              <a:t>Primitive Data </a:t>
-            </a:r>
-            <a:r>
-              <a:rPr lang="en-US" dirty="0" smtClean="0"/>
-              <a:t>Types </a:t>
+              <a:t>Primitive Data Types </a:t>
             </a:r>
             <a:br>
               <a:rPr lang="en-US" dirty="0" smtClean="0"/>
@@ -7290,11 +7540,7 @@
           <a:p>
             <a:r>
               <a:rPr lang="en-US" dirty="0" smtClean="0"/>
-              <a:t>Boolean</a:t>
-            </a:r>
-            <a:r>
-              <a:rPr lang="en-US" dirty="0" smtClean="0"/>
-              <a:t>:</a:t>
+              <a:t>Boolean:</a:t>
             </a:r>
           </a:p>
           <a:p>
@@ -7370,7 +7616,7 @@
 </p:sld>
 </file>
 
-<file path=ppt/slides/slide14.xml><?xml version="1.0" encoding="utf-8"?>
+<file path=ppt/slides/slide15.xml><?xml version="1.0" encoding="utf-8"?>
 <p:sld xmlns:a="http://schemas.openxmlformats.org/drawingml/2006/main" xmlns:r="http://schemas.openxmlformats.org/officeDocument/2006/relationships" xmlns:p="http://schemas.openxmlformats.org/presentationml/2006/main">
   <p:cSld>
     <p:spTree>
@@ -7441,8 +7687,16 @@
                   </a:schemeClr>
                 </a:solidFill>
               </a:rPr>
-              <a:t>Workshop </a:t>
-            </a:r>
+              <a:t>Workshop Expectations</a:t>
+            </a:r>
+          </a:p>
+          <a:p>
+            <a:pPr marL="0" indent="0">
+              <a:lnSpc>
+                <a:spcPts val="3360"/>
+              </a:lnSpc>
+              <a:buNone/>
+            </a:pPr>
             <a:r>
               <a:rPr lang="en-US" b="1" dirty="0" smtClean="0">
                 <a:solidFill>
@@ -7451,16 +7705,8 @@
                   </a:schemeClr>
                 </a:solidFill>
               </a:rPr>
-              <a:t>Expectations</a:t>
-            </a:r>
-          </a:p>
-          <a:p>
-            <a:pPr marL="0" indent="0">
-              <a:lnSpc>
-                <a:spcPts val="3360"/>
-              </a:lnSpc>
-              <a:buNone/>
-            </a:pPr>
+              <a:t>What is </a:t>
+            </a:r>
             <a:r>
               <a:rPr lang="en-US" b="1" dirty="0" smtClean="0">
                 <a:solidFill>
@@ -7469,15 +7715,8 @@
                   </a:schemeClr>
                 </a:solidFill>
               </a:rPr>
-              <a:t>Why R?</a:t>
-            </a:r>
-            <a:endParaRPr lang="en-US" b="1" dirty="0" smtClean="0">
-              <a:solidFill>
-                <a:schemeClr val="bg1">
-                  <a:lumMod val="65000"/>
-                </a:schemeClr>
-              </a:solidFill>
-            </a:endParaRPr>
+              <a:t>R?</a:t>
+            </a:r>
           </a:p>
           <a:p>
             <a:pPr marL="0" indent="0">
@@ -7556,7 +7795,7 @@
 </p:sld>
 </file>
 
-<file path=ppt/slides/slide15.xml><?xml version="1.0" encoding="utf-8"?>
+<file path=ppt/slides/slide16.xml><?xml version="1.0" encoding="utf-8"?>
 <p:sld xmlns:a="http://schemas.openxmlformats.org/drawingml/2006/main" xmlns:r="http://schemas.openxmlformats.org/officeDocument/2006/relationships" xmlns:p="http://schemas.openxmlformats.org/presentationml/2006/main">
   <p:cSld>
     <p:spTree>
@@ -7810,7 +8049,7 @@
 </p:sld>
 </file>
 
-<file path=ppt/slides/slide16.xml><?xml version="1.0" encoding="utf-8"?>
+<file path=ppt/slides/slide17.xml><?xml version="1.0" encoding="utf-8"?>
 <p:sld xmlns:a="http://schemas.openxmlformats.org/drawingml/2006/main" xmlns:r="http://schemas.openxmlformats.org/officeDocument/2006/relationships" xmlns:p="http://schemas.openxmlformats.org/presentationml/2006/main">
   <p:cSld>
     <p:spTree>
@@ -7941,7 +8180,7 @@
 </p:sld>
 </file>
 
-<file path=ppt/slides/slide17.xml><?xml version="1.0" encoding="utf-8"?>
+<file path=ppt/slides/slide18.xml><?xml version="1.0" encoding="utf-8"?>
 <p:sld xmlns:a="http://schemas.openxmlformats.org/drawingml/2006/main" xmlns:r="http://schemas.openxmlformats.org/officeDocument/2006/relationships" xmlns:p="http://schemas.openxmlformats.org/presentationml/2006/main">
   <p:cSld>
     <p:spTree>
@@ -8290,148 +8529,6 @@
 </p:sld>
 </file>
 
-<file path=ppt/slides/slide18.xml><?xml version="1.0" encoding="utf-8"?>
-<p:sld xmlns:a="http://schemas.openxmlformats.org/drawingml/2006/main" xmlns:r="http://schemas.openxmlformats.org/officeDocument/2006/relationships" xmlns:p="http://schemas.openxmlformats.org/presentationml/2006/main">
-  <p:cSld>
-    <p:spTree>
-      <p:nvGrpSpPr>
-        <p:cNvPr id="1" name=""/>
-        <p:cNvGrpSpPr/>
-        <p:nvPr/>
-      </p:nvGrpSpPr>
-      <p:grpSpPr>
-        <a:xfrm>
-          <a:off x="0" y="0"/>
-          <a:ext cx="0" cy="0"/>
-          <a:chOff x="0" y="0"/>
-          <a:chExt cx="0" cy="0"/>
-        </a:xfrm>
-      </p:grpSpPr>
-      <p:sp>
-        <p:nvSpPr>
-          <p:cNvPr id="2" name="Title 1"/>
-          <p:cNvSpPr>
-            <a:spLocks noGrp="1"/>
-          </p:cNvSpPr>
-          <p:nvPr>
-            <p:ph type="title"/>
-          </p:nvPr>
-        </p:nvSpPr>
-        <p:spPr/>
-        <p:txBody>
-          <a:bodyPr>
-            <a:normAutofit fontScale="90000"/>
-          </a:bodyPr>
-          <a:lstStyle/>
-          <a:p>
-            <a:r>
-              <a:rPr lang="en-US" dirty="0" smtClean="0"/>
-              <a:t>The Basics </a:t>
-            </a:r>
-            <a:endParaRPr lang="en-US" dirty="0"/>
-          </a:p>
-        </p:txBody>
-      </p:sp>
-      <p:sp>
-        <p:nvSpPr>
-          <p:cNvPr id="3" name="Text Placeholder 2"/>
-          <p:cNvSpPr>
-            <a:spLocks noGrp="1"/>
-          </p:cNvSpPr>
-          <p:nvPr>
-            <p:ph type="body" idx="1"/>
-          </p:nvPr>
-        </p:nvSpPr>
-        <p:spPr/>
-        <p:txBody>
-          <a:bodyPr/>
-          <a:lstStyle/>
-          <a:p>
-            <a:r>
-              <a:rPr lang="en" dirty="0"/>
-              <a:t>Data – The raw materials of your visualization </a:t>
-            </a:r>
-            <a:endParaRPr lang="en" dirty="0" smtClean="0"/>
-          </a:p>
-          <a:p>
-            <a:endParaRPr lang="en" dirty="0"/>
-          </a:p>
-          <a:p>
-            <a:r>
-              <a:rPr lang="en-US" dirty="0" smtClean="0"/>
-              <a:t>Aesthetics – The mapping of your data to the visualization </a:t>
-            </a:r>
-          </a:p>
-          <a:p>
-            <a:pPr lvl="1"/>
-            <a:r>
-              <a:rPr lang="en-US" dirty="0" smtClean="0"/>
-              <a:t>X-axis is age</a:t>
-            </a:r>
-          </a:p>
-          <a:p>
-            <a:pPr lvl="1"/>
-            <a:r>
-              <a:rPr lang="en-US" dirty="0" smtClean="0"/>
-              <a:t>Y-axis is survival</a:t>
-            </a:r>
-          </a:p>
-          <a:p>
-            <a:endParaRPr lang="en-US" dirty="0" smtClean="0"/>
-          </a:p>
-          <a:p>
-            <a:r>
-              <a:rPr lang="en-US" dirty="0" smtClean="0"/>
-              <a:t>Layers – Any visualization requires at least one layer and in ggplot2 these are typically the </a:t>
-            </a:r>
-            <a:r>
-              <a:rPr lang="en-US" dirty="0" err="1" smtClean="0"/>
-              <a:t>geoms</a:t>
-            </a:r>
-            <a:r>
-              <a:rPr lang="en-US" dirty="0" smtClean="0"/>
-              <a:t>. </a:t>
-            </a:r>
-          </a:p>
-          <a:p>
-            <a:pPr lvl="1"/>
-            <a:r>
-              <a:rPr lang="en-US" dirty="0" smtClean="0"/>
-              <a:t>Example a </a:t>
-            </a:r>
-            <a:r>
-              <a:rPr lang="en-US" dirty="0" err="1" smtClean="0"/>
-              <a:t>barchart</a:t>
-            </a:r>
-            <a:r>
-              <a:rPr lang="en-US" dirty="0" smtClean="0"/>
-              <a:t> is </a:t>
-            </a:r>
-            <a:r>
-              <a:rPr lang="en-US" dirty="0" err="1" smtClean="0"/>
-              <a:t>geom_bar</a:t>
-            </a:r>
-            <a:r>
-              <a:rPr lang="en-US" dirty="0" smtClean="0"/>
-              <a:t>() </a:t>
-            </a:r>
-            <a:endParaRPr lang="en-US" dirty="0"/>
-          </a:p>
-        </p:txBody>
-      </p:sp>
-    </p:spTree>
-    <p:extLst>
-      <p:ext uri="{BB962C8B-B14F-4D97-AF65-F5344CB8AC3E}">
-        <p14:creationId xmlns:p14="http://schemas.microsoft.com/office/powerpoint/2010/main" val="793872551"/>
-      </p:ext>
-    </p:extLst>
-  </p:cSld>
-  <p:clrMapOvr>
-    <a:masterClrMapping/>
-  </p:clrMapOvr>
-</p:sld>
-</file>
-
 <file path=ppt/slides/slide19.xml><?xml version="1.0" encoding="utf-8"?>
 <p:sld xmlns:a="http://schemas.openxmlformats.org/drawingml/2006/main" xmlns:r="http://schemas.openxmlformats.org/officeDocument/2006/relationships" xmlns:p="http://schemas.openxmlformats.org/presentationml/2006/main">
   <p:cSld>
@@ -8468,7 +8565,7 @@
           <a:p>
             <a:r>
               <a:rPr lang="en-US" dirty="0" smtClean="0"/>
-              <a:t>Additional Resources</a:t>
+              <a:t>The Basics </a:t>
             </a:r>
             <a:endParaRPr lang="en-US" dirty="0"/>
           </a:p>
@@ -8486,111 +8583,76 @@
         </p:nvSpPr>
         <p:spPr/>
         <p:txBody>
-          <a:bodyPr>
-            <a:normAutofit/>
-          </a:bodyPr>
-          <a:lstStyle/>
-          <a:p>
-            <a:pPr marL="0" indent="0">
-              <a:buNone/>
-            </a:pPr>
-            <a:r>
-              <a:rPr lang="en-US" b="1" dirty="0" smtClean="0"/>
-              <a:t>Academic Courses: </a:t>
+          <a:bodyPr/>
+          <a:lstStyle/>
+          <a:p>
+            <a:r>
+              <a:rPr lang="en" dirty="0"/>
+              <a:t>Data – The raw materials of your visualization </a:t>
+            </a:r>
+            <a:endParaRPr lang="en" dirty="0" smtClean="0"/>
+          </a:p>
+          <a:p>
+            <a:endParaRPr lang="en" dirty="0"/>
+          </a:p>
+          <a:p>
+            <a:r>
+              <a:rPr lang="en-US" dirty="0" smtClean="0"/>
+              <a:t>Aesthetics – The mapping of your data to the visualization </a:t>
             </a:r>
           </a:p>
           <a:p>
             <a:pPr lvl="1"/>
             <a:r>
               <a:rPr lang="en-US" dirty="0" smtClean="0"/>
-              <a:t>CS 2005C – Introduction to Programming for Informatics with Python and R</a:t>
+              <a:t>X-axis is age</a:t>
             </a:r>
           </a:p>
           <a:p>
             <a:pPr lvl="1"/>
             <a:r>
               <a:rPr lang="en-US" dirty="0" smtClean="0"/>
-              <a:t>BE 8083 – Data Analysis with R and SAS</a:t>
+              <a:t>Y-axis is survival</a:t>
+            </a:r>
+          </a:p>
+          <a:p>
+            <a:endParaRPr lang="en-US" dirty="0" smtClean="0"/>
+          </a:p>
+          <a:p>
+            <a:r>
+              <a:rPr lang="en-US" dirty="0" smtClean="0"/>
+              <a:t>Layers – Any visualization requires at least one layer and in ggplot2 these are typically the </a:t>
+            </a:r>
+            <a:r>
+              <a:rPr lang="en-US" dirty="0" err="1" smtClean="0"/>
+              <a:t>geoms</a:t>
+            </a:r>
+            <a:r>
+              <a:rPr lang="en-US" dirty="0" smtClean="0"/>
+              <a:t>. </a:t>
             </a:r>
           </a:p>
           <a:p>
             <a:pPr lvl="1"/>
             <a:r>
-              <a:rPr lang="it-IT" dirty="0"/>
-              <a:t>BANA 5143 </a:t>
-            </a:r>
-            <a:r>
-              <a:rPr lang="it-IT" dirty="0" smtClean="0"/>
-              <a:t>– Statistical Computing</a:t>
-            </a:r>
-          </a:p>
-          <a:p>
-            <a:pPr lvl="1"/>
-            <a:r>
-              <a:rPr lang="it-IT" dirty="0" smtClean="0"/>
-              <a:t>PH 7011 – Statistical Computation and Software</a:t>
-            </a:r>
-          </a:p>
-          <a:p>
-            <a:pPr marL="0" indent="0">
-              <a:buNone/>
-            </a:pPr>
-            <a:r>
-              <a:rPr lang="it-IT" b="1" dirty="0" smtClean="0"/>
-              <a:t>Lynda</a:t>
-            </a:r>
-            <a:r>
-              <a:rPr lang="it-IT" dirty="0" smtClean="0"/>
-              <a:t> (Many free courses):</a:t>
-            </a:r>
-          </a:p>
-          <a:p>
-            <a:pPr lvl="1"/>
-            <a:r>
-              <a:rPr lang="it-IT" dirty="0" smtClean="0"/>
-              <a:t>Learning R</a:t>
-            </a:r>
-          </a:p>
-          <a:p>
-            <a:pPr lvl="1"/>
-            <a:r>
-              <a:rPr lang="it-IT" dirty="0" smtClean="0"/>
-              <a:t>Data Wrangling with R</a:t>
-            </a:r>
-          </a:p>
-          <a:p>
-            <a:pPr lvl="1"/>
-            <a:r>
-              <a:rPr lang="it-IT" dirty="0" smtClean="0"/>
-              <a:t>R Statistics Essential Training</a:t>
-            </a:r>
-          </a:p>
-          <a:p>
-            <a:pPr marL="0" indent="0">
-              <a:buNone/>
-            </a:pPr>
-            <a:r>
-              <a:rPr lang="it-IT" b="1" dirty="0" smtClean="0"/>
-              <a:t>Library Workshops:</a:t>
-            </a:r>
-          </a:p>
-          <a:p>
-            <a:pPr lvl="1"/>
-            <a:r>
-              <a:rPr lang="it-IT" dirty="0">
-                <a:hlinkClick r:id="rId2"/>
-              </a:rPr>
-              <a:t>https://</a:t>
-            </a:r>
-            <a:r>
-              <a:rPr lang="it-IT" dirty="0" smtClean="0">
-                <a:hlinkClick r:id="rId2"/>
-              </a:rPr>
-              <a:t>webapps2.uc.edu/ce/facdev/Workshops</a:t>
-            </a:r>
-            <a:r>
-              <a:rPr lang="it-IT" dirty="0" smtClean="0"/>
-              <a:t> </a:t>
+              <a:rPr lang="en-US" dirty="0" smtClean="0"/>
+              <a:t>Example a </a:t>
+            </a:r>
+            <a:r>
+              <a:rPr lang="en-US" dirty="0" err="1" smtClean="0"/>
+              <a:t>barchart</a:t>
+            </a:r>
+            <a:r>
+              <a:rPr lang="en-US" dirty="0" smtClean="0"/>
+              <a:t> is </a:t>
+            </a:r>
+            <a:r>
+              <a:rPr lang="en-US" dirty="0" err="1" smtClean="0"/>
+              <a:t>geom_bar</a:t>
+            </a:r>
+            <a:r>
+              <a:rPr lang="en-US" dirty="0" smtClean="0"/>
+              <a:t>() </a:t>
             </a:r>
             <a:endParaRPr lang="en-US" dirty="0"/>
           </a:p>
@@ -8599,7 +8661,7 @@
     </p:spTree>
     <p:extLst>
       <p:ext uri="{BB962C8B-B14F-4D97-AF65-F5344CB8AC3E}">
-        <p14:creationId xmlns:p14="http://schemas.microsoft.com/office/powerpoint/2010/main" val="3440632741"/>
+        <p14:creationId xmlns:p14="http://schemas.microsoft.com/office/powerpoint/2010/main" val="793872551"/>
       </p:ext>
     </p:extLst>
   </p:cSld>
@@ -8698,11 +8760,7 @@
             </a:pPr>
             <a:r>
               <a:rPr lang="en-US" b="1" dirty="0" smtClean="0"/>
-              <a:t>Understanding </a:t>
-            </a:r>
-            <a:r>
-              <a:rPr lang="en-US" b="1" dirty="0" smtClean="0"/>
-              <a:t>Data</a:t>
+              <a:t>Understanding Data</a:t>
             </a:r>
           </a:p>
           <a:p>
@@ -8784,6 +8842,320 @@
       </p:grpSpPr>
       <p:sp>
         <p:nvSpPr>
+          <p:cNvPr id="2" name="Title 1"/>
+          <p:cNvSpPr>
+            <a:spLocks noGrp="1"/>
+          </p:cNvSpPr>
+          <p:nvPr>
+            <p:ph type="title"/>
+          </p:nvPr>
+        </p:nvSpPr>
+        <p:spPr/>
+        <p:txBody>
+          <a:bodyPr>
+            <a:normAutofit fontScale="90000"/>
+          </a:bodyPr>
+          <a:lstStyle/>
+          <a:p>
+            <a:r>
+              <a:rPr lang="en-US" dirty="0" smtClean="0"/>
+              <a:t>Want to continue learning R?</a:t>
+            </a:r>
+            <a:endParaRPr lang="en-US" dirty="0"/>
+          </a:p>
+        </p:txBody>
+      </p:sp>
+      <p:sp>
+        <p:nvSpPr>
+          <p:cNvPr id="3" name="Text Placeholder 2"/>
+          <p:cNvSpPr>
+            <a:spLocks noGrp="1"/>
+          </p:cNvSpPr>
+          <p:nvPr>
+            <p:ph type="body" idx="1"/>
+          </p:nvPr>
+        </p:nvSpPr>
+        <p:spPr/>
+        <p:txBody>
+          <a:bodyPr>
+            <a:normAutofit/>
+          </a:bodyPr>
+          <a:lstStyle/>
+          <a:p>
+            <a:pPr marL="0" indent="0">
+              <a:buNone/>
+            </a:pPr>
+            <a:r>
+              <a:rPr lang="en-US" b="1" dirty="0" smtClean="0"/>
+              <a:t>Academic Courses: </a:t>
+            </a:r>
+          </a:p>
+          <a:p>
+            <a:pPr lvl="1"/>
+            <a:r>
+              <a:rPr lang="en-US" dirty="0" smtClean="0"/>
+              <a:t>CS 2005C – Introduction to Programming for Informatics with Python and R</a:t>
+            </a:r>
+          </a:p>
+          <a:p>
+            <a:pPr lvl="1"/>
+            <a:r>
+              <a:rPr lang="en-US" dirty="0" smtClean="0"/>
+              <a:t>BE 8083 – Data Analysis with R and SAS</a:t>
+            </a:r>
+          </a:p>
+          <a:p>
+            <a:pPr lvl="1"/>
+            <a:r>
+              <a:rPr lang="it-IT" dirty="0"/>
+              <a:t>BANA 5143 </a:t>
+            </a:r>
+            <a:r>
+              <a:rPr lang="it-IT" dirty="0" smtClean="0"/>
+              <a:t>– Statistical Computing</a:t>
+            </a:r>
+          </a:p>
+          <a:p>
+            <a:pPr lvl="1"/>
+            <a:r>
+              <a:rPr lang="it-IT" dirty="0" smtClean="0"/>
+              <a:t>PH 7011 – Statistical Computation and Software</a:t>
+            </a:r>
+          </a:p>
+          <a:p>
+            <a:pPr marL="0" indent="0">
+              <a:buNone/>
+            </a:pPr>
+            <a:r>
+              <a:rPr lang="it-IT" b="1" dirty="0" smtClean="0"/>
+              <a:t>Lynda</a:t>
+            </a:r>
+            <a:r>
+              <a:rPr lang="it-IT" dirty="0" smtClean="0"/>
+              <a:t> (Many free courses):</a:t>
+            </a:r>
+          </a:p>
+          <a:p>
+            <a:pPr lvl="1"/>
+            <a:r>
+              <a:rPr lang="it-IT" dirty="0" smtClean="0"/>
+              <a:t>Learning R</a:t>
+            </a:r>
+          </a:p>
+          <a:p>
+            <a:pPr lvl="1"/>
+            <a:r>
+              <a:rPr lang="it-IT" dirty="0" smtClean="0"/>
+              <a:t>Data Wrangling with R</a:t>
+            </a:r>
+          </a:p>
+          <a:p>
+            <a:pPr lvl="1"/>
+            <a:r>
+              <a:rPr lang="it-IT" dirty="0" smtClean="0"/>
+              <a:t>R Statistics Essential Training</a:t>
+            </a:r>
+          </a:p>
+          <a:p>
+            <a:pPr marL="0" indent="0">
+              <a:buNone/>
+            </a:pPr>
+            <a:r>
+              <a:rPr lang="it-IT" b="1" dirty="0" smtClean="0"/>
+              <a:t>Library Workshops:</a:t>
+            </a:r>
+          </a:p>
+          <a:p>
+            <a:pPr lvl="1"/>
+            <a:r>
+              <a:rPr lang="it-IT" dirty="0">
+                <a:hlinkClick r:id="rId2"/>
+              </a:rPr>
+              <a:t>https://</a:t>
+            </a:r>
+            <a:r>
+              <a:rPr lang="it-IT" dirty="0" smtClean="0">
+                <a:hlinkClick r:id="rId2"/>
+              </a:rPr>
+              <a:t>webapps2.uc.edu/ce/facdev/Workshops</a:t>
+            </a:r>
+            <a:r>
+              <a:rPr lang="it-IT" dirty="0" smtClean="0"/>
+              <a:t> </a:t>
+            </a:r>
+            <a:endParaRPr lang="en-US" dirty="0"/>
+          </a:p>
+        </p:txBody>
+      </p:sp>
+    </p:spTree>
+    <p:extLst>
+      <p:ext uri="{BB962C8B-B14F-4D97-AF65-F5344CB8AC3E}">
+        <p14:creationId xmlns:p14="http://schemas.microsoft.com/office/powerpoint/2010/main" val="3440632741"/>
+      </p:ext>
+    </p:extLst>
+  </p:cSld>
+  <p:clrMapOvr>
+    <a:masterClrMapping/>
+  </p:clrMapOvr>
+</p:sld>
+</file>
+
+<file path=ppt/slides/slide21.xml><?xml version="1.0" encoding="utf-8"?>
+<p:sld xmlns:a="http://schemas.openxmlformats.org/drawingml/2006/main" xmlns:r="http://schemas.openxmlformats.org/officeDocument/2006/relationships" xmlns:p="http://schemas.openxmlformats.org/presentationml/2006/main">
+  <p:cSld>
+    <p:spTree>
+      <p:nvGrpSpPr>
+        <p:cNvPr id="1" name=""/>
+        <p:cNvGrpSpPr/>
+        <p:nvPr/>
+      </p:nvGrpSpPr>
+      <p:grpSpPr>
+        <a:xfrm>
+          <a:off x="0" y="0"/>
+          <a:ext cx="0" cy="0"/>
+          <a:chOff x="0" y="0"/>
+          <a:chExt cx="0" cy="0"/>
+        </a:xfrm>
+      </p:grpSpPr>
+      <p:sp>
+        <p:nvSpPr>
+          <p:cNvPr id="2" name="Title 1"/>
+          <p:cNvSpPr>
+            <a:spLocks noGrp="1"/>
+          </p:cNvSpPr>
+          <p:nvPr>
+            <p:ph type="title"/>
+          </p:nvPr>
+        </p:nvSpPr>
+        <p:spPr/>
+        <p:txBody>
+          <a:bodyPr>
+            <a:normAutofit fontScale="90000"/>
+          </a:bodyPr>
+          <a:lstStyle/>
+          <a:p>
+            <a:r>
+              <a:rPr lang="en-US" dirty="0" smtClean="0"/>
+              <a:t>Online Help/Resources</a:t>
+            </a:r>
+            <a:endParaRPr lang="en-US" dirty="0"/>
+          </a:p>
+        </p:txBody>
+      </p:sp>
+      <p:sp>
+        <p:nvSpPr>
+          <p:cNvPr id="3" name="Text Placeholder 2"/>
+          <p:cNvSpPr>
+            <a:spLocks noGrp="1"/>
+          </p:cNvSpPr>
+          <p:nvPr>
+            <p:ph type="body" idx="1"/>
+          </p:nvPr>
+        </p:nvSpPr>
+        <p:spPr/>
+        <p:txBody>
+          <a:bodyPr/>
+          <a:lstStyle/>
+          <a:p>
+            <a:r>
+              <a:rPr lang="en-US" dirty="0" smtClean="0"/>
+              <a:t>Google!</a:t>
+            </a:r>
+          </a:p>
+          <a:p>
+            <a:endParaRPr lang="en-US" dirty="0"/>
+          </a:p>
+          <a:p>
+            <a:r>
+              <a:rPr lang="en-US" dirty="0" smtClean="0">
+                <a:hlinkClick r:id="rId2"/>
+              </a:rPr>
+              <a:t>www.YouTube.com</a:t>
+            </a:r>
+            <a:r>
+              <a:rPr lang="en-US" dirty="0" smtClean="0"/>
+              <a:t> </a:t>
+            </a:r>
+          </a:p>
+          <a:p>
+            <a:endParaRPr lang="en-US" dirty="0" smtClean="0"/>
+          </a:p>
+          <a:p>
+            <a:r>
+              <a:rPr lang="en-US" dirty="0" smtClean="0">
+                <a:hlinkClick r:id="rId3"/>
+              </a:rPr>
+              <a:t>www.stackoverflow.com</a:t>
+            </a:r>
+            <a:r>
+              <a:rPr lang="en-US" dirty="0" smtClean="0"/>
+              <a:t>  </a:t>
+            </a:r>
+          </a:p>
+          <a:p>
+            <a:endParaRPr lang="en-US" dirty="0"/>
+          </a:p>
+          <a:p>
+            <a:r>
+              <a:rPr lang="en-US" dirty="0" smtClean="0">
+                <a:hlinkClick r:id="rId4"/>
+              </a:rPr>
+              <a:t>www.r-bloggers.com</a:t>
+            </a:r>
+            <a:endParaRPr lang="en-US" dirty="0" smtClean="0"/>
+          </a:p>
+          <a:p>
+            <a:endParaRPr lang="en-US" dirty="0"/>
+          </a:p>
+          <a:p>
+            <a:r>
+              <a:rPr lang="en-US" dirty="0" smtClean="0"/>
+              <a:t>Twitter: #</a:t>
+            </a:r>
+            <a:r>
+              <a:rPr lang="en-US" dirty="0" err="1" smtClean="0"/>
+              <a:t>rstats</a:t>
+            </a:r>
+            <a:r>
+              <a:rPr lang="en-US" dirty="0" smtClean="0"/>
+              <a:t> </a:t>
+            </a:r>
+            <a:endParaRPr lang="en-US" dirty="0"/>
+          </a:p>
+        </p:txBody>
+      </p:sp>
+    </p:spTree>
+    <p:extLst>
+      <p:ext uri="{BB962C8B-B14F-4D97-AF65-F5344CB8AC3E}">
+        <p14:creationId xmlns:p14="http://schemas.microsoft.com/office/powerpoint/2010/main" val="2186562563"/>
+      </p:ext>
+    </p:extLst>
+  </p:cSld>
+  <p:clrMapOvr>
+    <a:masterClrMapping/>
+  </p:clrMapOvr>
+</p:sld>
+</file>
+
+<file path=ppt/slides/slide22.xml><?xml version="1.0" encoding="utf-8"?>
+<p:sld xmlns:a="http://schemas.openxmlformats.org/drawingml/2006/main" xmlns:r="http://schemas.openxmlformats.org/officeDocument/2006/relationships" xmlns:p="http://schemas.openxmlformats.org/presentationml/2006/main">
+  <p:cSld>
+    <p:spTree>
+      <p:nvGrpSpPr>
+        <p:cNvPr id="1" name=""/>
+        <p:cNvGrpSpPr/>
+        <p:nvPr/>
+      </p:nvGrpSpPr>
+      <p:grpSpPr>
+        <a:xfrm>
+          <a:off x="0" y="0"/>
+          <a:ext cx="0" cy="0"/>
+          <a:chOff x="0" y="0"/>
+          <a:chExt cx="0" cy="0"/>
+        </a:xfrm>
+      </p:grpSpPr>
+      <p:sp>
+        <p:nvSpPr>
           <p:cNvPr id="3" name="Subtitle 2"/>
           <p:cNvSpPr>
             <a:spLocks noGrp="1"/>
@@ -9125,6 +9497,16 @@
               <a:buNone/>
             </a:pPr>
             <a:r>
+              <a:rPr lang="en-US" b="1" dirty="0" smtClean="0">
+                <a:solidFill>
+                  <a:schemeClr val="bg1">
+                    <a:lumMod val="65000"/>
+                  </a:schemeClr>
+                </a:solidFill>
+              </a:rPr>
+              <a:t>What is </a:t>
+            </a:r>
+            <a:r>
               <a:rPr lang="en-US" b="1" dirty="0">
                 <a:solidFill>
                   <a:schemeClr val="bg1">
@@ -9132,7 +9514,7 @@
                   </a:schemeClr>
                 </a:solidFill>
               </a:rPr>
-              <a:t>Why R?</a:t>
+              <a:t>R?</a:t>
             </a:r>
           </a:p>
           <a:p>
@@ -9394,6 +9776,61 @@
           </a:p>
         </p:txBody>
       </p:sp>
+      <p:pic>
+        <p:nvPicPr>
+          <p:cNvPr id="4" name="Picture 3"/>
+          <p:cNvPicPr>
+            <a:picLocks noChangeAspect="1"/>
+          </p:cNvPicPr>
+          <p:nvPr/>
+        </p:nvPicPr>
+        <p:blipFill>
+          <a:blip r:embed="rId2"/>
+          <a:stretch>
+            <a:fillRect/>
+          </a:stretch>
+        </p:blipFill>
+        <p:spPr>
+          <a:xfrm>
+            <a:off x="7890933" y="1356967"/>
+            <a:ext cx="3885467" cy="2585602"/>
+          </a:xfrm>
+          <a:prstGeom prst="rect">
+            <a:avLst/>
+          </a:prstGeom>
+        </p:spPr>
+      </p:pic>
+      <p:sp>
+        <p:nvSpPr>
+          <p:cNvPr id="5" name="Rectangle 4"/>
+          <p:cNvSpPr/>
+          <p:nvPr/>
+        </p:nvSpPr>
+        <p:spPr>
+          <a:xfrm>
+            <a:off x="7890933" y="3819458"/>
+            <a:ext cx="3885467" cy="200055"/>
+          </a:xfrm>
+          <a:prstGeom prst="rect">
+            <a:avLst/>
+          </a:prstGeom>
+        </p:spPr>
+        <p:txBody>
+          <a:bodyPr wrap="square">
+            <a:spAutoFit/>
+          </a:bodyPr>
+          <a:lstStyle/>
+          <a:p>
+            <a:r>
+              <a:rPr lang="en-US" sz="700" dirty="0">
+                <a:latin typeface="Times New Roman" panose="02020603050405020304" pitchFamily="18" charset="0"/>
+                <a:cs typeface="Times New Roman" panose="02020603050405020304" pitchFamily="18" charset="0"/>
+              </a:rPr>
+              <a:t>https://www.visumcx.com/single-post/2017/03/02/The-Value-Of-Setting-Customer-Expectations</a:t>
+            </a:r>
+          </a:p>
+        </p:txBody>
+      </p:sp>
     </p:spTree>
     <p:extLst>
       <p:ext uri="{BB962C8B-B14F-4D97-AF65-F5344CB8AC3E}">
@@ -9490,7 +9927,11 @@
             </a:pPr>
             <a:r>
               <a:rPr lang="en-US" b="1" dirty="0" smtClean="0"/>
-              <a:t>Why R?</a:t>
+              <a:t>What is </a:t>
+            </a:r>
+            <a:r>
+              <a:rPr lang="en-US" b="1" dirty="0" smtClean="0"/>
+              <a:t>R?</a:t>
             </a:r>
           </a:p>
           <a:p>
@@ -9632,6 +10073,207 @@
           <a:p>
             <a:r>
               <a:rPr lang="en-US" dirty="0" smtClean="0"/>
+              <a:t>What is R?</a:t>
+            </a:r>
+            <a:endParaRPr lang="en-US" dirty="0"/>
+          </a:p>
+        </p:txBody>
+      </p:sp>
+      <p:sp>
+        <p:nvSpPr>
+          <p:cNvPr id="3" name="Text Placeholder 2"/>
+          <p:cNvSpPr>
+            <a:spLocks noGrp="1"/>
+          </p:cNvSpPr>
+          <p:nvPr>
+            <p:ph type="body" idx="1"/>
+          </p:nvPr>
+        </p:nvSpPr>
+        <p:spPr>
+          <a:xfrm>
+            <a:off x="415600" y="1536633"/>
+            <a:ext cx="7729333" cy="4555200"/>
+          </a:xfrm>
+        </p:spPr>
+        <p:txBody>
+          <a:bodyPr>
+            <a:normAutofit lnSpcReduction="10000"/>
+          </a:bodyPr>
+          <a:lstStyle/>
+          <a:p>
+            <a:r>
+              <a:rPr lang="en-US" dirty="0" smtClean="0"/>
+              <a:t>R is a programming language specifically designed for statistical analysis and graphics</a:t>
+            </a:r>
+          </a:p>
+          <a:p>
+            <a:endParaRPr lang="en-US" dirty="0" smtClean="0"/>
+          </a:p>
+          <a:p>
+            <a:r>
+              <a:rPr lang="en-US" dirty="0" smtClean="0"/>
+              <a:t>R is free &amp; open-source used in many academic and industry disciplines</a:t>
+            </a:r>
+          </a:p>
+          <a:p>
+            <a:endParaRPr lang="en-US" dirty="0"/>
+          </a:p>
+          <a:p>
+            <a:r>
+              <a:rPr lang="en-US" dirty="0" smtClean="0"/>
+              <a:t>R Studio is the Interactive User Interface compatible with R</a:t>
+            </a:r>
+          </a:p>
+          <a:p>
+            <a:endParaRPr lang="en-US" dirty="0"/>
+          </a:p>
+          <a:p>
+            <a:r>
+              <a:rPr lang="en-US" dirty="0" smtClean="0"/>
+              <a:t>R and R Studio can be downloaded here: </a:t>
+            </a:r>
+          </a:p>
+          <a:p>
+            <a:pPr lvl="1"/>
+            <a:r>
+              <a:rPr lang="en-US" dirty="0" smtClean="0">
+                <a:hlinkClick r:id="rId2"/>
+              </a:rPr>
+              <a:t>http</a:t>
+            </a:r>
+            <a:r>
+              <a:rPr lang="en-US" dirty="0">
+                <a:hlinkClick r:id="rId2"/>
+              </a:rPr>
+              <a:t>://</a:t>
+            </a:r>
+            <a:r>
+              <a:rPr lang="en-US" dirty="0" smtClean="0">
+                <a:hlinkClick r:id="rId2"/>
+              </a:rPr>
+              <a:t>cran.r-project.org/</a:t>
+            </a:r>
+            <a:r>
+              <a:rPr lang="en-US" dirty="0" smtClean="0"/>
+              <a:t> </a:t>
+            </a:r>
+          </a:p>
+          <a:p>
+            <a:pPr lvl="1"/>
+            <a:r>
+              <a:rPr lang="en-US" dirty="0" smtClean="0">
+                <a:hlinkClick r:id="rId3"/>
+              </a:rPr>
+              <a:t>https</a:t>
+            </a:r>
+            <a:r>
+              <a:rPr lang="en-US" dirty="0">
+                <a:hlinkClick r:id="rId3"/>
+              </a:rPr>
+              <a:t>://www.rstudio.com/products/RStudio/#</a:t>
+            </a:r>
+            <a:r>
+              <a:rPr lang="en-US" dirty="0" smtClean="0">
+                <a:hlinkClick r:id="rId3"/>
+              </a:rPr>
+              <a:t>Desktop</a:t>
+            </a:r>
+            <a:r>
+              <a:rPr lang="en-US" dirty="0" smtClean="0"/>
+              <a:t> </a:t>
+            </a:r>
+            <a:endParaRPr lang="en-US" dirty="0"/>
+          </a:p>
+          <a:p>
+            <a:endParaRPr lang="en-US" dirty="0" smtClean="0"/>
+          </a:p>
+          <a:p>
+            <a:endParaRPr lang="en-US" dirty="0"/>
+          </a:p>
+          <a:p>
+            <a:endParaRPr lang="en-US" dirty="0"/>
+          </a:p>
+        </p:txBody>
+      </p:sp>
+      <p:pic>
+        <p:nvPicPr>
+          <p:cNvPr id="4" name="Picture 3"/>
+          <p:cNvPicPr>
+            <a:picLocks noChangeAspect="1"/>
+          </p:cNvPicPr>
+          <p:nvPr/>
+        </p:nvPicPr>
+        <p:blipFill>
+          <a:blip r:embed="rId4">
+            <a:extLst>
+              <a:ext uri="{28A0092B-C50C-407E-A947-70E740481C1C}">
+                <a14:useLocalDpi xmlns:a14="http://schemas.microsoft.com/office/drawing/2010/main" val="0"/>
+              </a:ext>
+            </a:extLst>
+          </a:blip>
+          <a:stretch>
+            <a:fillRect/>
+          </a:stretch>
+        </p:blipFill>
+        <p:spPr>
+          <a:xfrm>
+            <a:off x="8144933" y="1356967"/>
+            <a:ext cx="3502087" cy="2713634"/>
+          </a:xfrm>
+          <a:prstGeom prst="rect">
+            <a:avLst/>
+          </a:prstGeom>
+        </p:spPr>
+      </p:pic>
+    </p:spTree>
+    <p:extLst>
+      <p:ext uri="{BB962C8B-B14F-4D97-AF65-F5344CB8AC3E}">
+        <p14:creationId xmlns:p14="http://schemas.microsoft.com/office/powerpoint/2010/main" val="2526532539"/>
+      </p:ext>
+    </p:extLst>
+  </p:cSld>
+  <p:clrMapOvr>
+    <a:masterClrMapping/>
+  </p:clrMapOvr>
+</p:sld>
+</file>
+
+<file path=ppt/slides/slide7.xml><?xml version="1.0" encoding="utf-8"?>
+<p:sld xmlns:a="http://schemas.openxmlformats.org/drawingml/2006/main" xmlns:r="http://schemas.openxmlformats.org/officeDocument/2006/relationships" xmlns:p="http://schemas.openxmlformats.org/presentationml/2006/main">
+  <p:cSld>
+    <p:spTree>
+      <p:nvGrpSpPr>
+        <p:cNvPr id="1" name=""/>
+        <p:cNvGrpSpPr/>
+        <p:nvPr/>
+      </p:nvGrpSpPr>
+      <p:grpSpPr>
+        <a:xfrm>
+          <a:off x="0" y="0"/>
+          <a:ext cx="0" cy="0"/>
+          <a:chOff x="0" y="0"/>
+          <a:chExt cx="0" cy="0"/>
+        </a:xfrm>
+      </p:grpSpPr>
+      <p:sp>
+        <p:nvSpPr>
+          <p:cNvPr id="2" name="Title 1"/>
+          <p:cNvSpPr>
+            <a:spLocks noGrp="1"/>
+          </p:cNvSpPr>
+          <p:nvPr>
+            <p:ph type="title"/>
+          </p:nvPr>
+        </p:nvSpPr>
+        <p:spPr/>
+        <p:txBody>
+          <a:bodyPr>
+            <a:normAutofit fontScale="90000"/>
+          </a:bodyPr>
+          <a:lstStyle/>
+          <a:p>
+            <a:r>
+              <a:rPr lang="en-US" dirty="0" smtClean="0"/>
               <a:t>Why R?</a:t>
             </a:r>
             <a:endParaRPr lang="en-US" dirty="0"/>
@@ -9709,25 +10351,22 @@
             <a:pPr lvl="1"/>
             <a:r>
               <a:rPr lang="en-US" dirty="0" smtClean="0"/>
-              <a:t>Free and Open-Source </a:t>
-            </a:r>
-          </a:p>
-          <a:p>
-            <a:pPr lvl="1"/>
-            <a:r>
-              <a:rPr lang="en-US" dirty="0" smtClean="0"/>
-              <a:t>Large very active community</a:t>
+              <a:t>Free and </a:t>
+            </a:r>
+            <a:r>
+              <a:rPr lang="en-US" dirty="0" smtClean="0"/>
+              <a:t>Open-Source w/ large active </a:t>
+            </a:r>
+            <a:r>
+              <a:rPr lang="en-US" dirty="0" smtClean="0"/>
+              <a:t>community</a:t>
             </a:r>
           </a:p>
           <a:p>
             <a:pPr lvl="2"/>
             <a:r>
               <a:rPr lang="en-US" dirty="0" smtClean="0"/>
-              <a:t>10K+ </a:t>
-            </a:r>
-            <a:r>
-              <a:rPr lang="en-US" dirty="0" smtClean="0"/>
-              <a:t>packages CRAN, Twitter, GitHub, etc.</a:t>
+              <a:t>10K+ packages CRAN, Twitter, GitHub, etc.</a:t>
             </a:r>
           </a:p>
           <a:p>
@@ -9850,7 +10489,7 @@
 </p:sld>
 </file>
 
-<file path=ppt/slides/slide7.xml><?xml version="1.0" encoding="utf-8"?>
+<file path=ppt/slides/slide8.xml><?xml version="1.0" encoding="utf-8"?>
 <p:sld xmlns:a="http://schemas.openxmlformats.org/drawingml/2006/main" xmlns:r="http://schemas.openxmlformats.org/officeDocument/2006/relationships" xmlns:p="http://schemas.openxmlformats.org/presentationml/2006/main">
   <p:cSld>
     <p:spTree>
@@ -10130,7 +10769,7 @@
 </p:sld>
 </file>
 
-<file path=ppt/slides/slide8.xml><?xml version="1.0" encoding="utf-8"?>
+<file path=ppt/slides/slide9.xml><?xml version="1.0" encoding="utf-8"?>
 <p:sld xmlns:a="http://schemas.openxmlformats.org/drawingml/2006/main" xmlns:r="http://schemas.openxmlformats.org/officeDocument/2006/relationships" xmlns:p="http://schemas.openxmlformats.org/presentationml/2006/main">
   <p:cSld>
     <p:spTree>
@@ -10219,7 +10858,17 @@
                   </a:schemeClr>
                 </a:solidFill>
               </a:rPr>
-              <a:t>Why R?</a:t>
+              <a:t>What is </a:t>
+            </a:r>
+            <a:r>
+              <a:rPr lang="en-US" b="1" dirty="0" smtClean="0">
+                <a:solidFill>
+                  <a:schemeClr val="bg1">
+                    <a:lumMod val="65000"/>
+                  </a:schemeClr>
+                </a:solidFill>
+              </a:rPr>
+              <a:t>R?</a:t>
             </a:r>
           </a:p>
           <a:p>
@@ -10316,200 +10965,6 @@
       </p:par>
     </p:tnLst>
   </p:timing>
-</p:sld>
-</file>
-
-<file path=ppt/slides/slide9.xml><?xml version="1.0" encoding="utf-8"?>
-<p:sld xmlns:a="http://schemas.openxmlformats.org/drawingml/2006/main" xmlns:r="http://schemas.openxmlformats.org/officeDocument/2006/relationships" xmlns:p="http://schemas.openxmlformats.org/presentationml/2006/main">
-  <p:cSld>
-    <p:spTree>
-      <p:nvGrpSpPr>
-        <p:cNvPr id="1" name=""/>
-        <p:cNvGrpSpPr/>
-        <p:nvPr/>
-      </p:nvGrpSpPr>
-      <p:grpSpPr>
-        <a:xfrm>
-          <a:off x="0" y="0"/>
-          <a:ext cx="0" cy="0"/>
-          <a:chOff x="0" y="0"/>
-          <a:chExt cx="0" cy="0"/>
-        </a:xfrm>
-      </p:grpSpPr>
-      <p:sp>
-        <p:nvSpPr>
-          <p:cNvPr id="2" name="Title 1"/>
-          <p:cNvSpPr>
-            <a:spLocks noGrp="1"/>
-          </p:cNvSpPr>
-          <p:nvPr>
-            <p:ph type="title"/>
-          </p:nvPr>
-        </p:nvSpPr>
-        <p:spPr/>
-        <p:txBody>
-          <a:bodyPr>
-            <a:normAutofit fontScale="90000"/>
-          </a:bodyPr>
-          <a:lstStyle/>
-          <a:p>
-            <a:r>
-              <a:rPr lang="en-US" dirty="0" smtClean="0"/>
-              <a:t>What is Data?</a:t>
-            </a:r>
-            <a:endParaRPr lang="en-US" dirty="0"/>
-          </a:p>
-        </p:txBody>
-      </p:sp>
-      <p:sp>
-        <p:nvSpPr>
-          <p:cNvPr id="3" name="Text Placeholder 2"/>
-          <p:cNvSpPr>
-            <a:spLocks noGrp="1"/>
-          </p:cNvSpPr>
-          <p:nvPr>
-            <p:ph type="body" idx="1"/>
-          </p:nvPr>
-        </p:nvSpPr>
-        <p:spPr>
-          <a:xfrm>
-            <a:off x="415600" y="1536633"/>
-            <a:ext cx="11080902" cy="4555200"/>
-          </a:xfrm>
-        </p:spPr>
-        <p:txBody>
-          <a:bodyPr>
-            <a:normAutofit/>
-          </a:bodyPr>
-          <a:lstStyle/>
-          <a:p>
-            <a:r>
-              <a:rPr lang="en-US" dirty="0" smtClean="0"/>
-              <a:t>Data is a collection of </a:t>
-            </a:r>
-            <a:r>
-              <a:rPr lang="en-US" b="1" dirty="0" smtClean="0"/>
-              <a:t>objects</a:t>
-            </a:r>
-            <a:r>
-              <a:rPr lang="en-US" dirty="0" smtClean="0"/>
-              <a:t> defined by </a:t>
-            </a:r>
-            <a:r>
-              <a:rPr lang="en-US" b="1" dirty="0" smtClean="0"/>
-              <a:t>attributes</a:t>
-            </a:r>
-          </a:p>
-          <a:p>
-            <a:endParaRPr lang="en-US" b="1" dirty="0"/>
-          </a:p>
-          <a:p>
-            <a:r>
-              <a:rPr lang="en-US" dirty="0" smtClean="0"/>
-              <a:t>An </a:t>
-            </a:r>
-            <a:r>
-              <a:rPr lang="en-US" b="1" dirty="0" smtClean="0"/>
-              <a:t>attribute</a:t>
-            </a:r>
-            <a:r>
-              <a:rPr lang="en-US" dirty="0" smtClean="0"/>
-              <a:t> is a property or characteristic of an object</a:t>
-            </a:r>
-          </a:p>
-          <a:p>
-            <a:pPr lvl="1"/>
-            <a:r>
-              <a:rPr lang="en-US" dirty="0" smtClean="0"/>
-              <a:t>Examples: eye color of  a person, temperature, etc.</a:t>
-            </a:r>
-          </a:p>
-          <a:p>
-            <a:pPr lvl="1"/>
-            <a:r>
-              <a:rPr lang="en-US" dirty="0" smtClean="0"/>
-              <a:t>Synonyms: </a:t>
-            </a:r>
-            <a:r>
-              <a:rPr lang="en-US" b="1" i="1" dirty="0" smtClean="0"/>
-              <a:t>Columns</a:t>
-            </a:r>
-            <a:r>
-              <a:rPr lang="en-US" b="1" dirty="0" smtClean="0"/>
-              <a:t>,</a:t>
-            </a:r>
-            <a:r>
-              <a:rPr lang="en-US" dirty="0" smtClean="0"/>
-              <a:t> variables, fields, characteristics, features, etc.</a:t>
-            </a:r>
-          </a:p>
-          <a:p>
-            <a:pPr marL="0" indent="0">
-              <a:buNone/>
-            </a:pPr>
-            <a:endParaRPr lang="en-US" dirty="0" smtClean="0"/>
-          </a:p>
-          <a:p>
-            <a:r>
-              <a:rPr lang="en-US" dirty="0" smtClean="0"/>
-              <a:t>An </a:t>
-            </a:r>
-            <a:r>
-              <a:rPr lang="en-US" b="1" dirty="0" smtClean="0"/>
-              <a:t>object</a:t>
-            </a:r>
-            <a:r>
-              <a:rPr lang="en-US" dirty="0" smtClean="0"/>
-              <a:t> is the phenomena being described or evaluated</a:t>
-            </a:r>
-          </a:p>
-          <a:p>
-            <a:pPr lvl="1"/>
-            <a:r>
-              <a:rPr lang="en-US" dirty="0" smtClean="0"/>
-              <a:t>Examples</a:t>
-            </a:r>
-            <a:r>
-              <a:rPr lang="en-US" dirty="0"/>
-              <a:t>: </a:t>
-            </a:r>
-            <a:r>
-              <a:rPr lang="en-US" dirty="0" smtClean="0"/>
-              <a:t>Bob/Sarah, house, substance, etc</a:t>
-            </a:r>
-            <a:r>
-              <a:rPr lang="en-US" dirty="0"/>
-              <a:t>.</a:t>
-            </a:r>
-            <a:endParaRPr lang="en-US" dirty="0" smtClean="0"/>
-          </a:p>
-          <a:p>
-            <a:pPr lvl="1"/>
-            <a:r>
-              <a:rPr lang="en-US" dirty="0" smtClean="0"/>
-              <a:t>Synonyms: </a:t>
-            </a:r>
-            <a:r>
-              <a:rPr lang="en-US" b="1" i="1" dirty="0" smtClean="0"/>
-              <a:t>Rows</a:t>
-            </a:r>
-            <a:r>
-              <a:rPr lang="en-US" dirty="0" smtClean="0"/>
-              <a:t>, records, points, cases, samples, instances, etc.</a:t>
-            </a:r>
-          </a:p>
-        </p:txBody>
-      </p:sp>
-    </p:spTree>
-    <p:extLst>
-      <p:ext uri="{BB962C8B-B14F-4D97-AF65-F5344CB8AC3E}">
-        <p14:creationId xmlns:p14="http://schemas.microsoft.com/office/powerpoint/2010/main" val="3690802143"/>
-      </p:ext>
-    </p:extLst>
-  </p:cSld>
-  <p:clrMapOvr>
-    <a:masterClrMapping/>
-  </p:clrMapOvr>
 </p:sld>
 </file>
 

--- a/Intro_to_R/Introduction to R.pptx
+++ b/Intro_to_R/Introduction to R.pptx
@@ -219,7 +219,7 @@
           <a:p>
             <a:fld id="{85B0B4E8-A216-4834-BA1C-6A7DAFED7374}" type="datetimeFigureOut">
               <a:rPr lang="en-US" smtClean="0"/>
-              <a:t>8/29/2018</a:t>
+              <a:t>11/6/2018</a:t>
             </a:fld>
             <a:endParaRPr lang="en-US"/>
           </a:p>
@@ -727,7 +727,7 @@
           <a:p>
             <a:fld id="{C272A757-42F3-4527-9C1E-C8A1E1019F33}" type="datetimeFigureOut">
               <a:rPr lang="en-US" smtClean="0"/>
-              <a:t>8/29/2018</a:t>
+              <a:t>11/6/2018</a:t>
             </a:fld>
             <a:endParaRPr lang="en-US"/>
           </a:p>
@@ -897,7 +897,7 @@
           <a:p>
             <a:fld id="{C272A757-42F3-4527-9C1E-C8A1E1019F33}" type="datetimeFigureOut">
               <a:rPr lang="en-US" smtClean="0"/>
-              <a:t>8/29/2018</a:t>
+              <a:t>11/6/2018</a:t>
             </a:fld>
             <a:endParaRPr lang="en-US"/>
           </a:p>
@@ -1077,7 +1077,7 @@
           <a:p>
             <a:fld id="{C272A757-42F3-4527-9C1E-C8A1E1019F33}" type="datetimeFigureOut">
               <a:rPr lang="en-US" smtClean="0"/>
-              <a:t>8/29/2018</a:t>
+              <a:t>11/6/2018</a:t>
             </a:fld>
             <a:endParaRPr lang="en-US"/>
           </a:p>
@@ -1548,7 +1548,7 @@
             <a:fld id="{8ACDB3CC-F982-40F9-8DD6-BCC9AFBF44BD}" type="datetime1">
               <a:rPr lang="en-US" smtClean="0"/>
               <a:pPr/>
-              <a:t>8/29/2018</a:t>
+              <a:t>11/6/2018</a:t>
             </a:fld>
             <a:endParaRPr lang="en-US" dirty="0"/>
           </a:p>
@@ -1718,7 +1718,7 @@
           <a:p>
             <a:fld id="{68C2560D-EC28-3B41-86E8-18F1CE0113B4}" type="datetimeFigureOut">
               <a:rPr lang="en-US" smtClean="0"/>
-              <a:t>8/29/2018</a:t>
+              <a:t>11/6/2018</a:t>
             </a:fld>
             <a:endParaRPr lang="en-US"/>
           </a:p>
@@ -1965,7 +1965,7 @@
             <a:fld id="{4A9E7B99-7C3F-4BC3-B7B8-7E1F8C620B24}" type="datetime1">
               <a:rPr lang="en-US" smtClean="0"/>
               <a:pPr/>
-              <a:t>8/29/2018</a:t>
+              <a:t>11/6/2018</a:t>
             </a:fld>
             <a:endParaRPr lang="en-US"/>
           </a:p>
@@ -2259,7 +2259,7 @@
           <a:p>
             <a:fld id="{68C2560D-EC28-3B41-86E8-18F1CE0113B4}" type="datetimeFigureOut">
               <a:rPr lang="en-US" smtClean="0"/>
-              <a:t>8/29/2018</a:t>
+              <a:t>11/6/2018</a:t>
             </a:fld>
             <a:endParaRPr lang="en-US"/>
           </a:p>
@@ -2686,7 +2686,7 @@
           <a:p>
             <a:fld id="{68C2560D-EC28-3B41-86E8-18F1CE0113B4}" type="datetimeFigureOut">
               <a:rPr lang="en-US" smtClean="0"/>
-              <a:t>8/29/2018</a:t>
+              <a:t>11/6/2018</a:t>
             </a:fld>
             <a:endParaRPr lang="en-US"/>
           </a:p>
@@ -2804,7 +2804,7 @@
           <a:p>
             <a:fld id="{68C2560D-EC28-3B41-86E8-18F1CE0113B4}" type="datetimeFigureOut">
               <a:rPr lang="en-US" smtClean="0"/>
-              <a:t>8/29/2018</a:t>
+              <a:t>11/6/2018</a:t>
             </a:fld>
             <a:endParaRPr lang="en-US"/>
           </a:p>
@@ -2899,7 +2899,7 @@
           <a:p>
             <a:fld id="{68C2560D-EC28-3B41-86E8-18F1CE0113B4}" type="datetimeFigureOut">
               <a:rPr lang="en-US" smtClean="0"/>
-              <a:t>8/29/2018</a:t>
+              <a:t>11/6/2018</a:t>
             </a:fld>
             <a:endParaRPr lang="en-US"/>
           </a:p>
@@ -3069,7 +3069,7 @@
           <a:p>
             <a:fld id="{C272A757-42F3-4527-9C1E-C8A1E1019F33}" type="datetimeFigureOut">
               <a:rPr lang="en-US" smtClean="0"/>
-              <a:t>8/29/2018</a:t>
+              <a:t>11/6/2018</a:t>
             </a:fld>
             <a:endParaRPr lang="en-US"/>
           </a:p>
@@ -3346,7 +3346,7 @@
           <a:p>
             <a:fld id="{68C2560D-EC28-3B41-86E8-18F1CE0113B4}" type="datetimeFigureOut">
               <a:rPr lang="en-US" smtClean="0"/>
-              <a:t>8/29/2018</a:t>
+              <a:t>11/6/2018</a:t>
             </a:fld>
             <a:endParaRPr lang="en-US"/>
           </a:p>
@@ -3606,7 +3606,7 @@
           <a:p>
             <a:fld id="{68C2560D-EC28-3B41-86E8-18F1CE0113B4}" type="datetimeFigureOut">
               <a:rPr lang="en-US" smtClean="0"/>
-              <a:t>8/29/2018</a:t>
+              <a:t>11/6/2018</a:t>
             </a:fld>
             <a:endParaRPr lang="en-US"/>
           </a:p>
@@ -3776,7 +3776,7 @@
           <a:p>
             <a:fld id="{68C2560D-EC28-3B41-86E8-18F1CE0113B4}" type="datetimeFigureOut">
               <a:rPr lang="en-US" smtClean="0"/>
-              <a:t>8/29/2018</a:t>
+              <a:t>11/6/2018</a:t>
             </a:fld>
             <a:endParaRPr lang="en-US"/>
           </a:p>
@@ -3956,7 +3956,7 @@
           <a:p>
             <a:fld id="{68C2560D-EC28-3B41-86E8-18F1CE0113B4}" type="datetimeFigureOut">
               <a:rPr lang="en-US" smtClean="0"/>
-              <a:t>8/29/2018</a:t>
+              <a:t>11/6/2018</a:t>
             </a:fld>
             <a:endParaRPr lang="en-US"/>
           </a:p>
@@ -4202,7 +4202,7 @@
           <a:p>
             <a:fld id="{C272A757-42F3-4527-9C1E-C8A1E1019F33}" type="datetimeFigureOut">
               <a:rPr lang="en-US" smtClean="0"/>
-              <a:t>8/29/2018</a:t>
+              <a:t>11/6/2018</a:t>
             </a:fld>
             <a:endParaRPr lang="en-US"/>
           </a:p>
@@ -4434,7 +4434,7 @@
           <a:p>
             <a:fld id="{C272A757-42F3-4527-9C1E-C8A1E1019F33}" type="datetimeFigureOut">
               <a:rPr lang="en-US" smtClean="0"/>
-              <a:t>8/29/2018</a:t>
+              <a:t>11/6/2018</a:t>
             </a:fld>
             <a:endParaRPr lang="en-US"/>
           </a:p>
@@ -4801,7 +4801,7 @@
           <a:p>
             <a:fld id="{C272A757-42F3-4527-9C1E-C8A1E1019F33}" type="datetimeFigureOut">
               <a:rPr lang="en-US" smtClean="0"/>
-              <a:t>8/29/2018</a:t>
+              <a:t>11/6/2018</a:t>
             </a:fld>
             <a:endParaRPr lang="en-US"/>
           </a:p>
@@ -4919,7 +4919,7 @@
           <a:p>
             <a:fld id="{C272A757-42F3-4527-9C1E-C8A1E1019F33}" type="datetimeFigureOut">
               <a:rPr lang="en-US" smtClean="0"/>
-              <a:t>8/29/2018</a:t>
+              <a:t>11/6/2018</a:t>
             </a:fld>
             <a:endParaRPr lang="en-US"/>
           </a:p>
@@ -5014,7 +5014,7 @@
           <a:p>
             <a:fld id="{C272A757-42F3-4527-9C1E-C8A1E1019F33}" type="datetimeFigureOut">
               <a:rPr lang="en-US" smtClean="0"/>
-              <a:t>8/29/2018</a:t>
+              <a:t>11/6/2018</a:t>
             </a:fld>
             <a:endParaRPr lang="en-US"/>
           </a:p>
@@ -5291,7 +5291,7 @@
           <a:p>
             <a:fld id="{C272A757-42F3-4527-9C1E-C8A1E1019F33}" type="datetimeFigureOut">
               <a:rPr lang="en-US" smtClean="0"/>
-              <a:t>8/29/2018</a:t>
+              <a:t>11/6/2018</a:t>
             </a:fld>
             <a:endParaRPr lang="en-US"/>
           </a:p>
@@ -5544,7 +5544,7 @@
           <a:p>
             <a:fld id="{C272A757-42F3-4527-9C1E-C8A1E1019F33}" type="datetimeFigureOut">
               <a:rPr lang="en-US" smtClean="0"/>
-              <a:t>8/29/2018</a:t>
+              <a:t>11/6/2018</a:t>
             </a:fld>
             <a:endParaRPr lang="en-US"/>
           </a:p>
@@ -5757,7 +5757,7 @@
           <a:p>
             <a:fld id="{C272A757-42F3-4527-9C1E-C8A1E1019F33}" type="datetimeFigureOut">
               <a:rPr lang="en-US" smtClean="0"/>
-              <a:t>8/29/2018</a:t>
+              <a:t>11/6/2018</a:t>
             </a:fld>
             <a:endParaRPr lang="en-US"/>
           </a:p>
@@ -6305,7 +6305,7 @@
           <a:p>
             <a:fld id="{68C2560D-EC28-3B41-86E8-18F1CE0113B4}" type="datetimeFigureOut">
               <a:rPr lang="en-US" smtClean="0"/>
-              <a:t>8/29/2018</a:t>
+              <a:t>11/6/2018</a:t>
             </a:fld>
             <a:endParaRPr lang="en-US"/>
           </a:p>
@@ -6692,8 +6692,8 @@
         </p:nvSpPr>
         <p:spPr>
           <a:xfrm>
-            <a:off x="4390772" y="1588551"/>
-            <a:ext cx="5487427" cy="1911610"/>
+            <a:off x="4397535" y="189781"/>
+            <a:ext cx="5487427" cy="2846717"/>
           </a:xfrm>
         </p:spPr>
         <p:txBody>
@@ -6703,12 +6703,8 @@
           <a:lstStyle/>
           <a:p>
             <a:r>
-              <a:rPr lang="en-US" dirty="0" smtClean="0"/>
-              <a:t>Introduction </a:t>
-            </a:r>
-            <a:r>
-              <a:rPr lang="en-US" dirty="0" smtClean="0"/>
-              <a:t>to R </a:t>
+              <a:rPr lang="en-US" b="1" dirty="0" smtClean="0"/>
+              <a:t>Introduction to R </a:t>
             </a:r>
             <a:r>
               <a:rPr lang="en-US" dirty="0" smtClean="0"/>
@@ -6717,25 +6713,66 @@
             <a:br>
               <a:rPr lang="en-US" dirty="0" smtClean="0"/>
             </a:br>
-            <a:endParaRPr lang="en-US" dirty="0"/>
-          </a:p>
-        </p:txBody>
-      </p:sp>
-      <p:sp>
-        <p:nvSpPr>
-          <p:cNvPr id="3" name="Subtitle 2"/>
-          <p:cNvSpPr>
-            <a:spLocks noGrp="1"/>
-          </p:cNvSpPr>
-          <p:nvPr>
-            <p:ph type="subTitle" idx="1"/>
-          </p:nvPr>
-        </p:nvSpPr>
+            <a:r>
+              <a:rPr lang="en-US" dirty="0" smtClean="0"/>
+              <a:t/>
+            </a:r>
+            <a:br>
+              <a:rPr lang="en-US" dirty="0" smtClean="0"/>
+            </a:br>
+            <a:r>
+              <a:rPr lang="en-US" dirty="0" smtClean="0"/>
+              <a:t/>
+            </a:r>
+            <a:br>
+              <a:rPr lang="en-US" dirty="0" smtClean="0"/>
+            </a:br>
+            <a:endParaRPr lang="en-US" sz="3600" dirty="0"/>
+          </a:p>
+        </p:txBody>
+      </p:sp>
+      <p:pic>
+        <p:nvPicPr>
+          <p:cNvPr id="4" name="Picture 3"/>
+          <p:cNvPicPr>
+            <a:picLocks noChangeAspect="1"/>
+          </p:cNvPicPr>
+          <p:nvPr/>
+        </p:nvPicPr>
+        <p:blipFill>
+          <a:blip r:embed="rId2"/>
+          <a:stretch>
+            <a:fillRect/>
+          </a:stretch>
+        </p:blipFill>
         <p:spPr>
           <a:xfrm>
-            <a:off x="3654762" y="4563533"/>
-            <a:ext cx="6959449" cy="1752600"/>
+            <a:off x="5055061" y="1315883"/>
+            <a:ext cx="4172372" cy="4186660"/>
           </a:xfrm>
+          <a:prstGeom prst="rect">
+            <a:avLst/>
+          </a:prstGeom>
+        </p:spPr>
+      </p:pic>
+      <p:sp>
+        <p:nvSpPr>
+          <p:cNvPr id="3" name="Subtitle 2"/>
+          <p:cNvSpPr>
+            <a:spLocks noGrp="1"/>
+          </p:cNvSpPr>
+          <p:nvPr>
+            <p:ph type="subTitle" idx="1"/>
+          </p:nvPr>
+        </p:nvSpPr>
+        <p:spPr>
+          <a:xfrm>
+            <a:off x="3633188" y="5709931"/>
+            <a:ext cx="7016119" cy="1043796"/>
+          </a:xfrm>
+          <a:solidFill>
+            <a:schemeClr val="bg1"/>
+          </a:solidFill>
         </p:spPr>
         <p:txBody>
           <a:bodyPr>
@@ -6744,23 +6781,57 @@
           <a:lstStyle/>
           <a:p>
             <a:r>
-              <a:rPr lang="en-US" dirty="0" smtClean="0"/>
-              <a:t>Richard Johansen</a:t>
-            </a:r>
-          </a:p>
-          <a:p>
-            <a:r>
-              <a:rPr lang="en-US" dirty="0" smtClean="0"/>
-              <a:t>September 12</a:t>
-            </a:r>
-            <a:r>
-              <a:rPr lang="en-US" baseline="30000" dirty="0" smtClean="0"/>
-              <a:t>th</a:t>
-            </a:r>
-            <a:r>
-              <a:rPr lang="en-US" dirty="0" smtClean="0"/>
-              <a:t> 2018</a:t>
-            </a:r>
+              <a:rPr lang="en-US" sz="2800" dirty="0" smtClean="0">
+                <a:solidFill>
+                  <a:schemeClr val="tx1"/>
+                </a:solidFill>
+              </a:rPr>
+              <a:t>Twitter</a:t>
+            </a:r>
+            <a:r>
+              <a:rPr lang="en-US" sz="2800" dirty="0">
+                <a:solidFill>
+                  <a:schemeClr val="tx1"/>
+                </a:solidFill>
+              </a:rPr>
+              <a:t>: @</a:t>
+            </a:r>
+            <a:r>
+              <a:rPr lang="en-US" sz="2800" dirty="0" err="1" smtClean="0">
+                <a:solidFill>
+                  <a:schemeClr val="tx1"/>
+                </a:solidFill>
+              </a:rPr>
+              <a:t>DataVizJohansen</a:t>
+            </a:r>
+            <a:endParaRPr lang="en-US" sz="2800" dirty="0" smtClean="0">
+              <a:solidFill>
+                <a:schemeClr val="tx1"/>
+              </a:solidFill>
+            </a:endParaRPr>
+          </a:p>
+          <a:p>
+            <a:r>
+              <a:rPr lang="en-US" sz="2800" dirty="0">
+                <a:solidFill>
+                  <a:schemeClr val="tx1"/>
+                </a:solidFill>
+              </a:rPr>
+              <a:t>GitHub: https://</a:t>
+            </a:r>
+            <a:r>
+              <a:rPr lang="en-US" sz="2800" dirty="0" smtClean="0">
+                <a:solidFill>
+                  <a:schemeClr val="tx1"/>
+                </a:solidFill>
+              </a:rPr>
+              <a:t>github.com/RAJohansen</a:t>
+            </a:r>
+            <a:endParaRPr lang="en-US" sz="2800" dirty="0">
+              <a:solidFill>
+                <a:schemeClr val="tx1"/>
+              </a:solidFill>
+            </a:endParaRPr>
           </a:p>
         </p:txBody>
       </p:sp>
@@ -7705,17 +7776,7 @@
                   </a:schemeClr>
                 </a:solidFill>
               </a:rPr>
-              <a:t>What is </a:t>
-            </a:r>
-            <a:r>
-              <a:rPr lang="en-US" b="1" dirty="0" smtClean="0">
-                <a:solidFill>
-                  <a:schemeClr val="bg1">
-                    <a:lumMod val="65000"/>
-                  </a:schemeClr>
-                </a:solidFill>
-              </a:rPr>
-              <a:t>R?</a:t>
+              <a:t>What is R?</a:t>
             </a:r>
           </a:p>
           <a:p>
@@ -9378,14 +9439,14 @@
               <a:t>: @</a:t>
             </a:r>
             <a:r>
-              <a:rPr lang="en-US" sz="2800" b="1" dirty="0" err="1">
+              <a:rPr lang="en-US" sz="2800" b="1" dirty="0" err="1" smtClean="0">
                 <a:solidFill>
                   <a:schemeClr val="tx1"/>
                 </a:solidFill>
               </a:rPr>
               <a:t>DataVizJohansen</a:t>
             </a:r>
-            <a:endParaRPr lang="en-US" sz="2800" b="1" dirty="0">
+            <a:endParaRPr lang="en-US" sz="2800" b="1" dirty="0" smtClean="0">
               <a:solidFill>
                 <a:schemeClr val="tx1"/>
               </a:solidFill>
@@ -9393,6 +9454,22 @@
           </a:p>
           <a:p>
             <a:pPr algn="l"/>
+            <a:r>
+              <a:rPr lang="en-US" sz="2800" b="1" dirty="0" smtClean="0">
+                <a:solidFill>
+                  <a:schemeClr val="tx1"/>
+                </a:solidFill>
+              </a:rPr>
+              <a:t>GitHub</a:t>
+            </a:r>
+            <a:r>
+              <a:rPr lang="en-US" sz="2800" b="1" dirty="0">
+                <a:solidFill>
+                  <a:schemeClr val="tx1"/>
+                </a:solidFill>
+              </a:rPr>
+              <a:t>: https://github.com/RAJohansen</a:t>
+            </a:r>
             <a:endParaRPr lang="en-US" sz="2800" dirty="0" smtClean="0">
               <a:solidFill>
                 <a:schemeClr val="tx1"/>
@@ -9927,11 +10004,7 @@
             </a:pPr>
             <a:r>
               <a:rPr lang="en-US" b="1" dirty="0" smtClean="0"/>
-              <a:t>What is </a:t>
-            </a:r>
-            <a:r>
-              <a:rPr lang="en-US" b="1" dirty="0" smtClean="0"/>
-              <a:t>R?</a:t>
+              <a:t>What is R?</a:t>
             </a:r>
           </a:p>
           <a:p>
@@ -10351,15 +10424,7 @@
             <a:pPr lvl="1"/>
             <a:r>
               <a:rPr lang="en-US" dirty="0" smtClean="0"/>
-              <a:t>Free and </a:t>
-            </a:r>
-            <a:r>
-              <a:rPr lang="en-US" dirty="0" smtClean="0"/>
-              <a:t>Open-Source w/ large active </a:t>
-            </a:r>
-            <a:r>
-              <a:rPr lang="en-US" dirty="0" smtClean="0"/>
-              <a:t>community</a:t>
+              <a:t>Free and Open-Source w/ large active community</a:t>
             </a:r>
           </a:p>
           <a:p>
@@ -10858,17 +10923,7 @@
                   </a:schemeClr>
                 </a:solidFill>
               </a:rPr>
-              <a:t>What is </a:t>
-            </a:r>
-            <a:r>
-              <a:rPr lang="en-US" b="1" dirty="0" smtClean="0">
-                <a:solidFill>
-                  <a:schemeClr val="bg1">
-                    <a:lumMod val="65000"/>
-                  </a:schemeClr>
-                </a:solidFill>
-              </a:rPr>
-              <a:t>R?</a:t>
+              <a:t>What is R?</a:t>
             </a:r>
           </a:p>
           <a:p>

--- a/Intro_to_R/Introduction to R.pptx
+++ b/Intro_to_R/Introduction to R.pptx
@@ -6,7 +6,7 @@
     <p:sldMasterId id="2147483692" r:id="rId2"/>
   </p:sldMasterIdLst>
   <p:notesMasterIdLst>
-    <p:notesMasterId r:id="rId25"/>
+    <p:notesMasterId r:id="rId26"/>
   </p:notesMasterIdLst>
   <p:sldIdLst>
     <p:sldId id="283" r:id="rId3"/>
@@ -30,7 +30,8 @@
     <p:sldId id="351" r:id="rId21"/>
     <p:sldId id="359" r:id="rId22"/>
     <p:sldId id="361" r:id="rId23"/>
-    <p:sldId id="358" r:id="rId24"/>
+    <p:sldId id="362" r:id="rId24"/>
+    <p:sldId id="358" r:id="rId25"/>
   </p:sldIdLst>
   <p:sldSz cx="12192000" cy="6858000"/>
   <p:notesSz cx="6858000" cy="9144000"/>
@@ -219,7 +220,7 @@
           <a:p>
             <a:fld id="{85B0B4E8-A216-4834-BA1C-6A7DAFED7374}" type="datetimeFigureOut">
               <a:rPr lang="en-US" smtClean="0"/>
-              <a:t>11/6/2018</a:t>
+              <a:t>11/7/2018</a:t>
             </a:fld>
             <a:endParaRPr lang="en-US"/>
           </a:p>
@@ -727,7 +728,7 @@
           <a:p>
             <a:fld id="{C272A757-42F3-4527-9C1E-C8A1E1019F33}" type="datetimeFigureOut">
               <a:rPr lang="en-US" smtClean="0"/>
-              <a:t>11/6/2018</a:t>
+              <a:t>11/7/2018</a:t>
             </a:fld>
             <a:endParaRPr lang="en-US"/>
           </a:p>
@@ -897,7 +898,7 @@
           <a:p>
             <a:fld id="{C272A757-42F3-4527-9C1E-C8A1E1019F33}" type="datetimeFigureOut">
               <a:rPr lang="en-US" smtClean="0"/>
-              <a:t>11/6/2018</a:t>
+              <a:t>11/7/2018</a:t>
             </a:fld>
             <a:endParaRPr lang="en-US"/>
           </a:p>
@@ -1077,7 +1078,7 @@
           <a:p>
             <a:fld id="{C272A757-42F3-4527-9C1E-C8A1E1019F33}" type="datetimeFigureOut">
               <a:rPr lang="en-US" smtClean="0"/>
-              <a:t>11/6/2018</a:t>
+              <a:t>11/7/2018</a:t>
             </a:fld>
             <a:endParaRPr lang="en-US"/>
           </a:p>
@@ -1548,7 +1549,7 @@
             <a:fld id="{8ACDB3CC-F982-40F9-8DD6-BCC9AFBF44BD}" type="datetime1">
               <a:rPr lang="en-US" smtClean="0"/>
               <a:pPr/>
-              <a:t>11/6/2018</a:t>
+              <a:t>11/7/2018</a:t>
             </a:fld>
             <a:endParaRPr lang="en-US" dirty="0"/>
           </a:p>
@@ -1718,7 +1719,7 @@
           <a:p>
             <a:fld id="{68C2560D-EC28-3B41-86E8-18F1CE0113B4}" type="datetimeFigureOut">
               <a:rPr lang="en-US" smtClean="0"/>
-              <a:t>11/6/2018</a:t>
+              <a:t>11/7/2018</a:t>
             </a:fld>
             <a:endParaRPr lang="en-US"/>
           </a:p>
@@ -1965,7 +1966,7 @@
             <a:fld id="{4A9E7B99-7C3F-4BC3-B7B8-7E1F8C620B24}" type="datetime1">
               <a:rPr lang="en-US" smtClean="0"/>
               <a:pPr/>
-              <a:t>11/6/2018</a:t>
+              <a:t>11/7/2018</a:t>
             </a:fld>
             <a:endParaRPr lang="en-US"/>
           </a:p>
@@ -2259,7 +2260,7 @@
           <a:p>
             <a:fld id="{68C2560D-EC28-3B41-86E8-18F1CE0113B4}" type="datetimeFigureOut">
               <a:rPr lang="en-US" smtClean="0"/>
-              <a:t>11/6/2018</a:t>
+              <a:t>11/7/2018</a:t>
             </a:fld>
             <a:endParaRPr lang="en-US"/>
           </a:p>
@@ -2686,7 +2687,7 @@
           <a:p>
             <a:fld id="{68C2560D-EC28-3B41-86E8-18F1CE0113B4}" type="datetimeFigureOut">
               <a:rPr lang="en-US" smtClean="0"/>
-              <a:t>11/6/2018</a:t>
+              <a:t>11/7/2018</a:t>
             </a:fld>
             <a:endParaRPr lang="en-US"/>
           </a:p>
@@ -2804,7 +2805,7 @@
           <a:p>
             <a:fld id="{68C2560D-EC28-3B41-86E8-18F1CE0113B4}" type="datetimeFigureOut">
               <a:rPr lang="en-US" smtClean="0"/>
-              <a:t>11/6/2018</a:t>
+              <a:t>11/7/2018</a:t>
             </a:fld>
             <a:endParaRPr lang="en-US"/>
           </a:p>
@@ -2899,7 +2900,7 @@
           <a:p>
             <a:fld id="{68C2560D-EC28-3B41-86E8-18F1CE0113B4}" type="datetimeFigureOut">
               <a:rPr lang="en-US" smtClean="0"/>
-              <a:t>11/6/2018</a:t>
+              <a:t>11/7/2018</a:t>
             </a:fld>
             <a:endParaRPr lang="en-US"/>
           </a:p>
@@ -3069,7 +3070,7 @@
           <a:p>
             <a:fld id="{C272A757-42F3-4527-9C1E-C8A1E1019F33}" type="datetimeFigureOut">
               <a:rPr lang="en-US" smtClean="0"/>
-              <a:t>11/6/2018</a:t>
+              <a:t>11/7/2018</a:t>
             </a:fld>
             <a:endParaRPr lang="en-US"/>
           </a:p>
@@ -3346,7 +3347,7 @@
           <a:p>
             <a:fld id="{68C2560D-EC28-3B41-86E8-18F1CE0113B4}" type="datetimeFigureOut">
               <a:rPr lang="en-US" smtClean="0"/>
-              <a:t>11/6/2018</a:t>
+              <a:t>11/7/2018</a:t>
             </a:fld>
             <a:endParaRPr lang="en-US"/>
           </a:p>
@@ -3606,7 +3607,7 @@
           <a:p>
             <a:fld id="{68C2560D-EC28-3B41-86E8-18F1CE0113B4}" type="datetimeFigureOut">
               <a:rPr lang="en-US" smtClean="0"/>
-              <a:t>11/6/2018</a:t>
+              <a:t>11/7/2018</a:t>
             </a:fld>
             <a:endParaRPr lang="en-US"/>
           </a:p>
@@ -3776,7 +3777,7 @@
           <a:p>
             <a:fld id="{68C2560D-EC28-3B41-86E8-18F1CE0113B4}" type="datetimeFigureOut">
               <a:rPr lang="en-US" smtClean="0"/>
-              <a:t>11/6/2018</a:t>
+              <a:t>11/7/2018</a:t>
             </a:fld>
             <a:endParaRPr lang="en-US"/>
           </a:p>
@@ -3956,7 +3957,7 @@
           <a:p>
             <a:fld id="{68C2560D-EC28-3B41-86E8-18F1CE0113B4}" type="datetimeFigureOut">
               <a:rPr lang="en-US" smtClean="0"/>
-              <a:t>11/6/2018</a:t>
+              <a:t>11/7/2018</a:t>
             </a:fld>
             <a:endParaRPr lang="en-US"/>
           </a:p>
@@ -4202,7 +4203,7 @@
           <a:p>
             <a:fld id="{C272A757-42F3-4527-9C1E-C8A1E1019F33}" type="datetimeFigureOut">
               <a:rPr lang="en-US" smtClean="0"/>
-              <a:t>11/6/2018</a:t>
+              <a:t>11/7/2018</a:t>
             </a:fld>
             <a:endParaRPr lang="en-US"/>
           </a:p>
@@ -4434,7 +4435,7 @@
           <a:p>
             <a:fld id="{C272A757-42F3-4527-9C1E-C8A1E1019F33}" type="datetimeFigureOut">
               <a:rPr lang="en-US" smtClean="0"/>
-              <a:t>11/6/2018</a:t>
+              <a:t>11/7/2018</a:t>
             </a:fld>
             <a:endParaRPr lang="en-US"/>
           </a:p>
@@ -4801,7 +4802,7 @@
           <a:p>
             <a:fld id="{C272A757-42F3-4527-9C1E-C8A1E1019F33}" type="datetimeFigureOut">
               <a:rPr lang="en-US" smtClean="0"/>
-              <a:t>11/6/2018</a:t>
+              <a:t>11/7/2018</a:t>
             </a:fld>
             <a:endParaRPr lang="en-US"/>
           </a:p>
@@ -4919,7 +4920,7 @@
           <a:p>
             <a:fld id="{C272A757-42F3-4527-9C1E-C8A1E1019F33}" type="datetimeFigureOut">
               <a:rPr lang="en-US" smtClean="0"/>
-              <a:t>11/6/2018</a:t>
+              <a:t>11/7/2018</a:t>
             </a:fld>
             <a:endParaRPr lang="en-US"/>
           </a:p>
@@ -5014,7 +5015,7 @@
           <a:p>
             <a:fld id="{C272A757-42F3-4527-9C1E-C8A1E1019F33}" type="datetimeFigureOut">
               <a:rPr lang="en-US" smtClean="0"/>
-              <a:t>11/6/2018</a:t>
+              <a:t>11/7/2018</a:t>
             </a:fld>
             <a:endParaRPr lang="en-US"/>
           </a:p>
@@ -5291,7 +5292,7 @@
           <a:p>
             <a:fld id="{C272A757-42F3-4527-9C1E-C8A1E1019F33}" type="datetimeFigureOut">
               <a:rPr lang="en-US" smtClean="0"/>
-              <a:t>11/6/2018</a:t>
+              <a:t>11/7/2018</a:t>
             </a:fld>
             <a:endParaRPr lang="en-US"/>
           </a:p>
@@ -5544,7 +5545,7 @@
           <a:p>
             <a:fld id="{C272A757-42F3-4527-9C1E-C8A1E1019F33}" type="datetimeFigureOut">
               <a:rPr lang="en-US" smtClean="0"/>
-              <a:t>11/6/2018</a:t>
+              <a:t>11/7/2018</a:t>
             </a:fld>
             <a:endParaRPr lang="en-US"/>
           </a:p>
@@ -5757,7 +5758,7 @@
           <a:p>
             <a:fld id="{C272A757-42F3-4527-9C1E-C8A1E1019F33}" type="datetimeFigureOut">
               <a:rPr lang="en-US" smtClean="0"/>
-              <a:t>11/6/2018</a:t>
+              <a:t>11/7/2018</a:t>
             </a:fld>
             <a:endParaRPr lang="en-US"/>
           </a:p>
@@ -6305,7 +6306,7 @@
           <a:p>
             <a:fld id="{68C2560D-EC28-3B41-86E8-18F1CE0113B4}" type="datetimeFigureOut">
               <a:rPr lang="en-US" smtClean="0"/>
-              <a:t>11/6/2018</a:t>
+              <a:t>11/7/2018</a:t>
             </a:fld>
             <a:endParaRPr lang="en-US"/>
           </a:p>
@@ -7031,7 +7032,11 @@
             </a:r>
             <a:r>
               <a:rPr lang="en-US" dirty="0" smtClean="0"/>
-              <a:t>, records, points, cases, samples, instances, etc.</a:t>
+              <a:t>, observations, </a:t>
+            </a:r>
+            <a:r>
+              <a:rPr lang="en-US" dirty="0" smtClean="0"/>
+              <a:t>points, cases, samples, instances, etc.</a:t>
             </a:r>
           </a:p>
         </p:txBody>
@@ -7185,7 +7190,7 @@
           </p:cNvPicPr>
           <p:nvPr/>
         </p:nvPicPr>
-        <p:blipFill>
+        <p:blipFill rotWithShape="1">
           <a:blip r:embed="rId2">
             <a:extLst>
               <a:ext uri="{28A0092B-C50C-407E-A947-70E740481C1C}">
@@ -7193,15 +7198,13 @@
               </a:ext>
             </a:extLst>
           </a:blip>
-          <a:srcRect/>
-          <a:stretch>
-            <a:fillRect/>
-          </a:stretch>
+          <a:srcRect b="53050"/>
+          <a:stretch/>
         </p:blipFill>
         <p:spPr bwMode="auto">
           <a:xfrm>
-            <a:off x="7840133" y="967500"/>
-            <a:ext cx="3936267" cy="4630293"/>
+            <a:off x="7840133" y="3254105"/>
+            <a:ext cx="3936267" cy="2173906"/>
           </a:xfrm>
           <a:prstGeom prst="rect">
             <a:avLst/>
@@ -7249,6 +7252,45 @@
           </a:p>
         </p:txBody>
       </p:sp>
+      <p:pic>
+        <p:nvPicPr>
+          <p:cNvPr id="6" name="Picture 2" descr="https://qph.fs.quoracdn.net/main-qimg-7badb966d5ff6063ddb515737011ed1b-c"/>
+          <p:cNvPicPr>
+            <a:picLocks noChangeAspect="1" noChangeArrowheads="1"/>
+          </p:cNvPicPr>
+          <p:nvPr/>
+        </p:nvPicPr>
+        <p:blipFill rotWithShape="1">
+          <a:blip r:embed="rId2">
+            <a:extLst>
+              <a:ext uri="{28A0092B-C50C-407E-A947-70E740481C1C}">
+                <a14:useLocalDpi xmlns:a14="http://schemas.microsoft.com/office/drawing/2010/main" val="0"/>
+              </a:ext>
+            </a:extLst>
+          </a:blip>
+          <a:srcRect t="45611"/>
+          <a:stretch/>
+        </p:blipFill>
+        <p:spPr bwMode="auto">
+          <a:xfrm>
+            <a:off x="7658464" y="565938"/>
+            <a:ext cx="3936267" cy="2518385"/>
+          </a:xfrm>
+          <a:prstGeom prst="rect">
+            <a:avLst/>
+          </a:prstGeom>
+          <a:noFill/>
+          <a:extLst>
+            <a:ext uri="{909E8E84-426E-40DD-AFC4-6F175D3DCCD1}">
+              <a14:hiddenFill xmlns:a14="http://schemas.microsoft.com/office/drawing/2010/main">
+                <a:solidFill>
+                  <a:srgbClr val="FFFFFF"/>
+                </a:solidFill>
+              </a14:hiddenFill>
+            </a:ext>
+          </a:extLst>
+        </p:spPr>
+      </p:pic>
     </p:spTree>
     <p:extLst>
       <p:ext uri="{BB962C8B-B14F-4D97-AF65-F5344CB8AC3E}">
@@ -9097,7 +9139,7 @@
           <a:p>
             <a:r>
               <a:rPr lang="en-US" dirty="0" smtClean="0"/>
-              <a:t>Online Help/Resources</a:t>
+              <a:t>Additional Online Resources</a:t>
             </a:r>
             <a:endParaRPr lang="en-US" dirty="0"/>
           </a:p>
@@ -9199,6 +9241,170 @@
 </file>
 
 <file path=ppt/slides/slide22.xml><?xml version="1.0" encoding="utf-8"?>
+<p:sld xmlns:a="http://schemas.openxmlformats.org/drawingml/2006/main" xmlns:r="http://schemas.openxmlformats.org/officeDocument/2006/relationships" xmlns:p="http://schemas.openxmlformats.org/presentationml/2006/main">
+  <p:cSld>
+    <p:spTree>
+      <p:nvGrpSpPr>
+        <p:cNvPr id="1" name=""/>
+        <p:cNvGrpSpPr/>
+        <p:nvPr/>
+      </p:nvGrpSpPr>
+      <p:grpSpPr>
+        <a:xfrm>
+          <a:off x="0" y="0"/>
+          <a:ext cx="0" cy="0"/>
+          <a:chOff x="0" y="0"/>
+          <a:chExt cx="0" cy="0"/>
+        </a:xfrm>
+      </p:grpSpPr>
+      <p:sp>
+        <p:nvSpPr>
+          <p:cNvPr id="2" name="Title 1"/>
+          <p:cNvSpPr>
+            <a:spLocks noGrp="1"/>
+          </p:cNvSpPr>
+          <p:nvPr>
+            <p:ph type="title"/>
+          </p:nvPr>
+        </p:nvSpPr>
+        <p:spPr/>
+        <p:txBody>
+          <a:bodyPr>
+            <a:normAutofit fontScale="90000"/>
+          </a:bodyPr>
+          <a:lstStyle/>
+          <a:p>
+            <a:r>
+              <a:rPr lang="en-US" dirty="0" smtClean="0"/>
+              <a:t>UC R User Group</a:t>
+            </a:r>
+            <a:endParaRPr lang="en-US" dirty="0"/>
+          </a:p>
+        </p:txBody>
+      </p:sp>
+      <p:sp>
+        <p:nvSpPr>
+          <p:cNvPr id="3" name="Text Placeholder 2"/>
+          <p:cNvSpPr>
+            <a:spLocks noGrp="1"/>
+          </p:cNvSpPr>
+          <p:nvPr>
+            <p:ph type="body" idx="1"/>
+          </p:nvPr>
+        </p:nvSpPr>
+        <p:spPr/>
+        <p:txBody>
+          <a:bodyPr>
+            <a:normAutofit/>
+          </a:bodyPr>
+          <a:lstStyle/>
+          <a:p>
+            <a:pPr marL="0" indent="0">
+              <a:buNone/>
+            </a:pPr>
+            <a:r>
+              <a:rPr lang="en-US" dirty="0" smtClean="0"/>
+              <a:t>Expected initial meeting </a:t>
+            </a:r>
+            <a:r>
+              <a:rPr lang="en-US" b="1" dirty="0" smtClean="0"/>
+              <a:t>January 2019</a:t>
+            </a:r>
+            <a:r>
+              <a:rPr lang="en-US" dirty="0" smtClean="0"/>
+              <a:t>!</a:t>
+            </a:r>
+          </a:p>
+          <a:p>
+            <a:pPr marL="0" indent="0">
+              <a:buNone/>
+            </a:pPr>
+            <a:endParaRPr lang="en-US" dirty="0"/>
+          </a:p>
+          <a:p>
+            <a:pPr marL="0" indent="0">
+              <a:buNone/>
+            </a:pPr>
+            <a:r>
+              <a:rPr lang="en-US" dirty="0" smtClean="0"/>
+              <a:t>The main goal is to create a community of R users from all levels of experience and variety of academic interests: </a:t>
+            </a:r>
+          </a:p>
+          <a:p>
+            <a:pPr marL="0" indent="0">
+              <a:buNone/>
+            </a:pPr>
+            <a:r>
+              <a:rPr lang="en-US" dirty="0" smtClean="0"/>
+              <a:t> </a:t>
+            </a:r>
+          </a:p>
+          <a:p>
+            <a:pPr lvl="1"/>
+            <a:r>
+              <a:rPr lang="en-US" dirty="0" smtClean="0"/>
+              <a:t>Events &amp; Workshops</a:t>
+            </a:r>
+          </a:p>
+          <a:p>
+            <a:pPr lvl="1"/>
+            <a:r>
+              <a:rPr lang="en-US" dirty="0" smtClean="0"/>
+              <a:t>Monthly challenges (prizes!)</a:t>
+            </a:r>
+          </a:p>
+          <a:p>
+            <a:pPr lvl="1"/>
+            <a:r>
+              <a:rPr lang="en-US" dirty="0" smtClean="0"/>
+              <a:t>Research Collaborations</a:t>
+            </a:r>
+          </a:p>
+          <a:p>
+            <a:pPr lvl="1"/>
+            <a:r>
+              <a:rPr lang="en-US" dirty="0" smtClean="0"/>
+              <a:t>Hack-a-thons</a:t>
+            </a:r>
+          </a:p>
+          <a:p>
+            <a:pPr lvl="1"/>
+            <a:r>
+              <a:rPr lang="en-US" dirty="0" smtClean="0"/>
+              <a:t>Coffee &amp; Donuts! </a:t>
+            </a:r>
+          </a:p>
+          <a:p>
+            <a:endParaRPr lang="en-US" dirty="0"/>
+          </a:p>
+          <a:p>
+            <a:r>
+              <a:rPr lang="en-US" dirty="0" smtClean="0"/>
+              <a:t>Email signup form is in the back of the room</a:t>
+            </a:r>
+          </a:p>
+          <a:p>
+            <a:endParaRPr lang="en-US" dirty="0"/>
+          </a:p>
+          <a:p>
+            <a:endParaRPr lang="en-US" dirty="0"/>
+          </a:p>
+        </p:txBody>
+      </p:sp>
+    </p:spTree>
+    <p:extLst>
+      <p:ext uri="{BB962C8B-B14F-4D97-AF65-F5344CB8AC3E}">
+        <p14:creationId xmlns:p14="http://schemas.microsoft.com/office/powerpoint/2010/main" val="3243677561"/>
+      </p:ext>
+    </p:extLst>
+  </p:cSld>
+  <p:clrMapOvr>
+    <a:masterClrMapping/>
+  </p:clrMapOvr>
+</p:sld>
+</file>
+
+<file path=ppt/slides/slide23.xml><?xml version="1.0" encoding="utf-8"?>
 <p:sld xmlns:a="http://schemas.openxmlformats.org/drawingml/2006/main" xmlns:r="http://schemas.openxmlformats.org/officeDocument/2006/relationships" xmlns:p="http://schemas.openxmlformats.org/presentationml/2006/main">
   <p:cSld>
     <p:spTree>
